--- a/RecoverdDFTppt.pptx
+++ b/RecoverdDFTppt.pptx
@@ -5,16 +5,18 @@
     <p:sldMasterId id="2147483648" r:id="rId1"/>
   </p:sldMasterIdLst>
   <p:notesMasterIdLst>
-    <p:notesMasterId r:id="rId9"/>
+    <p:notesMasterId r:id="rId11"/>
   </p:notesMasterIdLst>
   <p:sldIdLst>
     <p:sldId id="256" r:id="rId2"/>
     <p:sldId id="257" r:id="rId3"/>
-    <p:sldId id="258" r:id="rId4"/>
-    <p:sldId id="259" r:id="rId5"/>
-    <p:sldId id="261" r:id="rId6"/>
-    <p:sldId id="262" r:id="rId7"/>
-    <p:sldId id="260" r:id="rId8"/>
+    <p:sldId id="263" r:id="rId4"/>
+    <p:sldId id="264" r:id="rId5"/>
+    <p:sldId id="258" r:id="rId6"/>
+    <p:sldId id="259" r:id="rId7"/>
+    <p:sldId id="261" r:id="rId8"/>
+    <p:sldId id="262" r:id="rId9"/>
+    <p:sldId id="260" r:id="rId10"/>
   </p:sldIdLst>
   <p:sldSz cx="12192000" cy="6858000"/>
   <p:notesSz cx="6858000" cy="9144000"/>
@@ -215,7 +217,7 @@
           <a:p>
             <a:fld id="{96F2C86F-4A2D-4626-A0AA-6F1FB8EFB446}" type="datetimeFigureOut">
               <a:rPr lang="en-US" smtClean="0"/>
-              <a:t>8/25/2020</a:t>
+              <a:t>8/28/2020</a:t>
             </a:fld>
             <a:endParaRPr lang="en-US"/>
           </a:p>
@@ -643,7 +645,7 @@
           <a:p>
             <a:fld id="{9601AF2B-5FCD-47A0-825D-A4952FFF1367}" type="slidenum">
               <a:rPr lang="en-US" smtClean="0"/>
-              <a:t>6</a:t>
+              <a:t>8</a:t>
             </a:fld>
             <a:endParaRPr lang="en-US"/>
           </a:p>
@@ -809,7 +811,7 @@
           <a:p>
             <a:fld id="{A68A2230-04CB-441E-9157-E70EC1ED1AFA}" type="datetimeFigureOut">
               <a:rPr lang="en-US" smtClean="0"/>
-              <a:t>8/25/2020</a:t>
+              <a:t>8/28/2020</a:t>
             </a:fld>
             <a:endParaRPr lang="en-US"/>
           </a:p>
@@ -1007,7 +1009,7 @@
           <a:p>
             <a:fld id="{A68A2230-04CB-441E-9157-E70EC1ED1AFA}" type="datetimeFigureOut">
               <a:rPr lang="en-US" smtClean="0"/>
-              <a:t>8/25/2020</a:t>
+              <a:t>8/28/2020</a:t>
             </a:fld>
             <a:endParaRPr lang="en-US"/>
           </a:p>
@@ -1215,7 +1217,7 @@
           <a:p>
             <a:fld id="{A68A2230-04CB-441E-9157-E70EC1ED1AFA}" type="datetimeFigureOut">
               <a:rPr lang="en-US" smtClean="0"/>
-              <a:t>8/25/2020</a:t>
+              <a:t>8/28/2020</a:t>
             </a:fld>
             <a:endParaRPr lang="en-US"/>
           </a:p>
@@ -1413,7 +1415,7 @@
           <a:p>
             <a:fld id="{A68A2230-04CB-441E-9157-E70EC1ED1AFA}" type="datetimeFigureOut">
               <a:rPr lang="en-US" smtClean="0"/>
-              <a:t>8/25/2020</a:t>
+              <a:t>8/28/2020</a:t>
             </a:fld>
             <a:endParaRPr lang="en-US"/>
           </a:p>
@@ -1688,7 +1690,7 @@
           <a:p>
             <a:fld id="{A68A2230-04CB-441E-9157-E70EC1ED1AFA}" type="datetimeFigureOut">
               <a:rPr lang="en-US" smtClean="0"/>
-              <a:t>8/25/2020</a:t>
+              <a:t>8/28/2020</a:t>
             </a:fld>
             <a:endParaRPr lang="en-US"/>
           </a:p>
@@ -1953,7 +1955,7 @@
           <a:p>
             <a:fld id="{A68A2230-04CB-441E-9157-E70EC1ED1AFA}" type="datetimeFigureOut">
               <a:rPr lang="en-US" smtClean="0"/>
-              <a:t>8/25/2020</a:t>
+              <a:t>8/28/2020</a:t>
             </a:fld>
             <a:endParaRPr lang="en-US"/>
           </a:p>
@@ -2365,7 +2367,7 @@
           <a:p>
             <a:fld id="{A68A2230-04CB-441E-9157-E70EC1ED1AFA}" type="datetimeFigureOut">
               <a:rPr lang="en-US" smtClean="0"/>
-              <a:t>8/25/2020</a:t>
+              <a:t>8/28/2020</a:t>
             </a:fld>
             <a:endParaRPr lang="en-US"/>
           </a:p>
@@ -2506,7 +2508,7 @@
           <a:p>
             <a:fld id="{A68A2230-04CB-441E-9157-E70EC1ED1AFA}" type="datetimeFigureOut">
               <a:rPr lang="en-US" smtClean="0"/>
-              <a:t>8/25/2020</a:t>
+              <a:t>8/28/2020</a:t>
             </a:fld>
             <a:endParaRPr lang="en-US"/>
           </a:p>
@@ -2619,7 +2621,7 @@
           <a:p>
             <a:fld id="{A68A2230-04CB-441E-9157-E70EC1ED1AFA}" type="datetimeFigureOut">
               <a:rPr lang="en-US" smtClean="0"/>
-              <a:t>8/25/2020</a:t>
+              <a:t>8/28/2020</a:t>
             </a:fld>
             <a:endParaRPr lang="en-US"/>
           </a:p>
@@ -2930,7 +2932,7 @@
           <a:p>
             <a:fld id="{A68A2230-04CB-441E-9157-E70EC1ED1AFA}" type="datetimeFigureOut">
               <a:rPr lang="en-US" smtClean="0"/>
-              <a:t>8/25/2020</a:t>
+              <a:t>8/28/2020</a:t>
             </a:fld>
             <a:endParaRPr lang="en-US"/>
           </a:p>
@@ -3218,7 +3220,7 @@
           <a:p>
             <a:fld id="{A68A2230-04CB-441E-9157-E70EC1ED1AFA}" type="datetimeFigureOut">
               <a:rPr lang="en-US" smtClean="0"/>
-              <a:t>8/25/2020</a:t>
+              <a:t>8/28/2020</a:t>
             </a:fld>
             <a:endParaRPr lang="en-US"/>
           </a:p>
@@ -3459,7 +3461,7 @@
           <a:p>
             <a:fld id="{A68A2230-04CB-441E-9157-E70EC1ED1AFA}" type="datetimeFigureOut">
               <a:rPr lang="en-US" smtClean="0"/>
-              <a:t>8/25/2020</a:t>
+              <a:t>8/28/2020</a:t>
             </a:fld>
             <a:endParaRPr lang="en-US"/>
           </a:p>
@@ -4067,6 +4069,301 @@
           <p:cNvPr id="2" name="Title 1">
             <a:extLst>
               <a:ext uri="{FF2B5EF4-FFF2-40B4-BE49-F238E27FC236}">
+                <a16:creationId xmlns:a16="http://schemas.microsoft.com/office/drawing/2014/main" id="{46F4043B-3880-4E51-A104-492328CE5E0A}"/>
+              </a:ext>
+            </a:extLst>
+          </p:cNvPr>
+          <p:cNvSpPr>
+            <a:spLocks noGrp="1"/>
+          </p:cNvSpPr>
+          <p:nvPr>
+            <p:ph type="title"/>
+          </p:nvPr>
+        </p:nvSpPr>
+        <p:spPr/>
+        <p:txBody>
+          <a:bodyPr/>
+          <a:lstStyle/>
+          <a:p>
+            <a:r>
+              <a:rPr lang="en-US" dirty="0"/>
+              <a:t>Overview</a:t>
+            </a:r>
+          </a:p>
+        </p:txBody>
+      </p:sp>
+      <p:sp>
+        <p:nvSpPr>
+          <p:cNvPr id="3" name="Content Placeholder 2">
+            <a:extLst>
+              <a:ext uri="{FF2B5EF4-FFF2-40B4-BE49-F238E27FC236}">
+                <a16:creationId xmlns:a16="http://schemas.microsoft.com/office/drawing/2014/main" id="{86068946-1436-49DF-99C4-3099F7F18D30}"/>
+              </a:ext>
+            </a:extLst>
+          </p:cNvPr>
+          <p:cNvSpPr>
+            <a:spLocks noGrp="1"/>
+          </p:cNvSpPr>
+          <p:nvPr>
+            <p:ph idx="1"/>
+          </p:nvPr>
+        </p:nvSpPr>
+        <p:spPr/>
+        <p:txBody>
+          <a:bodyPr/>
+          <a:lstStyle/>
+          <a:p>
+            <a:pPr algn="l">
+              <a:buFont typeface="Arial" panose="020B0604020202020204" pitchFamily="34" charset="0"/>
+              <a:buChar char="•"/>
+            </a:pPr>
+            <a:r>
+              <a:rPr lang="en-US" b="0" i="0" dirty="0">
+                <a:solidFill>
+                  <a:srgbClr val="333333"/>
+                </a:solidFill>
+                <a:effectLst/>
+                <a:latin typeface="Montserrat"/>
+              </a:rPr>
+              <a:t>Title Slide</a:t>
+            </a:r>
+          </a:p>
+          <a:p>
+            <a:pPr algn="l">
+              <a:buFont typeface="Arial" panose="020B0604020202020204" pitchFamily="34" charset="0"/>
+              <a:buChar char="•"/>
+            </a:pPr>
+            <a:r>
+              <a:rPr lang="en-US" b="0" i="0" dirty="0">
+                <a:solidFill>
+                  <a:srgbClr val="333333"/>
+                </a:solidFill>
+                <a:effectLst/>
+                <a:latin typeface="Montserrat"/>
+              </a:rPr>
+              <a:t>Your Background</a:t>
+            </a:r>
+          </a:p>
+          <a:p>
+            <a:pPr algn="l">
+              <a:buFont typeface="Arial" panose="020B0604020202020204" pitchFamily="34" charset="0"/>
+              <a:buChar char="•"/>
+            </a:pPr>
+            <a:r>
+              <a:rPr lang="en-US" b="0" i="0" dirty="0">
+                <a:solidFill>
+                  <a:srgbClr val="333333"/>
+                </a:solidFill>
+                <a:effectLst/>
+                <a:latin typeface="Montserrat"/>
+              </a:rPr>
+              <a:t>Project Introduction / Background</a:t>
+            </a:r>
+          </a:p>
+          <a:p>
+            <a:pPr algn="l">
+              <a:buFont typeface="Arial" panose="020B0604020202020204" pitchFamily="34" charset="0"/>
+              <a:buChar char="•"/>
+            </a:pPr>
+            <a:r>
+              <a:rPr lang="en-US" b="0" i="0" dirty="0">
+                <a:solidFill>
+                  <a:srgbClr val="333333"/>
+                </a:solidFill>
+                <a:effectLst/>
+                <a:latin typeface="Montserrat"/>
+              </a:rPr>
+              <a:t>Methods</a:t>
+            </a:r>
+          </a:p>
+          <a:p>
+            <a:pPr algn="l">
+              <a:buFont typeface="Arial" panose="020B0604020202020204" pitchFamily="34" charset="0"/>
+              <a:buChar char="•"/>
+            </a:pPr>
+            <a:r>
+              <a:rPr lang="en-US" b="0" i="0" dirty="0">
+                <a:solidFill>
+                  <a:srgbClr val="333333"/>
+                </a:solidFill>
+                <a:effectLst/>
+                <a:latin typeface="Montserrat"/>
+              </a:rPr>
+              <a:t>Results</a:t>
+            </a:r>
+          </a:p>
+          <a:p>
+            <a:pPr algn="l">
+              <a:buFont typeface="Arial" panose="020B0604020202020204" pitchFamily="34" charset="0"/>
+              <a:buChar char="•"/>
+            </a:pPr>
+            <a:r>
+              <a:rPr lang="en-US" b="0" i="0" dirty="0">
+                <a:solidFill>
+                  <a:srgbClr val="333333"/>
+                </a:solidFill>
+                <a:effectLst/>
+                <a:latin typeface="Montserrat"/>
+              </a:rPr>
+              <a:t>Summary</a:t>
+            </a:r>
+          </a:p>
+          <a:p>
+            <a:pPr algn="l">
+              <a:buFont typeface="Arial" panose="020B0604020202020204" pitchFamily="34" charset="0"/>
+              <a:buChar char="•"/>
+            </a:pPr>
+            <a:r>
+              <a:rPr lang="en-US" b="0" i="0" dirty="0">
+                <a:solidFill>
+                  <a:srgbClr val="333333"/>
+                </a:solidFill>
+                <a:effectLst/>
+                <a:latin typeface="Montserrat"/>
+              </a:rPr>
+              <a:t>Conclusions</a:t>
+            </a:r>
+          </a:p>
+          <a:p>
+            <a:pPr algn="l">
+              <a:buFont typeface="Arial" panose="020B0604020202020204" pitchFamily="34" charset="0"/>
+              <a:buChar char="•"/>
+            </a:pPr>
+            <a:r>
+              <a:rPr lang="en-US" b="0" i="0" dirty="0">
+                <a:solidFill>
+                  <a:srgbClr val="333333"/>
+                </a:solidFill>
+                <a:effectLst/>
+                <a:latin typeface="Montserrat"/>
+              </a:rPr>
+              <a:t>Questions</a:t>
+            </a:r>
+          </a:p>
+          <a:p>
+            <a:endParaRPr lang="en-US" dirty="0"/>
+          </a:p>
+        </p:txBody>
+      </p:sp>
+    </p:spTree>
+    <p:extLst>
+      <p:ext uri="{BB962C8B-B14F-4D97-AF65-F5344CB8AC3E}">
+        <p14:creationId xmlns:p14="http://schemas.microsoft.com/office/powerpoint/2010/main" val="1115756292"/>
+      </p:ext>
+    </p:extLst>
+  </p:cSld>
+  <p:clrMapOvr>
+    <a:masterClrMapping/>
+  </p:clrMapOvr>
+</p:sld>
+</file>
+
+<file path=ppt/slides/slide4.xml><?xml version="1.0" encoding="utf-8"?>
+<p:sld xmlns:a="http://schemas.openxmlformats.org/drawingml/2006/main" xmlns:r="http://schemas.openxmlformats.org/officeDocument/2006/relationships" xmlns:p="http://schemas.openxmlformats.org/presentationml/2006/main">
+  <p:cSld>
+    <p:spTree>
+      <p:nvGrpSpPr>
+        <p:cNvPr id="1" name=""/>
+        <p:cNvGrpSpPr/>
+        <p:nvPr/>
+      </p:nvGrpSpPr>
+      <p:grpSpPr>
+        <a:xfrm>
+          <a:off x="0" y="0"/>
+          <a:ext cx="0" cy="0"/>
+          <a:chOff x="0" y="0"/>
+          <a:chExt cx="0" cy="0"/>
+        </a:xfrm>
+      </p:grpSpPr>
+      <p:sp>
+        <p:nvSpPr>
+          <p:cNvPr id="2" name="Title 1">
+            <a:extLst>
+              <a:ext uri="{FF2B5EF4-FFF2-40B4-BE49-F238E27FC236}">
+                <a16:creationId xmlns:a16="http://schemas.microsoft.com/office/drawing/2014/main" id="{8ACC9718-8B84-4DBA-AB23-D7555D1F77AE}"/>
+              </a:ext>
+            </a:extLst>
+          </p:cNvPr>
+          <p:cNvSpPr>
+            <a:spLocks noGrp="1"/>
+          </p:cNvSpPr>
+          <p:nvPr>
+            <p:ph type="title"/>
+          </p:nvPr>
+        </p:nvSpPr>
+        <p:spPr/>
+        <p:txBody>
+          <a:bodyPr/>
+          <a:lstStyle/>
+          <a:p>
+            <a:r>
+              <a:rPr lang="en-US"/>
+              <a:t>Background</a:t>
+            </a:r>
+            <a:endParaRPr lang="en-US" dirty="0"/>
+          </a:p>
+        </p:txBody>
+      </p:sp>
+      <p:sp>
+        <p:nvSpPr>
+          <p:cNvPr id="3" name="Content Placeholder 2">
+            <a:extLst>
+              <a:ext uri="{FF2B5EF4-FFF2-40B4-BE49-F238E27FC236}">
+                <a16:creationId xmlns:a16="http://schemas.microsoft.com/office/drawing/2014/main" id="{39A47145-3EC6-42DB-BBD7-9FCEE02FF15F}"/>
+              </a:ext>
+            </a:extLst>
+          </p:cNvPr>
+          <p:cNvSpPr>
+            <a:spLocks noGrp="1"/>
+          </p:cNvSpPr>
+          <p:nvPr>
+            <p:ph idx="1"/>
+          </p:nvPr>
+        </p:nvSpPr>
+        <p:spPr/>
+        <p:txBody>
+          <a:bodyPr/>
+          <a:lstStyle/>
+          <a:p>
+            <a:endParaRPr lang="en-US"/>
+          </a:p>
+        </p:txBody>
+      </p:sp>
+    </p:spTree>
+    <p:extLst>
+      <p:ext uri="{BB962C8B-B14F-4D97-AF65-F5344CB8AC3E}">
+        <p14:creationId xmlns:p14="http://schemas.microsoft.com/office/powerpoint/2010/main" val="2342924608"/>
+      </p:ext>
+    </p:extLst>
+  </p:cSld>
+  <p:clrMapOvr>
+    <a:masterClrMapping/>
+  </p:clrMapOvr>
+</p:sld>
+</file>
+
+<file path=ppt/slides/slide5.xml><?xml version="1.0" encoding="utf-8"?>
+<p:sld xmlns:a="http://schemas.openxmlformats.org/drawingml/2006/main" xmlns:r="http://schemas.openxmlformats.org/officeDocument/2006/relationships" xmlns:p="http://schemas.openxmlformats.org/presentationml/2006/main">
+  <p:cSld>
+    <p:spTree>
+      <p:nvGrpSpPr>
+        <p:cNvPr id="1" name=""/>
+        <p:cNvGrpSpPr/>
+        <p:nvPr/>
+      </p:nvGrpSpPr>
+      <p:grpSpPr>
+        <a:xfrm>
+          <a:off x="0" y="0"/>
+          <a:ext cx="0" cy="0"/>
+          <a:chOff x="0" y="0"/>
+          <a:chExt cx="0" cy="0"/>
+        </a:xfrm>
+      </p:grpSpPr>
+      <p:sp>
+        <p:nvSpPr>
+          <p:cNvPr id="2" name="Title 1">
+            <a:extLst>
+              <a:ext uri="{FF2B5EF4-FFF2-40B4-BE49-F238E27FC236}">
                 <a16:creationId xmlns:a16="http://schemas.microsoft.com/office/drawing/2014/main" id="{34EB9AAA-5BEB-4CE6-AFB1-6C785AB4BE46}"/>
               </a:ext>
             </a:extLst>
@@ -4311,7 +4608,7 @@
 </p:sld>
 </file>
 
-<file path=ppt/slides/slide4.xml><?xml version="1.0" encoding="utf-8"?>
+<file path=ppt/slides/slide6.xml><?xml version="1.0" encoding="utf-8"?>
 <p:sld xmlns:a="http://schemas.openxmlformats.org/drawingml/2006/main" xmlns:r="http://schemas.openxmlformats.org/officeDocument/2006/relationships" xmlns:p="http://schemas.openxmlformats.org/presentationml/2006/main">
   <p:cSld>
     <p:spTree>
@@ -4552,7 +4849,7 @@
 </p:sld>
 </file>
 
-<file path=ppt/slides/slide5.xml><?xml version="1.0" encoding="utf-8"?>
+<file path=ppt/slides/slide7.xml><?xml version="1.0" encoding="utf-8"?>
 <p:sld xmlns:a="http://schemas.openxmlformats.org/drawingml/2006/main" xmlns:r="http://schemas.openxmlformats.org/officeDocument/2006/relationships" xmlns:p="http://schemas.openxmlformats.org/presentationml/2006/main">
   <p:cSld>
     <p:spTree>
@@ -4780,7 +5077,7 @@
 </p:sld>
 </file>
 
-<file path=ppt/slides/slide6.xml><?xml version="1.0" encoding="utf-8"?>
+<file path=ppt/slides/slide8.xml><?xml version="1.0" encoding="utf-8"?>
 <p:sld xmlns:a="http://schemas.openxmlformats.org/drawingml/2006/main" xmlns:r="http://schemas.openxmlformats.org/officeDocument/2006/relationships" xmlns:p="http://schemas.openxmlformats.org/presentationml/2006/main">
   <p:cSld>
     <p:spTree>
@@ -4879,7 +5176,7 @@
 </p:sld>
 </file>
 
-<file path=ppt/slides/slide7.xml><?xml version="1.0" encoding="utf-8"?>
+<file path=ppt/slides/slide9.xml><?xml version="1.0" encoding="utf-8"?>
 <p:sld xmlns:a="http://schemas.openxmlformats.org/drawingml/2006/main" xmlns:r="http://schemas.openxmlformats.org/officeDocument/2006/relationships" xmlns:p="http://schemas.openxmlformats.org/presentationml/2006/main">
   <p:cSld>
     <p:spTree>

--- a/RecoverdDFTppt.pptx
+++ b/RecoverdDFTppt.pptx
@@ -5,7 +5,7 @@
     <p:sldMasterId id="2147483648" r:id="rId1"/>
   </p:sldMasterIdLst>
   <p:notesMasterIdLst>
-    <p:notesMasterId r:id="rId11"/>
+    <p:notesMasterId r:id="rId14"/>
   </p:notesMasterIdLst>
   <p:sldIdLst>
     <p:sldId id="256" r:id="rId2"/>
@@ -16,7 +16,10 @@
     <p:sldId id="259" r:id="rId7"/>
     <p:sldId id="261" r:id="rId8"/>
     <p:sldId id="262" r:id="rId9"/>
-    <p:sldId id="260" r:id="rId10"/>
+    <p:sldId id="265" r:id="rId10"/>
+    <p:sldId id="267" r:id="rId11"/>
+    <p:sldId id="266" r:id="rId12"/>
+    <p:sldId id="260" r:id="rId13"/>
   </p:sldIdLst>
   <p:sldSz cx="12192000" cy="6858000"/>
   <p:notesSz cx="6858000" cy="9144000"/>
@@ -217,7 +220,7 @@
           <a:p>
             <a:fld id="{96F2C86F-4A2D-4626-A0AA-6F1FB8EFB446}" type="datetimeFigureOut">
               <a:rPr lang="en-US" smtClean="0"/>
-              <a:t>8/28/2020</a:t>
+              <a:t>8/29/2020</a:t>
             </a:fld>
             <a:endParaRPr lang="en-US"/>
           </a:p>
@@ -811,7 +814,7 @@
           <a:p>
             <a:fld id="{A68A2230-04CB-441E-9157-E70EC1ED1AFA}" type="datetimeFigureOut">
               <a:rPr lang="en-US" smtClean="0"/>
-              <a:t>8/28/2020</a:t>
+              <a:t>8/29/2020</a:t>
             </a:fld>
             <a:endParaRPr lang="en-US"/>
           </a:p>
@@ -1009,7 +1012,7 @@
           <a:p>
             <a:fld id="{A68A2230-04CB-441E-9157-E70EC1ED1AFA}" type="datetimeFigureOut">
               <a:rPr lang="en-US" smtClean="0"/>
-              <a:t>8/28/2020</a:t>
+              <a:t>8/29/2020</a:t>
             </a:fld>
             <a:endParaRPr lang="en-US"/>
           </a:p>
@@ -1217,7 +1220,7 @@
           <a:p>
             <a:fld id="{A68A2230-04CB-441E-9157-E70EC1ED1AFA}" type="datetimeFigureOut">
               <a:rPr lang="en-US" smtClean="0"/>
-              <a:t>8/28/2020</a:t>
+              <a:t>8/29/2020</a:t>
             </a:fld>
             <a:endParaRPr lang="en-US"/>
           </a:p>
@@ -1415,7 +1418,7 @@
           <a:p>
             <a:fld id="{A68A2230-04CB-441E-9157-E70EC1ED1AFA}" type="datetimeFigureOut">
               <a:rPr lang="en-US" smtClean="0"/>
-              <a:t>8/28/2020</a:t>
+              <a:t>8/29/2020</a:t>
             </a:fld>
             <a:endParaRPr lang="en-US"/>
           </a:p>
@@ -1690,7 +1693,7 @@
           <a:p>
             <a:fld id="{A68A2230-04CB-441E-9157-E70EC1ED1AFA}" type="datetimeFigureOut">
               <a:rPr lang="en-US" smtClean="0"/>
-              <a:t>8/28/2020</a:t>
+              <a:t>8/29/2020</a:t>
             </a:fld>
             <a:endParaRPr lang="en-US"/>
           </a:p>
@@ -1955,7 +1958,7 @@
           <a:p>
             <a:fld id="{A68A2230-04CB-441E-9157-E70EC1ED1AFA}" type="datetimeFigureOut">
               <a:rPr lang="en-US" smtClean="0"/>
-              <a:t>8/28/2020</a:t>
+              <a:t>8/29/2020</a:t>
             </a:fld>
             <a:endParaRPr lang="en-US"/>
           </a:p>
@@ -2367,7 +2370,7 @@
           <a:p>
             <a:fld id="{A68A2230-04CB-441E-9157-E70EC1ED1AFA}" type="datetimeFigureOut">
               <a:rPr lang="en-US" smtClean="0"/>
-              <a:t>8/28/2020</a:t>
+              <a:t>8/29/2020</a:t>
             </a:fld>
             <a:endParaRPr lang="en-US"/>
           </a:p>
@@ -2508,7 +2511,7 @@
           <a:p>
             <a:fld id="{A68A2230-04CB-441E-9157-E70EC1ED1AFA}" type="datetimeFigureOut">
               <a:rPr lang="en-US" smtClean="0"/>
-              <a:t>8/28/2020</a:t>
+              <a:t>8/29/2020</a:t>
             </a:fld>
             <a:endParaRPr lang="en-US"/>
           </a:p>
@@ -2621,7 +2624,7 @@
           <a:p>
             <a:fld id="{A68A2230-04CB-441E-9157-E70EC1ED1AFA}" type="datetimeFigureOut">
               <a:rPr lang="en-US" smtClean="0"/>
-              <a:t>8/28/2020</a:t>
+              <a:t>8/29/2020</a:t>
             </a:fld>
             <a:endParaRPr lang="en-US"/>
           </a:p>
@@ -2932,7 +2935,7 @@
           <a:p>
             <a:fld id="{A68A2230-04CB-441E-9157-E70EC1ED1AFA}" type="datetimeFigureOut">
               <a:rPr lang="en-US" smtClean="0"/>
-              <a:t>8/28/2020</a:t>
+              <a:t>8/29/2020</a:t>
             </a:fld>
             <a:endParaRPr lang="en-US"/>
           </a:p>
@@ -3220,7 +3223,7 @@
           <a:p>
             <a:fld id="{A68A2230-04CB-441E-9157-E70EC1ED1AFA}" type="datetimeFigureOut">
               <a:rPr lang="en-US" smtClean="0"/>
-              <a:t>8/28/2020</a:t>
+              <a:t>8/29/2020</a:t>
             </a:fld>
             <a:endParaRPr lang="en-US"/>
           </a:p>
@@ -3461,7 +3464,7 @@
           <a:p>
             <a:fld id="{A68A2230-04CB-441E-9157-E70EC1ED1AFA}" type="datetimeFigureOut">
               <a:rPr lang="en-US" smtClean="0"/>
-              <a:t>8/28/2020</a:t>
+              <a:t>8/29/2020</a:t>
             </a:fld>
             <a:endParaRPr lang="en-US"/>
           </a:p>
@@ -3949,6 +3952,341 @@
 </p:sld>
 </file>
 
+<file path=ppt/slides/slide10.xml><?xml version="1.0" encoding="utf-8"?>
+<p:sld xmlns:a="http://schemas.openxmlformats.org/drawingml/2006/main" xmlns:r="http://schemas.openxmlformats.org/officeDocument/2006/relationships" xmlns:p="http://schemas.openxmlformats.org/presentationml/2006/main">
+  <p:cSld>
+    <p:spTree>
+      <p:nvGrpSpPr>
+        <p:cNvPr id="1" name=""/>
+        <p:cNvGrpSpPr/>
+        <p:nvPr/>
+      </p:nvGrpSpPr>
+      <p:grpSpPr>
+        <a:xfrm>
+          <a:off x="0" y="0"/>
+          <a:ext cx="0" cy="0"/>
+          <a:chOff x="0" y="0"/>
+          <a:chExt cx="0" cy="0"/>
+        </a:xfrm>
+      </p:grpSpPr>
+      <p:sp>
+        <p:nvSpPr>
+          <p:cNvPr id="2" name="Title 1">
+            <a:extLst>
+              <a:ext uri="{FF2B5EF4-FFF2-40B4-BE49-F238E27FC236}">
+                <a16:creationId xmlns:a16="http://schemas.microsoft.com/office/drawing/2014/main" id="{AE3B0C92-8C33-47A9-94A2-801A38F6B3E0}"/>
+              </a:ext>
+            </a:extLst>
+          </p:cNvPr>
+          <p:cNvSpPr>
+            <a:spLocks noGrp="1"/>
+          </p:cNvSpPr>
+          <p:nvPr>
+            <p:ph type="title"/>
+          </p:nvPr>
+        </p:nvSpPr>
+        <p:spPr>
+          <a:xfrm>
+            <a:off x="838200" y="365125"/>
+            <a:ext cx="10515600" cy="2035174"/>
+          </a:xfrm>
+        </p:spPr>
+        <p:txBody>
+          <a:bodyPr>
+            <a:normAutofit fontScale="90000"/>
+          </a:bodyPr>
+          <a:lstStyle/>
+          <a:p>
+            <a:r>
+              <a:rPr lang="en-US" dirty="0"/>
+              <a:t>QN: </a:t>
+            </a:r>
+            <a:r>
+              <a:rPr lang="en-US" b="1" i="0" dirty="0">
+                <a:solidFill>
+                  <a:srgbClr val="000000"/>
+                </a:solidFill>
+                <a:effectLst/>
+                <a:latin typeface="Helvetica Neue"/>
+              </a:rPr>
+              <a:t> </a:t>
+            </a:r>
+            <a:r>
+              <a:rPr lang="en-US" i="0" dirty="0">
+                <a:solidFill>
+                  <a:srgbClr val="000000"/>
+                </a:solidFill>
+                <a:effectLst/>
+              </a:rPr>
+              <a:t>Are the number of homeless cases affecting the general public. Are the homeless spreading COVID19 because they have no homes?</a:t>
+            </a:r>
+            <a:endParaRPr lang="en-US" dirty="0"/>
+          </a:p>
+        </p:txBody>
+      </p:sp>
+      <p:sp>
+        <p:nvSpPr>
+          <p:cNvPr id="3" name="Content Placeholder 2">
+            <a:extLst>
+              <a:ext uri="{FF2B5EF4-FFF2-40B4-BE49-F238E27FC236}">
+                <a16:creationId xmlns:a16="http://schemas.microsoft.com/office/drawing/2014/main" id="{9875D5FB-597C-43A6-B437-0B3C198EC566}"/>
+              </a:ext>
+            </a:extLst>
+          </p:cNvPr>
+          <p:cNvSpPr>
+            <a:spLocks noGrp="1"/>
+          </p:cNvSpPr>
+          <p:nvPr>
+            <p:ph idx="1"/>
+          </p:nvPr>
+        </p:nvSpPr>
+        <p:spPr>
+          <a:xfrm>
+            <a:off x="838200" y="2400299"/>
+            <a:ext cx="10515600" cy="3776663"/>
+          </a:xfrm>
+        </p:spPr>
+        <p:txBody>
+          <a:bodyPr/>
+          <a:lstStyle/>
+          <a:p>
+            <a:r>
+              <a:rPr lang="en-US" dirty="0"/>
+              <a:t>We ran linear regression predictive analysis.</a:t>
+            </a:r>
+          </a:p>
+          <a:p>
+            <a:pPr lvl="1"/>
+            <a:r>
+              <a:rPr lang="en-US" dirty="0"/>
+              <a:t>Linear regression will be used to explain the relationship between the homeless population and the general public population.</a:t>
+            </a:r>
+          </a:p>
+          <a:p>
+            <a:r>
+              <a:rPr lang="en-US" dirty="0"/>
+              <a:t>We discovered that the homeless population was responsible for 996% of the spread of COVID19 to the general public. The 4% can be explained by other factors. </a:t>
+            </a:r>
+          </a:p>
+          <a:p>
+            <a:r>
+              <a:rPr lang="en-US" dirty="0"/>
+              <a:t>How ever, we found a lot of variance, the data was not evenly distributed.</a:t>
+            </a:r>
+          </a:p>
+        </p:txBody>
+      </p:sp>
+    </p:spTree>
+    <p:extLst>
+      <p:ext uri="{BB962C8B-B14F-4D97-AF65-F5344CB8AC3E}">
+        <p14:creationId xmlns:p14="http://schemas.microsoft.com/office/powerpoint/2010/main" val="2763260367"/>
+      </p:ext>
+    </p:extLst>
+  </p:cSld>
+  <p:clrMapOvr>
+    <a:masterClrMapping/>
+  </p:clrMapOvr>
+</p:sld>
+</file>
+
+<file path=ppt/slides/slide11.xml><?xml version="1.0" encoding="utf-8"?>
+<p:sld xmlns:a="http://schemas.openxmlformats.org/drawingml/2006/main" xmlns:r="http://schemas.openxmlformats.org/officeDocument/2006/relationships" xmlns:p="http://schemas.openxmlformats.org/presentationml/2006/main">
+  <p:cSld>
+    <p:spTree>
+      <p:nvGrpSpPr>
+        <p:cNvPr id="1" name=""/>
+        <p:cNvGrpSpPr/>
+        <p:nvPr/>
+      </p:nvGrpSpPr>
+      <p:grpSpPr>
+        <a:xfrm>
+          <a:off x="0" y="0"/>
+          <a:ext cx="0" cy="0"/>
+          <a:chOff x="0" y="0"/>
+          <a:chExt cx="0" cy="0"/>
+        </a:xfrm>
+      </p:grpSpPr>
+      <p:sp>
+        <p:nvSpPr>
+          <p:cNvPr id="2" name="Title 1">
+            <a:extLst>
+              <a:ext uri="{FF2B5EF4-FFF2-40B4-BE49-F238E27FC236}">
+                <a16:creationId xmlns:a16="http://schemas.microsoft.com/office/drawing/2014/main" id="{AE3B0C92-8C33-47A9-94A2-801A38F6B3E0}"/>
+              </a:ext>
+            </a:extLst>
+          </p:cNvPr>
+          <p:cNvSpPr>
+            <a:spLocks noGrp="1"/>
+          </p:cNvSpPr>
+          <p:nvPr>
+            <p:ph type="title"/>
+          </p:nvPr>
+        </p:nvSpPr>
+        <p:spPr/>
+        <p:txBody>
+          <a:bodyPr/>
+          <a:lstStyle/>
+          <a:p>
+            <a:endParaRPr lang="en-US"/>
+          </a:p>
+        </p:txBody>
+      </p:sp>
+      <p:sp>
+        <p:nvSpPr>
+          <p:cNvPr id="3" name="Content Placeholder 2">
+            <a:extLst>
+              <a:ext uri="{FF2B5EF4-FFF2-40B4-BE49-F238E27FC236}">
+                <a16:creationId xmlns:a16="http://schemas.microsoft.com/office/drawing/2014/main" id="{9875D5FB-597C-43A6-B437-0B3C198EC566}"/>
+              </a:ext>
+            </a:extLst>
+          </p:cNvPr>
+          <p:cNvSpPr>
+            <a:spLocks noGrp="1"/>
+          </p:cNvSpPr>
+          <p:nvPr>
+            <p:ph idx="1"/>
+          </p:nvPr>
+        </p:nvSpPr>
+        <p:spPr/>
+        <p:txBody>
+          <a:bodyPr/>
+          <a:lstStyle/>
+          <a:p>
+            <a:endParaRPr lang="en-US"/>
+          </a:p>
+        </p:txBody>
+      </p:sp>
+    </p:spTree>
+    <p:extLst>
+      <p:ext uri="{BB962C8B-B14F-4D97-AF65-F5344CB8AC3E}">
+        <p14:creationId xmlns:p14="http://schemas.microsoft.com/office/powerpoint/2010/main" val="808064136"/>
+      </p:ext>
+    </p:extLst>
+  </p:cSld>
+  <p:clrMapOvr>
+    <a:masterClrMapping/>
+  </p:clrMapOvr>
+</p:sld>
+</file>
+
+<file path=ppt/slides/slide12.xml><?xml version="1.0" encoding="utf-8"?>
+<p:sld xmlns:a="http://schemas.openxmlformats.org/drawingml/2006/main" xmlns:r="http://schemas.openxmlformats.org/officeDocument/2006/relationships" xmlns:p="http://schemas.openxmlformats.org/presentationml/2006/main">
+  <p:cSld>
+    <p:spTree>
+      <p:nvGrpSpPr>
+        <p:cNvPr id="1" name=""/>
+        <p:cNvGrpSpPr/>
+        <p:nvPr/>
+      </p:nvGrpSpPr>
+      <p:grpSpPr>
+        <a:xfrm>
+          <a:off x="0" y="0"/>
+          <a:ext cx="0" cy="0"/>
+          <a:chOff x="0" y="0"/>
+          <a:chExt cx="0" cy="0"/>
+        </a:xfrm>
+      </p:grpSpPr>
+      <p:sp>
+        <p:nvSpPr>
+          <p:cNvPr id="2" name="Title 1">
+            <a:extLst>
+              <a:ext uri="{FF2B5EF4-FFF2-40B4-BE49-F238E27FC236}">
+                <a16:creationId xmlns:a16="http://schemas.microsoft.com/office/drawing/2014/main" id="{2385F15A-0D6A-4078-B7AC-40B46686C7DE}"/>
+              </a:ext>
+            </a:extLst>
+          </p:cNvPr>
+          <p:cNvSpPr>
+            <a:spLocks noGrp="1"/>
+          </p:cNvSpPr>
+          <p:nvPr>
+            <p:ph type="title"/>
+          </p:nvPr>
+        </p:nvSpPr>
+        <p:spPr/>
+        <p:txBody>
+          <a:bodyPr/>
+          <a:lstStyle/>
+          <a:p>
+            <a:r>
+              <a:rPr lang="en-US" dirty="0"/>
+              <a:t>Sources </a:t>
+            </a:r>
+          </a:p>
+        </p:txBody>
+      </p:sp>
+      <p:sp>
+        <p:nvSpPr>
+          <p:cNvPr id="3" name="Content Placeholder 2">
+            <a:extLst>
+              <a:ext uri="{FF2B5EF4-FFF2-40B4-BE49-F238E27FC236}">
+                <a16:creationId xmlns:a16="http://schemas.microsoft.com/office/drawing/2014/main" id="{81D600BF-F155-407F-ACE0-F887C21236EE}"/>
+              </a:ext>
+            </a:extLst>
+          </p:cNvPr>
+          <p:cNvSpPr>
+            <a:spLocks noGrp="1"/>
+          </p:cNvSpPr>
+          <p:nvPr>
+            <p:ph idx="1"/>
+          </p:nvPr>
+        </p:nvSpPr>
+        <p:spPr/>
+        <p:txBody>
+          <a:bodyPr>
+            <a:normAutofit/>
+          </a:bodyPr>
+          <a:lstStyle/>
+          <a:p>
+            <a:pPr marL="0" indent="0">
+              <a:buNone/>
+            </a:pPr>
+            <a:r>
+              <a:rPr lang="en-US" sz="2000" dirty="0"/>
+              <a:t>Coronavirus</a:t>
+            </a:r>
+          </a:p>
+          <a:p>
+            <a:r>
+              <a:rPr lang="en-US" sz="2000" dirty="0">
+                <a:hlinkClick r:id="rId2"/>
+              </a:rPr>
+              <a:t>https://www.cdc.gov/coronavirus/types.html</a:t>
+            </a:r>
+            <a:endParaRPr lang="en-US" sz="2000" dirty="0"/>
+          </a:p>
+          <a:p>
+            <a:r>
+              <a:rPr lang="en-US" sz="2000" dirty="0">
+                <a:hlinkClick r:id="rId3"/>
+              </a:rPr>
+              <a:t>https://www.cdc.gov/media/subtopic/images.htm</a:t>
+            </a:r>
+            <a:endParaRPr lang="en-US" sz="2000" dirty="0"/>
+          </a:p>
+          <a:p>
+            <a:r>
+              <a:rPr lang="en-US" sz="2000" dirty="0">
+                <a:hlinkClick r:id="rId4"/>
+              </a:rPr>
+              <a:t>https://coronavirus.jhu.edu/map.html</a:t>
+            </a:r>
+            <a:endParaRPr lang="en-US" sz="2000" dirty="0"/>
+          </a:p>
+        </p:txBody>
+      </p:sp>
+    </p:spTree>
+    <p:extLst>
+      <p:ext uri="{BB962C8B-B14F-4D97-AF65-F5344CB8AC3E}">
+        <p14:creationId xmlns:p14="http://schemas.microsoft.com/office/powerpoint/2010/main" val="1276680627"/>
+      </p:ext>
+    </p:extLst>
+  </p:cSld>
+  <p:clrMapOvr>
+    <a:masterClrMapping/>
+  </p:clrMapOvr>
+</p:sld>
+</file>
+
 <file path=ppt/slides/slide2.xml><?xml version="1.0" encoding="utf-8"?>
 <p:sld xmlns:a="http://schemas.openxmlformats.org/drawingml/2006/main" xmlns:r="http://schemas.openxmlformats.org/officeDocument/2006/relationships" xmlns:p="http://schemas.openxmlformats.org/presentationml/2006/main">
   <p:cSld>
@@ -5198,7 +5536,7 @@
           <p:cNvPr id="2" name="Title 1">
             <a:extLst>
               <a:ext uri="{FF2B5EF4-FFF2-40B4-BE49-F238E27FC236}">
-                <a16:creationId xmlns:a16="http://schemas.microsoft.com/office/drawing/2014/main" id="{2385F15A-0D6A-4078-B7AC-40B46686C7DE}"/>
+                <a16:creationId xmlns:a16="http://schemas.microsoft.com/office/drawing/2014/main" id="{AE3B0C92-8C33-47A9-94A2-801A38F6B3E0}"/>
               </a:ext>
             </a:extLst>
           </p:cNvPr>
@@ -5209,14 +5547,19 @@
             <p:ph type="title"/>
           </p:nvPr>
         </p:nvSpPr>
-        <p:spPr/>
+        <p:spPr>
+          <a:xfrm>
+            <a:off x="838200" y="365125"/>
+            <a:ext cx="10515600" cy="1711325"/>
+          </a:xfrm>
+        </p:spPr>
         <p:txBody>
           <a:bodyPr/>
           <a:lstStyle/>
           <a:p>
             <a:r>
               <a:rPr lang="en-US" dirty="0"/>
-              <a:t>Sources </a:t>
+              <a:t>QN: Are the homeless cases equal to the general public cases.</a:t>
             </a:r>
           </a:p>
         </p:txBody>
@@ -5226,7 +5569,7 @@
           <p:cNvPr id="3" name="Content Placeholder 2">
             <a:extLst>
               <a:ext uri="{FF2B5EF4-FFF2-40B4-BE49-F238E27FC236}">
-                <a16:creationId xmlns:a16="http://schemas.microsoft.com/office/drawing/2014/main" id="{81D600BF-F155-407F-ACE0-F887C21236EE}"/>
+                <a16:creationId xmlns:a16="http://schemas.microsoft.com/office/drawing/2014/main" id="{9875D5FB-597C-43A6-B437-0B3C198EC566}"/>
               </a:ext>
             </a:extLst>
           </p:cNvPr>
@@ -5237,54 +5580,40 @@
             <p:ph idx="1"/>
           </p:nvPr>
         </p:nvSpPr>
-        <p:spPr/>
-        <p:txBody>
-          <a:bodyPr>
-            <a:normAutofit/>
-          </a:bodyPr>
-          <a:lstStyle/>
-          <a:p>
-            <a:pPr marL="0" indent="0">
-              <a:buNone/>
-            </a:pPr>
-            <a:r>
-              <a:rPr lang="en-US" sz="2000" dirty="0"/>
-              <a:t>Coronavirus</a:t>
-            </a:r>
-          </a:p>
-          <a:p>
-            <a:r>
-              <a:rPr lang="en-US" sz="2000" dirty="0">
-                <a:hlinkClick r:id="rId2"/>
-              </a:rPr>
-              <a:t>https://www.cdc.gov/coronavirus/types.html</a:t>
-            </a:r>
-            <a:endParaRPr lang="en-US" sz="2000" dirty="0"/>
-          </a:p>
-          <a:p>
-            <a:r>
-              <a:rPr lang="en-US" sz="2000" dirty="0">
-                <a:hlinkClick r:id="rId3"/>
-              </a:rPr>
-              <a:t>https://www.cdc.gov/media/subtopic/images.htm</a:t>
-            </a:r>
-            <a:endParaRPr lang="en-US" sz="2000" dirty="0"/>
-          </a:p>
-          <a:p>
-            <a:r>
-              <a:rPr lang="en-US" sz="2000" dirty="0">
-                <a:hlinkClick r:id="rId4"/>
-              </a:rPr>
-              <a:t>https://coronavirus.jhu.edu/map.html</a:t>
-            </a:r>
-            <a:endParaRPr lang="en-US" sz="2000" dirty="0"/>
+        <p:spPr>
+          <a:xfrm>
+            <a:off x="838200" y="2400299"/>
+            <a:ext cx="10515600" cy="3776663"/>
+          </a:xfrm>
+        </p:spPr>
+        <p:txBody>
+          <a:bodyPr/>
+          <a:lstStyle/>
+          <a:p>
+            <a:r>
+              <a:rPr lang="en-US" dirty="0"/>
+              <a:t>We ran a one proportional z-test </a:t>
+            </a:r>
+          </a:p>
+          <a:p>
+            <a:pPr lvl="1"/>
+            <a:r>
+              <a:rPr lang="en-US" dirty="0"/>
+              <a:t>A one proportion z-test is used to compare an observed proportion to a theoretical one, when there are only 2 categories</a:t>
+            </a:r>
+          </a:p>
+          <a:p>
+            <a:r>
+              <a:rPr lang="en-US" dirty="0"/>
+              <a:t>We discovered that , the homeless cases are not equal to the general public cases. In fact that the homeless cases are only 3.8% of the positive COVID19 cases observed in San Francisco. </a:t>
+            </a:r>
           </a:p>
         </p:txBody>
       </p:sp>
     </p:spTree>
     <p:extLst>
       <p:ext uri="{BB962C8B-B14F-4D97-AF65-F5344CB8AC3E}">
-        <p14:creationId xmlns:p14="http://schemas.microsoft.com/office/powerpoint/2010/main" val="1276680627"/>
+        <p14:creationId xmlns:p14="http://schemas.microsoft.com/office/powerpoint/2010/main" val="2766681524"/>
       </p:ext>
     </p:extLst>
   </p:cSld>

--- a/RecoverdDFTppt.pptx
+++ b/RecoverdDFTppt.pptx
@@ -5,21 +5,26 @@
     <p:sldMasterId id="2147483648" r:id="rId1"/>
   </p:sldMasterIdLst>
   <p:notesMasterIdLst>
-    <p:notesMasterId r:id="rId14"/>
+    <p:notesMasterId r:id="rId19"/>
   </p:notesMasterIdLst>
   <p:sldIdLst>
     <p:sldId id="256" r:id="rId2"/>
-    <p:sldId id="257" r:id="rId3"/>
-    <p:sldId id="263" r:id="rId4"/>
-    <p:sldId id="264" r:id="rId5"/>
-    <p:sldId id="258" r:id="rId6"/>
-    <p:sldId id="259" r:id="rId7"/>
-    <p:sldId id="261" r:id="rId8"/>
-    <p:sldId id="262" r:id="rId9"/>
-    <p:sldId id="265" r:id="rId10"/>
-    <p:sldId id="267" r:id="rId11"/>
-    <p:sldId id="266" r:id="rId12"/>
-    <p:sldId id="260" r:id="rId13"/>
+    <p:sldId id="268" r:id="rId3"/>
+    <p:sldId id="269" r:id="rId4"/>
+    <p:sldId id="270" r:id="rId5"/>
+    <p:sldId id="257" r:id="rId6"/>
+    <p:sldId id="258" r:id="rId7"/>
+    <p:sldId id="259" r:id="rId8"/>
+    <p:sldId id="261" r:id="rId9"/>
+    <p:sldId id="262" r:id="rId10"/>
+    <p:sldId id="271" r:id="rId11"/>
+    <p:sldId id="272" r:id="rId12"/>
+    <p:sldId id="265" r:id="rId13"/>
+    <p:sldId id="267" r:id="rId14"/>
+    <p:sldId id="266" r:id="rId15"/>
+    <p:sldId id="273" r:id="rId16"/>
+    <p:sldId id="275" r:id="rId17"/>
+    <p:sldId id="260" r:id="rId18"/>
   </p:sldIdLst>
   <p:sldSz cx="12192000" cy="6858000"/>
   <p:notesSz cx="6858000" cy="9144000"/>
@@ -552,7 +557,7 @@
           <a:p>
             <a:fld id="{9601AF2B-5FCD-47A0-825D-A4952FFF1367}" type="slidenum">
               <a:rPr lang="en-US" smtClean="0"/>
-              <a:t>2</a:t>
+              <a:t>5</a:t>
             </a:fld>
             <a:endParaRPr lang="en-US"/>
           </a:p>
@@ -648,7 +653,7 @@
           <a:p>
             <a:fld id="{9601AF2B-5FCD-47A0-825D-A4952FFF1367}" type="slidenum">
               <a:rPr lang="en-US" smtClean="0"/>
-              <a:t>8</a:t>
+              <a:t>9</a:t>
             </a:fld>
             <a:endParaRPr lang="en-US"/>
           </a:p>
@@ -3974,7 +3979,7 @@
           <p:cNvPr id="2" name="Title 1">
             <a:extLst>
               <a:ext uri="{FF2B5EF4-FFF2-40B4-BE49-F238E27FC236}">
-                <a16:creationId xmlns:a16="http://schemas.microsoft.com/office/drawing/2014/main" id="{AE3B0C92-8C33-47A9-94A2-801A38F6B3E0}"/>
+                <a16:creationId xmlns:a16="http://schemas.microsoft.com/office/drawing/2014/main" id="{0D283874-3EB5-432E-92F9-FB9C85F0ABC1}"/>
               </a:ext>
             </a:extLst>
           </p:cNvPr>
@@ -3985,42 +3990,15 @@
             <p:ph type="title"/>
           </p:nvPr>
         </p:nvSpPr>
-        <p:spPr>
-          <a:xfrm>
-            <a:off x="838200" y="365125"/>
-            <a:ext cx="10515600" cy="2035174"/>
-          </a:xfrm>
-        </p:spPr>
-        <p:txBody>
-          <a:bodyPr>
-            <a:normAutofit fontScale="90000"/>
-          </a:bodyPr>
+        <p:spPr/>
+        <p:txBody>
+          <a:bodyPr/>
           <a:lstStyle/>
           <a:p>
             <a:r>
               <a:rPr lang="en-US" dirty="0"/>
-              <a:t>QN: </a:t>
-            </a:r>
-            <a:r>
-              <a:rPr lang="en-US" b="1" i="0" dirty="0">
-                <a:solidFill>
-                  <a:srgbClr val="000000"/>
-                </a:solidFill>
-                <a:effectLst/>
-                <a:latin typeface="Helvetica Neue"/>
-              </a:rPr>
-              <a:t> </a:t>
-            </a:r>
-            <a:r>
-              <a:rPr lang="en-US" i="0" dirty="0">
-                <a:solidFill>
-                  <a:srgbClr val="000000"/>
-                </a:solidFill>
-                <a:effectLst/>
-              </a:rPr>
-              <a:t>Are the number of homeless cases affecting the general public. Are the homeless spreading COVID19 because they have no homes?</a:t>
-            </a:r>
-            <a:endParaRPr lang="en-US" dirty="0"/>
+              <a:t>Methods</a:t>
+            </a:r>
           </a:p>
         </p:txBody>
       </p:sp>
@@ -4029,7 +4007,7 @@
           <p:cNvPr id="3" name="Content Placeholder 2">
             <a:extLst>
               <a:ext uri="{FF2B5EF4-FFF2-40B4-BE49-F238E27FC236}">
-                <a16:creationId xmlns:a16="http://schemas.microsoft.com/office/drawing/2014/main" id="{9875D5FB-597C-43A6-B437-0B3C198EC566}"/>
+                <a16:creationId xmlns:a16="http://schemas.microsoft.com/office/drawing/2014/main" id="{7BDADDF7-59DA-41D7-944C-AC199D95E71B}"/>
               </a:ext>
             </a:extLst>
           </p:cNvPr>
@@ -4040,38 +4018,57 @@
             <p:ph idx="1"/>
           </p:nvPr>
         </p:nvSpPr>
-        <p:spPr>
-          <a:xfrm>
-            <a:off x="838200" y="2400299"/>
-            <a:ext cx="10515600" cy="3776663"/>
-          </a:xfrm>
-        </p:spPr>
+        <p:spPr/>
         <p:txBody>
           <a:bodyPr/>
           <a:lstStyle/>
           <a:p>
             <a:r>
               <a:rPr lang="en-US" dirty="0"/>
-              <a:t>We ran linear regression predictive analysis.</a:t>
+              <a:t>Details about data used </a:t>
+            </a:r>
+          </a:p>
+          <a:p>
+            <a:r>
+              <a:rPr lang="en-US" dirty="0"/>
+              <a:t>What we did to :</a:t>
             </a:r>
           </a:p>
           <a:p>
             <a:pPr lvl="1"/>
             <a:r>
               <a:rPr lang="en-US" dirty="0"/>
-              <a:t>Linear regression will be used to explain the relationship between the homeless population and the general public population.</a:t>
-            </a:r>
-          </a:p>
-          <a:p>
+              <a:t>Gather/find data</a:t>
+            </a:r>
+          </a:p>
+          <a:p>
+            <a:pPr lvl="1"/>
+            <a:r>
+              <a:rPr lang="en-US" dirty="0" err="1"/>
+              <a:t>Manupilate</a:t>
+            </a:r>
             <a:r>
               <a:rPr lang="en-US" dirty="0"/>
-              <a:t>We discovered that the homeless population was responsible for 996% of the spread of COVID19 to the general public. The 4% can be explained by other factors. </a:t>
-            </a:r>
-          </a:p>
-          <a:p>
+              <a:t>/wrangle data </a:t>
+            </a:r>
+          </a:p>
+          <a:p>
+            <a:pPr lvl="1"/>
             <a:r>
               <a:rPr lang="en-US" dirty="0"/>
-              <a:t>How ever, we found a lot of variance, the data was not evenly distributed.</a:t>
+              <a:t>Create new variables</a:t>
+            </a:r>
+          </a:p>
+          <a:p>
+            <a:r>
+              <a:rPr lang="en-US" dirty="0"/>
+              <a:t>Important variables and their summary statistics</a:t>
+            </a:r>
+          </a:p>
+          <a:p>
+            <a:r>
+              <a:rPr lang="en-US" dirty="0"/>
+              <a:t>Sample size</a:t>
             </a:r>
           </a:p>
         </p:txBody>
@@ -4079,7 +4076,7 @@
     </p:spTree>
     <p:extLst>
       <p:ext uri="{BB962C8B-B14F-4D97-AF65-F5344CB8AC3E}">
-        <p14:creationId xmlns:p14="http://schemas.microsoft.com/office/powerpoint/2010/main" val="2763260367"/>
+        <p14:creationId xmlns:p14="http://schemas.microsoft.com/office/powerpoint/2010/main" val="1409966681"/>
       </p:ext>
     </p:extLst>
   </p:cSld>
@@ -4111,6 +4108,113 @@
           <p:cNvPr id="2" name="Title 1">
             <a:extLst>
               <a:ext uri="{FF2B5EF4-FFF2-40B4-BE49-F238E27FC236}">
+                <a16:creationId xmlns:a16="http://schemas.microsoft.com/office/drawing/2014/main" id="{92AD08EE-AAB8-49E7-B2E3-8055A958E767}"/>
+              </a:ext>
+            </a:extLst>
+          </p:cNvPr>
+          <p:cNvSpPr>
+            <a:spLocks noGrp="1"/>
+          </p:cNvSpPr>
+          <p:nvPr>
+            <p:ph type="title"/>
+          </p:nvPr>
+        </p:nvSpPr>
+        <p:spPr/>
+        <p:txBody>
+          <a:bodyPr/>
+          <a:lstStyle/>
+          <a:p>
+            <a:r>
+              <a:rPr lang="en-US" dirty="0"/>
+              <a:t>Results </a:t>
+            </a:r>
+          </a:p>
+        </p:txBody>
+      </p:sp>
+      <p:sp>
+        <p:nvSpPr>
+          <p:cNvPr id="3" name="Content Placeholder 2">
+            <a:extLst>
+              <a:ext uri="{FF2B5EF4-FFF2-40B4-BE49-F238E27FC236}">
+                <a16:creationId xmlns:a16="http://schemas.microsoft.com/office/drawing/2014/main" id="{A40E466E-DF68-40BF-8528-8EC5815DD9E6}"/>
+              </a:ext>
+            </a:extLst>
+          </p:cNvPr>
+          <p:cNvSpPr>
+            <a:spLocks noGrp="1"/>
+          </p:cNvSpPr>
+          <p:nvPr>
+            <p:ph idx="1"/>
+          </p:nvPr>
+        </p:nvSpPr>
+        <p:spPr/>
+        <p:txBody>
+          <a:bodyPr/>
+          <a:lstStyle/>
+          <a:p>
+            <a:r>
+              <a:rPr lang="en-US" dirty="0"/>
+              <a:t>This is the format that the results will take </a:t>
+            </a:r>
+          </a:p>
+          <a:p>
+            <a:pPr lvl="1"/>
+            <a:r>
+              <a:rPr lang="en-US" dirty="0"/>
+              <a:t> the question </a:t>
+            </a:r>
+          </a:p>
+          <a:p>
+            <a:pPr lvl="1"/>
+            <a:r>
+              <a:rPr lang="en-US" dirty="0"/>
+              <a:t>The Analysis used </a:t>
+            </a:r>
+          </a:p>
+          <a:p>
+            <a:pPr lvl="1"/>
+            <a:r>
+              <a:rPr lang="en-US" dirty="0"/>
+              <a:t>What are the observations and conclusions from the tests done </a:t>
+            </a:r>
+          </a:p>
+        </p:txBody>
+      </p:sp>
+    </p:spTree>
+    <p:extLst>
+      <p:ext uri="{BB962C8B-B14F-4D97-AF65-F5344CB8AC3E}">
+        <p14:creationId xmlns:p14="http://schemas.microsoft.com/office/powerpoint/2010/main" val="3204704411"/>
+      </p:ext>
+    </p:extLst>
+  </p:cSld>
+  <p:clrMapOvr>
+    <a:masterClrMapping/>
+  </p:clrMapOvr>
+</p:sld>
+</file>
+
+<file path=ppt/slides/slide12.xml><?xml version="1.0" encoding="utf-8"?>
+<p:sld xmlns:a="http://schemas.openxmlformats.org/drawingml/2006/main" xmlns:r="http://schemas.openxmlformats.org/officeDocument/2006/relationships" xmlns:p="http://schemas.openxmlformats.org/presentationml/2006/main">
+  <p:cSld>
+    <p:spTree>
+      <p:nvGrpSpPr>
+        <p:cNvPr id="1" name=""/>
+        <p:cNvGrpSpPr/>
+        <p:nvPr/>
+      </p:nvGrpSpPr>
+      <p:grpSpPr>
+        <a:xfrm>
+          <a:off x="0" y="0"/>
+          <a:ext cx="0" cy="0"/>
+          <a:chOff x="0" y="0"/>
+          <a:chExt cx="0" cy="0"/>
+        </a:xfrm>
+      </p:grpSpPr>
+      <p:sp>
+        <p:nvSpPr>
+          <p:cNvPr id="2" name="Title 1">
+            <a:extLst>
+              <a:ext uri="{FF2B5EF4-FFF2-40B4-BE49-F238E27FC236}">
                 <a16:creationId xmlns:a16="http://schemas.microsoft.com/office/drawing/2014/main" id="{AE3B0C92-8C33-47A9-94A2-801A38F6B3E0}"/>
               </a:ext>
             </a:extLst>
@@ -4122,12 +4226,261 @@
             <p:ph type="title"/>
           </p:nvPr>
         </p:nvSpPr>
+        <p:spPr>
+          <a:xfrm>
+            <a:off x="838200" y="365125"/>
+            <a:ext cx="10515600" cy="1711325"/>
+          </a:xfrm>
+        </p:spPr>
+        <p:txBody>
+          <a:bodyPr/>
+          <a:lstStyle/>
+          <a:p>
+            <a:r>
+              <a:rPr lang="en-US" dirty="0"/>
+              <a:t>QN: Are the homeless cases equal to the general public cases.</a:t>
+            </a:r>
+          </a:p>
+        </p:txBody>
+      </p:sp>
+      <p:sp>
+        <p:nvSpPr>
+          <p:cNvPr id="3" name="Content Placeholder 2">
+            <a:extLst>
+              <a:ext uri="{FF2B5EF4-FFF2-40B4-BE49-F238E27FC236}">
+                <a16:creationId xmlns:a16="http://schemas.microsoft.com/office/drawing/2014/main" id="{9875D5FB-597C-43A6-B437-0B3C198EC566}"/>
+              </a:ext>
+            </a:extLst>
+          </p:cNvPr>
+          <p:cNvSpPr>
+            <a:spLocks noGrp="1"/>
+          </p:cNvSpPr>
+          <p:nvPr>
+            <p:ph idx="1"/>
+          </p:nvPr>
+        </p:nvSpPr>
+        <p:spPr>
+          <a:xfrm>
+            <a:off x="838200" y="2400299"/>
+            <a:ext cx="10515600" cy="3776663"/>
+          </a:xfrm>
+        </p:spPr>
+        <p:txBody>
+          <a:bodyPr/>
+          <a:lstStyle/>
+          <a:p>
+            <a:r>
+              <a:rPr lang="en-US" dirty="0"/>
+              <a:t>We ran a one proportional z-test </a:t>
+            </a:r>
+          </a:p>
+          <a:p>
+            <a:pPr lvl="1"/>
+            <a:r>
+              <a:rPr lang="en-US" dirty="0"/>
+              <a:t>A one proportion z-test is used to compare an observed proportion to a theoretical one, when there are only 2 categories</a:t>
+            </a:r>
+          </a:p>
+          <a:p>
+            <a:r>
+              <a:rPr lang="en-US" dirty="0"/>
+              <a:t>We discovered that , the homeless cases are not equal to the general public cases. In fact that the homeless cases are only 3.8% of the positive COVID19 cases observed in San Francisco. </a:t>
+            </a:r>
+          </a:p>
+        </p:txBody>
+      </p:sp>
+    </p:spTree>
+    <p:extLst>
+      <p:ext uri="{BB962C8B-B14F-4D97-AF65-F5344CB8AC3E}">
+        <p14:creationId xmlns:p14="http://schemas.microsoft.com/office/powerpoint/2010/main" val="2766681524"/>
+      </p:ext>
+    </p:extLst>
+  </p:cSld>
+  <p:clrMapOvr>
+    <a:masterClrMapping/>
+  </p:clrMapOvr>
+</p:sld>
+</file>
+
+<file path=ppt/slides/slide13.xml><?xml version="1.0" encoding="utf-8"?>
+<p:sld xmlns:a="http://schemas.openxmlformats.org/drawingml/2006/main" xmlns:r="http://schemas.openxmlformats.org/officeDocument/2006/relationships" xmlns:p="http://schemas.openxmlformats.org/presentationml/2006/main">
+  <p:cSld>
+    <p:spTree>
+      <p:nvGrpSpPr>
+        <p:cNvPr id="1" name=""/>
+        <p:cNvGrpSpPr/>
+        <p:nvPr/>
+      </p:nvGrpSpPr>
+      <p:grpSpPr>
+        <a:xfrm>
+          <a:off x="0" y="0"/>
+          <a:ext cx="0" cy="0"/>
+          <a:chOff x="0" y="0"/>
+          <a:chExt cx="0" cy="0"/>
+        </a:xfrm>
+      </p:grpSpPr>
+      <p:sp>
+        <p:nvSpPr>
+          <p:cNvPr id="2" name="Title 1">
+            <a:extLst>
+              <a:ext uri="{FF2B5EF4-FFF2-40B4-BE49-F238E27FC236}">
+                <a16:creationId xmlns:a16="http://schemas.microsoft.com/office/drawing/2014/main" id="{AE3B0C92-8C33-47A9-94A2-801A38F6B3E0}"/>
+              </a:ext>
+            </a:extLst>
+          </p:cNvPr>
+          <p:cNvSpPr>
+            <a:spLocks noGrp="1"/>
+          </p:cNvSpPr>
+          <p:nvPr>
+            <p:ph type="title"/>
+          </p:nvPr>
+        </p:nvSpPr>
+        <p:spPr>
+          <a:xfrm>
+            <a:off x="838200" y="365125"/>
+            <a:ext cx="10515600" cy="2035174"/>
+          </a:xfrm>
+        </p:spPr>
+        <p:txBody>
+          <a:bodyPr>
+            <a:normAutofit fontScale="90000"/>
+          </a:bodyPr>
+          <a:lstStyle/>
+          <a:p>
+            <a:r>
+              <a:rPr lang="en-US" dirty="0"/>
+              <a:t>QN: </a:t>
+            </a:r>
+            <a:r>
+              <a:rPr lang="en-US" b="1" i="0" dirty="0">
+                <a:solidFill>
+                  <a:srgbClr val="000000"/>
+                </a:solidFill>
+                <a:effectLst/>
+                <a:latin typeface="Helvetica Neue"/>
+              </a:rPr>
+              <a:t> </a:t>
+            </a:r>
+            <a:r>
+              <a:rPr lang="en-US" i="0" dirty="0">
+                <a:solidFill>
+                  <a:srgbClr val="000000"/>
+                </a:solidFill>
+                <a:effectLst/>
+              </a:rPr>
+              <a:t>Are the number of homeless cases affecting the general public. Are the homeless spreading COVID19 because they have no homes?</a:t>
+            </a:r>
+            <a:endParaRPr lang="en-US" dirty="0"/>
+          </a:p>
+        </p:txBody>
+      </p:sp>
+      <p:sp>
+        <p:nvSpPr>
+          <p:cNvPr id="3" name="Content Placeholder 2">
+            <a:extLst>
+              <a:ext uri="{FF2B5EF4-FFF2-40B4-BE49-F238E27FC236}">
+                <a16:creationId xmlns:a16="http://schemas.microsoft.com/office/drawing/2014/main" id="{9875D5FB-597C-43A6-B437-0B3C198EC566}"/>
+              </a:ext>
+            </a:extLst>
+          </p:cNvPr>
+          <p:cNvSpPr>
+            <a:spLocks noGrp="1"/>
+          </p:cNvSpPr>
+          <p:nvPr>
+            <p:ph idx="1"/>
+          </p:nvPr>
+        </p:nvSpPr>
+        <p:spPr>
+          <a:xfrm>
+            <a:off x="838200" y="2400299"/>
+            <a:ext cx="10515600" cy="3776663"/>
+          </a:xfrm>
+        </p:spPr>
+        <p:txBody>
+          <a:bodyPr/>
+          <a:lstStyle/>
+          <a:p>
+            <a:r>
+              <a:rPr lang="en-US" dirty="0"/>
+              <a:t>We ran linear regression predictive analysis.</a:t>
+            </a:r>
+          </a:p>
+          <a:p>
+            <a:pPr lvl="1"/>
+            <a:r>
+              <a:rPr lang="en-US" dirty="0"/>
+              <a:t>Linear regression will be used to explain the relationship between the homeless population and the general public population.</a:t>
+            </a:r>
+          </a:p>
+          <a:p>
+            <a:r>
+              <a:rPr lang="en-US" dirty="0"/>
+              <a:t>We discovered that the homeless population was responsible for 996% of the spread of COVID19 to the general public. The 4% can be explained by other factors. </a:t>
+            </a:r>
+          </a:p>
+          <a:p>
+            <a:r>
+              <a:rPr lang="en-US" dirty="0"/>
+              <a:t>How ever, we found a lot of variance, the data was not evenly distributed.</a:t>
+            </a:r>
+          </a:p>
+        </p:txBody>
+      </p:sp>
+    </p:spTree>
+    <p:extLst>
+      <p:ext uri="{BB962C8B-B14F-4D97-AF65-F5344CB8AC3E}">
+        <p14:creationId xmlns:p14="http://schemas.microsoft.com/office/powerpoint/2010/main" val="2763260367"/>
+      </p:ext>
+    </p:extLst>
+  </p:cSld>
+  <p:clrMapOvr>
+    <a:masterClrMapping/>
+  </p:clrMapOvr>
+</p:sld>
+</file>
+
+<file path=ppt/slides/slide14.xml><?xml version="1.0" encoding="utf-8"?>
+<p:sld xmlns:a="http://schemas.openxmlformats.org/drawingml/2006/main" xmlns:r="http://schemas.openxmlformats.org/officeDocument/2006/relationships" xmlns:p="http://schemas.openxmlformats.org/presentationml/2006/main">
+  <p:cSld>
+    <p:spTree>
+      <p:nvGrpSpPr>
+        <p:cNvPr id="1" name=""/>
+        <p:cNvGrpSpPr/>
+        <p:nvPr/>
+      </p:nvGrpSpPr>
+      <p:grpSpPr>
+        <a:xfrm>
+          <a:off x="0" y="0"/>
+          <a:ext cx="0" cy="0"/>
+          <a:chOff x="0" y="0"/>
+          <a:chExt cx="0" cy="0"/>
+        </a:xfrm>
+      </p:grpSpPr>
+      <p:sp>
+        <p:nvSpPr>
+          <p:cNvPr id="2" name="Title 1">
+            <a:extLst>
+              <a:ext uri="{FF2B5EF4-FFF2-40B4-BE49-F238E27FC236}">
+                <a16:creationId xmlns:a16="http://schemas.microsoft.com/office/drawing/2014/main" id="{AE3B0C92-8C33-47A9-94A2-801A38F6B3E0}"/>
+              </a:ext>
+            </a:extLst>
+          </p:cNvPr>
+          <p:cNvSpPr>
+            <a:spLocks noGrp="1"/>
+          </p:cNvSpPr>
+          <p:nvPr>
+            <p:ph type="title"/>
+          </p:nvPr>
+        </p:nvSpPr>
         <p:spPr/>
         <p:txBody>
           <a:bodyPr/>
           <a:lstStyle/>
           <a:p>
-            <a:endParaRPr lang="en-US"/>
+            <a:r>
+              <a:rPr lang="en-US" dirty="0"/>
+              <a:t>Summary </a:t>
+            </a:r>
           </a:p>
         </p:txBody>
       </p:sp>
@@ -4152,7 +4505,52 @@
           <a:bodyPr/>
           <a:lstStyle/>
           <a:p>
-            <a:endParaRPr lang="en-US"/>
+            <a:r>
+              <a:rPr lang="en-US" dirty="0"/>
+              <a:t>Here is a summary of our discoveries :</a:t>
+            </a:r>
+          </a:p>
+          <a:p>
+            <a:pPr lvl="1"/>
+            <a:r>
+              <a:rPr lang="en-US" dirty="0"/>
+              <a:t> Only 3.8% of COVID19 cases in San Francisco are homeless</a:t>
+            </a:r>
+          </a:p>
+          <a:p>
+            <a:pPr lvl="1"/>
+            <a:r>
+              <a:rPr lang="en-US" dirty="0"/>
+              <a:t>2.5% of the homeless population has been affect by COVID19</a:t>
+            </a:r>
+          </a:p>
+          <a:p>
+            <a:pPr lvl="1"/>
+            <a:r>
+              <a:rPr lang="en-US" dirty="0"/>
+              <a:t>Only 0.7% of the general public population has been affected by COVID19</a:t>
+            </a:r>
+          </a:p>
+          <a:p>
+            <a:pPr lvl="1"/>
+            <a:r>
+              <a:rPr lang="en-US" dirty="0"/>
+              <a:t>Homeless population has been affected 111% harder than the general public </a:t>
+            </a:r>
+          </a:p>
+          <a:p>
+            <a:pPr lvl="1"/>
+            <a:r>
+              <a:rPr lang="en-US" dirty="0"/>
+              <a:t>Towns that started out with fewer cases were faced wit an exponential growth in COVID19 cases</a:t>
+            </a:r>
+          </a:p>
+          <a:p>
+            <a:pPr lvl="1"/>
+            <a:r>
+              <a:rPr lang="en-US" dirty="0"/>
+              <a:t>The homeless population are spreading COVID19 to the general public because they do not have homes and resources.</a:t>
+            </a:r>
           </a:p>
         </p:txBody>
       </p:sp>
@@ -4169,7 +4567,171 @@
 </p:sld>
 </file>
 
-<file path=ppt/slides/slide12.xml><?xml version="1.0" encoding="utf-8"?>
+<file path=ppt/slides/slide15.xml><?xml version="1.0" encoding="utf-8"?>
+<p:sld xmlns:a="http://schemas.openxmlformats.org/drawingml/2006/main" xmlns:r="http://schemas.openxmlformats.org/officeDocument/2006/relationships" xmlns:p="http://schemas.openxmlformats.org/presentationml/2006/main">
+  <p:cSld>
+    <p:spTree>
+      <p:nvGrpSpPr>
+        <p:cNvPr id="1" name=""/>
+        <p:cNvGrpSpPr/>
+        <p:nvPr/>
+      </p:nvGrpSpPr>
+      <p:grpSpPr>
+        <a:xfrm>
+          <a:off x="0" y="0"/>
+          <a:ext cx="0" cy="0"/>
+          <a:chOff x="0" y="0"/>
+          <a:chExt cx="0" cy="0"/>
+        </a:xfrm>
+      </p:grpSpPr>
+      <p:sp>
+        <p:nvSpPr>
+          <p:cNvPr id="2" name="Title 1">
+            <a:extLst>
+              <a:ext uri="{FF2B5EF4-FFF2-40B4-BE49-F238E27FC236}">
+                <a16:creationId xmlns:a16="http://schemas.microsoft.com/office/drawing/2014/main" id="{0B184ABF-6700-42B4-8DC2-A9C553802349}"/>
+              </a:ext>
+            </a:extLst>
+          </p:cNvPr>
+          <p:cNvSpPr>
+            <a:spLocks noGrp="1"/>
+          </p:cNvSpPr>
+          <p:nvPr>
+            <p:ph type="title"/>
+          </p:nvPr>
+        </p:nvSpPr>
+        <p:spPr/>
+        <p:txBody>
+          <a:bodyPr/>
+          <a:lstStyle/>
+          <a:p>
+            <a:r>
+              <a:rPr lang="en-US" dirty="0"/>
+              <a:t>Conclusions </a:t>
+            </a:r>
+          </a:p>
+        </p:txBody>
+      </p:sp>
+      <p:sp>
+        <p:nvSpPr>
+          <p:cNvPr id="3" name="Content Placeholder 2">
+            <a:extLst>
+              <a:ext uri="{FF2B5EF4-FFF2-40B4-BE49-F238E27FC236}">
+                <a16:creationId xmlns:a16="http://schemas.microsoft.com/office/drawing/2014/main" id="{F8FF6509-9566-4270-9830-E9736732D511}"/>
+              </a:ext>
+            </a:extLst>
+          </p:cNvPr>
+          <p:cNvSpPr>
+            <a:spLocks noGrp="1"/>
+          </p:cNvSpPr>
+          <p:nvPr>
+            <p:ph idx="1"/>
+          </p:nvPr>
+        </p:nvSpPr>
+        <p:spPr/>
+        <p:txBody>
+          <a:bodyPr/>
+          <a:lstStyle/>
+          <a:p>
+            <a:r>
+              <a:rPr lang="en-US" dirty="0"/>
+              <a:t>How do our finding impact the world at large ?</a:t>
+            </a:r>
+          </a:p>
+          <a:p>
+            <a:r>
+              <a:rPr lang="en-US" dirty="0"/>
+              <a:t>What’s important about this work?</a:t>
+            </a:r>
+          </a:p>
+          <a:p>
+            <a:r>
+              <a:rPr lang="en-US" dirty="0"/>
+              <a:t>Big picture information</a:t>
+            </a:r>
+          </a:p>
+        </p:txBody>
+      </p:sp>
+    </p:spTree>
+    <p:extLst>
+      <p:ext uri="{BB962C8B-B14F-4D97-AF65-F5344CB8AC3E}">
+        <p14:creationId xmlns:p14="http://schemas.microsoft.com/office/powerpoint/2010/main" val="116506263"/>
+      </p:ext>
+    </p:extLst>
+  </p:cSld>
+  <p:clrMapOvr>
+    <a:masterClrMapping/>
+  </p:clrMapOvr>
+</p:sld>
+</file>
+
+<file path=ppt/slides/slide16.xml><?xml version="1.0" encoding="utf-8"?>
+<p:sld xmlns:a="http://schemas.openxmlformats.org/drawingml/2006/main" xmlns:r="http://schemas.openxmlformats.org/officeDocument/2006/relationships" xmlns:p="http://schemas.openxmlformats.org/presentationml/2006/main">
+  <p:cSld>
+    <p:spTree>
+      <p:nvGrpSpPr>
+        <p:cNvPr id="1" name=""/>
+        <p:cNvGrpSpPr/>
+        <p:nvPr/>
+      </p:nvGrpSpPr>
+      <p:grpSpPr>
+        <a:xfrm>
+          <a:off x="0" y="0"/>
+          <a:ext cx="0" cy="0"/>
+          <a:chOff x="0" y="0"/>
+          <a:chExt cx="0" cy="0"/>
+        </a:xfrm>
+      </p:grpSpPr>
+      <p:sp>
+        <p:nvSpPr>
+          <p:cNvPr id="2" name="Title 1">
+            <a:extLst>
+              <a:ext uri="{FF2B5EF4-FFF2-40B4-BE49-F238E27FC236}">
+                <a16:creationId xmlns:a16="http://schemas.microsoft.com/office/drawing/2014/main" id="{23AFA9E5-2E88-4817-9958-14EEE121A83B}"/>
+              </a:ext>
+            </a:extLst>
+          </p:cNvPr>
+          <p:cNvSpPr>
+            <a:spLocks noGrp="1"/>
+          </p:cNvSpPr>
+          <p:nvPr>
+            <p:ph type="title"/>
+          </p:nvPr>
+        </p:nvSpPr>
+        <p:spPr>
+          <a:xfrm>
+            <a:off x="838200" y="2270125"/>
+            <a:ext cx="10515600" cy="1325563"/>
+          </a:xfrm>
+        </p:spPr>
+        <p:txBody>
+          <a:bodyPr>
+            <a:noAutofit/>
+          </a:bodyPr>
+          <a:lstStyle/>
+          <a:p>
+            <a:pPr algn="ctr"/>
+            <a:r>
+              <a:rPr lang="en-US" sz="9600" dirty="0"/>
+              <a:t>QUESTIONS?</a:t>
+            </a:r>
+          </a:p>
+        </p:txBody>
+      </p:sp>
+    </p:spTree>
+    <p:extLst>
+      <p:ext uri="{BB962C8B-B14F-4D97-AF65-F5344CB8AC3E}">
+        <p14:creationId xmlns:p14="http://schemas.microsoft.com/office/powerpoint/2010/main" val="1088550288"/>
+      </p:ext>
+    </p:extLst>
+  </p:cSld>
+  <p:clrMapOvr>
+    <a:masterClrMapping/>
+  </p:clrMapOvr>
+</p:sld>
+</file>
+
+<file path=ppt/slides/slide17.xml><?xml version="1.0" encoding="utf-8"?>
 <p:sld xmlns:a="http://schemas.openxmlformats.org/drawingml/2006/main" xmlns:r="http://schemas.openxmlformats.org/officeDocument/2006/relationships" xmlns:p="http://schemas.openxmlformats.org/presentationml/2006/main">
   <p:cSld>
     <p:spTree>
@@ -4309,7 +4871,7 @@
           <p:cNvPr id="2" name="Title 1">
             <a:extLst>
               <a:ext uri="{FF2B5EF4-FFF2-40B4-BE49-F238E27FC236}">
-                <a16:creationId xmlns:a16="http://schemas.microsoft.com/office/drawing/2014/main" id="{8BFC824E-D1EC-4F94-9986-567B20CFA1E4}"/>
+                <a16:creationId xmlns:a16="http://schemas.microsoft.com/office/drawing/2014/main" id="{FEE53610-4C91-4759-B0D9-E8B590BE3506}"/>
               </a:ext>
             </a:extLst>
           </p:cNvPr>
@@ -4327,7 +4889,7 @@
           <a:p>
             <a:r>
               <a:rPr lang="en-US" dirty="0"/>
-              <a:t>Overview of the Presentation </a:t>
+              <a:t>Racheal</a:t>
             </a:r>
           </a:p>
         </p:txBody>
@@ -4337,7 +4899,7 @@
           <p:cNvPr id="3" name="Content Placeholder 2">
             <a:extLst>
               <a:ext uri="{FF2B5EF4-FFF2-40B4-BE49-F238E27FC236}">
-                <a16:creationId xmlns:a16="http://schemas.microsoft.com/office/drawing/2014/main" id="{EBB3FD2F-9977-4D9A-B6B5-CE9E743E0E66}"/>
+                <a16:creationId xmlns:a16="http://schemas.microsoft.com/office/drawing/2014/main" id="{3BD577B9-839F-4F83-8848-2656FE4E4323}"/>
               </a:ext>
             </a:extLst>
           </p:cNvPr>
@@ -4355,19 +4917,25 @@
           <a:p>
             <a:r>
               <a:rPr lang="en-US" dirty="0"/>
-              <a:t>What is COVID-19</a:t>
+              <a:t>Previous education </a:t>
             </a:r>
           </a:p>
           <a:p>
             <a:r>
               <a:rPr lang="en-US" dirty="0"/>
-              <a:t>What are the impacts of COVID-19 to the world in General</a:t>
+              <a:t>Employment or were you were last employed or subject matter expertise</a:t>
             </a:r>
           </a:p>
           <a:p>
             <a:r>
               <a:rPr lang="en-US" dirty="0"/>
-              <a:t>Why we chose California </a:t>
+              <a:t>What do you do in your free time </a:t>
+            </a:r>
+          </a:p>
+          <a:p>
+            <a:r>
+              <a:rPr lang="en-US" dirty="0"/>
+              <a:t>Favorite fruit</a:t>
             </a:r>
           </a:p>
         </p:txBody>
@@ -4375,7 +4943,7 @@
     </p:spTree>
     <p:extLst>
       <p:ext uri="{BB962C8B-B14F-4D97-AF65-F5344CB8AC3E}">
-        <p14:creationId xmlns:p14="http://schemas.microsoft.com/office/powerpoint/2010/main" val="4029123039"/>
+        <p14:creationId xmlns:p14="http://schemas.microsoft.com/office/powerpoint/2010/main" val="965260268"/>
       </p:ext>
     </p:extLst>
   </p:cSld>
@@ -4407,7 +4975,7 @@
           <p:cNvPr id="2" name="Title 1">
             <a:extLst>
               <a:ext uri="{FF2B5EF4-FFF2-40B4-BE49-F238E27FC236}">
-                <a16:creationId xmlns:a16="http://schemas.microsoft.com/office/drawing/2014/main" id="{46F4043B-3880-4E51-A104-492328CE5E0A}"/>
+                <a16:creationId xmlns:a16="http://schemas.microsoft.com/office/drawing/2014/main" id="{FEE53610-4C91-4759-B0D9-E8B590BE3506}"/>
               </a:ext>
             </a:extLst>
           </p:cNvPr>
@@ -4425,7 +4993,7 @@
           <a:p>
             <a:r>
               <a:rPr lang="en-US" dirty="0"/>
-              <a:t>Overview</a:t>
+              <a:t>Elijah</a:t>
             </a:r>
           </a:p>
         </p:txBody>
@@ -4435,7 +5003,7 @@
           <p:cNvPr id="3" name="Content Placeholder 2">
             <a:extLst>
               <a:ext uri="{FF2B5EF4-FFF2-40B4-BE49-F238E27FC236}">
-                <a16:creationId xmlns:a16="http://schemas.microsoft.com/office/drawing/2014/main" id="{86068946-1436-49DF-99C4-3099F7F18D30}"/>
+                <a16:creationId xmlns:a16="http://schemas.microsoft.com/office/drawing/2014/main" id="{3BD577B9-839F-4F83-8848-2656FE4E4323}"/>
               </a:ext>
             </a:extLst>
           </p:cNvPr>
@@ -4451,131 +5019,27 @@
           <a:bodyPr/>
           <a:lstStyle/>
           <a:p>
-            <a:pPr algn="l">
-              <a:buFont typeface="Arial" panose="020B0604020202020204" pitchFamily="34" charset="0"/>
-              <a:buChar char="•"/>
-            </a:pPr>
-            <a:r>
-              <a:rPr lang="en-US" b="0" i="0" dirty="0">
-                <a:solidFill>
-                  <a:srgbClr val="333333"/>
-                </a:solidFill>
-                <a:effectLst/>
-                <a:latin typeface="Montserrat"/>
-              </a:rPr>
-              <a:t>Title Slide</a:t>
-            </a:r>
-          </a:p>
-          <a:p>
-            <a:pPr algn="l">
-              <a:buFont typeface="Arial" panose="020B0604020202020204" pitchFamily="34" charset="0"/>
-              <a:buChar char="•"/>
-            </a:pPr>
-            <a:r>
-              <a:rPr lang="en-US" b="0" i="0" dirty="0">
-                <a:solidFill>
-                  <a:srgbClr val="333333"/>
-                </a:solidFill>
-                <a:effectLst/>
-                <a:latin typeface="Montserrat"/>
-              </a:rPr>
-              <a:t>Your Background</a:t>
-            </a:r>
-          </a:p>
-          <a:p>
-            <a:pPr algn="l">
-              <a:buFont typeface="Arial" panose="020B0604020202020204" pitchFamily="34" charset="0"/>
-              <a:buChar char="•"/>
-            </a:pPr>
-            <a:r>
-              <a:rPr lang="en-US" b="0" i="0" dirty="0">
-                <a:solidFill>
-                  <a:srgbClr val="333333"/>
-                </a:solidFill>
-                <a:effectLst/>
-                <a:latin typeface="Montserrat"/>
-              </a:rPr>
-              <a:t>Project Introduction / Background</a:t>
-            </a:r>
-          </a:p>
-          <a:p>
-            <a:pPr algn="l">
-              <a:buFont typeface="Arial" panose="020B0604020202020204" pitchFamily="34" charset="0"/>
-              <a:buChar char="•"/>
-            </a:pPr>
-            <a:r>
-              <a:rPr lang="en-US" b="0" i="0" dirty="0">
-                <a:solidFill>
-                  <a:srgbClr val="333333"/>
-                </a:solidFill>
-                <a:effectLst/>
-                <a:latin typeface="Montserrat"/>
-              </a:rPr>
-              <a:t>Methods</a:t>
-            </a:r>
-          </a:p>
-          <a:p>
-            <a:pPr algn="l">
-              <a:buFont typeface="Arial" panose="020B0604020202020204" pitchFamily="34" charset="0"/>
-              <a:buChar char="•"/>
-            </a:pPr>
-            <a:r>
-              <a:rPr lang="en-US" b="0" i="0" dirty="0">
-                <a:solidFill>
-                  <a:srgbClr val="333333"/>
-                </a:solidFill>
-                <a:effectLst/>
-                <a:latin typeface="Montserrat"/>
-              </a:rPr>
-              <a:t>Results</a:t>
-            </a:r>
-          </a:p>
-          <a:p>
-            <a:pPr algn="l">
-              <a:buFont typeface="Arial" panose="020B0604020202020204" pitchFamily="34" charset="0"/>
-              <a:buChar char="•"/>
-            </a:pPr>
-            <a:r>
-              <a:rPr lang="en-US" b="0" i="0" dirty="0">
-                <a:solidFill>
-                  <a:srgbClr val="333333"/>
-                </a:solidFill>
-                <a:effectLst/>
-                <a:latin typeface="Montserrat"/>
-              </a:rPr>
-              <a:t>Summary</a:t>
-            </a:r>
-          </a:p>
-          <a:p>
-            <a:pPr algn="l">
-              <a:buFont typeface="Arial" panose="020B0604020202020204" pitchFamily="34" charset="0"/>
-              <a:buChar char="•"/>
-            </a:pPr>
-            <a:r>
-              <a:rPr lang="en-US" b="0" i="0" dirty="0">
-                <a:solidFill>
-                  <a:srgbClr val="333333"/>
-                </a:solidFill>
-                <a:effectLst/>
-                <a:latin typeface="Montserrat"/>
-              </a:rPr>
-              <a:t>Conclusions</a:t>
-            </a:r>
-          </a:p>
-          <a:p>
-            <a:pPr algn="l">
-              <a:buFont typeface="Arial" panose="020B0604020202020204" pitchFamily="34" charset="0"/>
-              <a:buChar char="•"/>
-            </a:pPr>
-            <a:r>
-              <a:rPr lang="en-US" b="0" i="0" dirty="0">
-                <a:solidFill>
-                  <a:srgbClr val="333333"/>
-                </a:solidFill>
-                <a:effectLst/>
-                <a:latin typeface="Montserrat"/>
-              </a:rPr>
-              <a:t>Questions</a:t>
+            <a:r>
+              <a:rPr lang="en-US" dirty="0"/>
+              <a:t>Previous education </a:t>
+            </a:r>
+          </a:p>
+          <a:p>
+            <a:r>
+              <a:rPr lang="en-US" dirty="0"/>
+              <a:t>Employment or were you were last employed or subject matter expertise</a:t>
+            </a:r>
+          </a:p>
+          <a:p>
+            <a:r>
+              <a:rPr lang="en-US" dirty="0"/>
+              <a:t>What do you do in your free time </a:t>
+            </a:r>
+          </a:p>
+          <a:p>
+            <a:r>
+              <a:rPr lang="en-US" dirty="0"/>
+              <a:t>Favorite fruit</a:t>
             </a:r>
           </a:p>
           <a:p>
@@ -4586,7 +5050,7 @@
     </p:spTree>
     <p:extLst>
       <p:ext uri="{BB962C8B-B14F-4D97-AF65-F5344CB8AC3E}">
-        <p14:creationId xmlns:p14="http://schemas.microsoft.com/office/powerpoint/2010/main" val="1115756292"/>
+        <p14:creationId xmlns:p14="http://schemas.microsoft.com/office/powerpoint/2010/main" val="499878534"/>
       </p:ext>
     </p:extLst>
   </p:cSld>
@@ -4618,7 +5082,7 @@
           <p:cNvPr id="2" name="Title 1">
             <a:extLst>
               <a:ext uri="{FF2B5EF4-FFF2-40B4-BE49-F238E27FC236}">
-                <a16:creationId xmlns:a16="http://schemas.microsoft.com/office/drawing/2014/main" id="{8ACC9718-8B84-4DBA-AB23-D7555D1F77AE}"/>
+                <a16:creationId xmlns:a16="http://schemas.microsoft.com/office/drawing/2014/main" id="{FEE53610-4C91-4759-B0D9-E8B590BE3506}"/>
               </a:ext>
             </a:extLst>
           </p:cNvPr>
@@ -4635,42 +5099,65 @@
           <a:lstStyle/>
           <a:p>
             <a:r>
-              <a:rPr lang="en-US"/>
-              <a:t>Background</a:t>
-            </a:r>
+              <a:rPr lang="en-US" dirty="0"/>
+              <a:t>Mark</a:t>
+            </a:r>
+          </a:p>
+        </p:txBody>
+      </p:sp>
+      <p:sp>
+        <p:nvSpPr>
+          <p:cNvPr id="3" name="Content Placeholder 2">
+            <a:extLst>
+              <a:ext uri="{FF2B5EF4-FFF2-40B4-BE49-F238E27FC236}">
+                <a16:creationId xmlns:a16="http://schemas.microsoft.com/office/drawing/2014/main" id="{3BD577B9-839F-4F83-8848-2656FE4E4323}"/>
+              </a:ext>
+            </a:extLst>
+          </p:cNvPr>
+          <p:cNvSpPr>
+            <a:spLocks noGrp="1"/>
+          </p:cNvSpPr>
+          <p:nvPr>
+            <p:ph idx="1"/>
+          </p:nvPr>
+        </p:nvSpPr>
+        <p:spPr/>
+        <p:txBody>
+          <a:bodyPr/>
+          <a:lstStyle/>
+          <a:p>
+            <a:r>
+              <a:rPr lang="en-US" dirty="0"/>
+              <a:t>Previous education </a:t>
+            </a:r>
+          </a:p>
+          <a:p>
+            <a:r>
+              <a:rPr lang="en-US" dirty="0"/>
+              <a:t>Employment or were you were last employed or subject matter expertise</a:t>
+            </a:r>
+          </a:p>
+          <a:p>
+            <a:r>
+              <a:rPr lang="en-US" dirty="0"/>
+              <a:t>What do you do in your free time </a:t>
+            </a:r>
+          </a:p>
+          <a:p>
+            <a:r>
+              <a:rPr lang="en-US" dirty="0"/>
+              <a:t>Favorite fruit</a:t>
+            </a:r>
+          </a:p>
+          <a:p>
             <a:endParaRPr lang="en-US" dirty="0"/>
-          </a:p>
-        </p:txBody>
-      </p:sp>
-      <p:sp>
-        <p:nvSpPr>
-          <p:cNvPr id="3" name="Content Placeholder 2">
-            <a:extLst>
-              <a:ext uri="{FF2B5EF4-FFF2-40B4-BE49-F238E27FC236}">
-                <a16:creationId xmlns:a16="http://schemas.microsoft.com/office/drawing/2014/main" id="{39A47145-3EC6-42DB-BBD7-9FCEE02FF15F}"/>
-              </a:ext>
-            </a:extLst>
-          </p:cNvPr>
-          <p:cNvSpPr>
-            <a:spLocks noGrp="1"/>
-          </p:cNvSpPr>
-          <p:nvPr>
-            <p:ph idx="1"/>
-          </p:nvPr>
-        </p:nvSpPr>
-        <p:spPr/>
-        <p:txBody>
-          <a:bodyPr/>
-          <a:lstStyle/>
-          <a:p>
-            <a:endParaRPr lang="en-US"/>
           </a:p>
         </p:txBody>
       </p:sp>
     </p:spTree>
     <p:extLst>
       <p:ext uri="{BB962C8B-B14F-4D97-AF65-F5344CB8AC3E}">
-        <p14:creationId xmlns:p14="http://schemas.microsoft.com/office/powerpoint/2010/main" val="2342924608"/>
+        <p14:creationId xmlns:p14="http://schemas.microsoft.com/office/powerpoint/2010/main" val="2297697946"/>
       </p:ext>
     </p:extLst>
   </p:cSld>
@@ -4681,6 +5168,104 @@
 </file>
 
 <file path=ppt/slides/slide5.xml><?xml version="1.0" encoding="utf-8"?>
+<p:sld xmlns:a="http://schemas.openxmlformats.org/drawingml/2006/main" xmlns:r="http://schemas.openxmlformats.org/officeDocument/2006/relationships" xmlns:p="http://schemas.openxmlformats.org/presentationml/2006/main">
+  <p:cSld>
+    <p:spTree>
+      <p:nvGrpSpPr>
+        <p:cNvPr id="1" name=""/>
+        <p:cNvGrpSpPr/>
+        <p:nvPr/>
+      </p:nvGrpSpPr>
+      <p:grpSpPr>
+        <a:xfrm>
+          <a:off x="0" y="0"/>
+          <a:ext cx="0" cy="0"/>
+          <a:chOff x="0" y="0"/>
+          <a:chExt cx="0" cy="0"/>
+        </a:xfrm>
+      </p:grpSpPr>
+      <p:sp>
+        <p:nvSpPr>
+          <p:cNvPr id="2" name="Title 1">
+            <a:extLst>
+              <a:ext uri="{FF2B5EF4-FFF2-40B4-BE49-F238E27FC236}">
+                <a16:creationId xmlns:a16="http://schemas.microsoft.com/office/drawing/2014/main" id="{8BFC824E-D1EC-4F94-9986-567B20CFA1E4}"/>
+              </a:ext>
+            </a:extLst>
+          </p:cNvPr>
+          <p:cNvSpPr>
+            <a:spLocks noGrp="1"/>
+          </p:cNvSpPr>
+          <p:nvPr>
+            <p:ph type="title"/>
+          </p:nvPr>
+        </p:nvSpPr>
+        <p:spPr/>
+        <p:txBody>
+          <a:bodyPr/>
+          <a:lstStyle/>
+          <a:p>
+            <a:r>
+              <a:rPr lang="en-US" dirty="0"/>
+              <a:t>Project introduction ? Background</a:t>
+            </a:r>
+          </a:p>
+        </p:txBody>
+      </p:sp>
+      <p:sp>
+        <p:nvSpPr>
+          <p:cNvPr id="3" name="Content Placeholder 2">
+            <a:extLst>
+              <a:ext uri="{FF2B5EF4-FFF2-40B4-BE49-F238E27FC236}">
+                <a16:creationId xmlns:a16="http://schemas.microsoft.com/office/drawing/2014/main" id="{EBB3FD2F-9977-4D9A-B6B5-CE9E743E0E66}"/>
+              </a:ext>
+            </a:extLst>
+          </p:cNvPr>
+          <p:cNvSpPr>
+            <a:spLocks noGrp="1"/>
+          </p:cNvSpPr>
+          <p:nvPr>
+            <p:ph idx="1"/>
+          </p:nvPr>
+        </p:nvSpPr>
+        <p:spPr/>
+        <p:txBody>
+          <a:bodyPr/>
+          <a:lstStyle/>
+          <a:p>
+            <a:r>
+              <a:rPr lang="en-US" dirty="0"/>
+              <a:t>What is COVID-19</a:t>
+            </a:r>
+          </a:p>
+          <a:p>
+            <a:r>
+              <a:rPr lang="en-US" dirty="0"/>
+              <a:t>What are the impacts of COVID-19 to the world in General</a:t>
+            </a:r>
+          </a:p>
+          <a:p>
+            <a:r>
+              <a:rPr lang="en-US" dirty="0"/>
+              <a:t>Why we chose California </a:t>
+            </a:r>
+          </a:p>
+        </p:txBody>
+      </p:sp>
+    </p:spTree>
+    <p:extLst>
+      <p:ext uri="{BB962C8B-B14F-4D97-AF65-F5344CB8AC3E}">
+        <p14:creationId xmlns:p14="http://schemas.microsoft.com/office/powerpoint/2010/main" val="4029123039"/>
+      </p:ext>
+    </p:extLst>
+  </p:cSld>
+  <p:clrMapOvr>
+    <a:masterClrMapping/>
+  </p:clrMapOvr>
+</p:sld>
+</file>
+
+<file path=ppt/slides/slide6.xml><?xml version="1.0" encoding="utf-8"?>
 <p:sld xmlns:a="http://schemas.openxmlformats.org/drawingml/2006/main" xmlns:r="http://schemas.openxmlformats.org/officeDocument/2006/relationships" xmlns:p="http://schemas.openxmlformats.org/presentationml/2006/main">
   <p:cSld>
     <p:spTree>
@@ -4946,7 +5531,7 @@
 </p:sld>
 </file>
 
-<file path=ppt/slides/slide6.xml><?xml version="1.0" encoding="utf-8"?>
+<file path=ppt/slides/slide7.xml><?xml version="1.0" encoding="utf-8"?>
 <p:sld xmlns:a="http://schemas.openxmlformats.org/drawingml/2006/main" xmlns:r="http://schemas.openxmlformats.org/officeDocument/2006/relationships" xmlns:p="http://schemas.openxmlformats.org/presentationml/2006/main">
   <p:cSld>
     <p:spTree>
@@ -5187,7 +5772,7 @@
 </p:sld>
 </file>
 
-<file path=ppt/slides/slide7.xml><?xml version="1.0" encoding="utf-8"?>
+<file path=ppt/slides/slide8.xml><?xml version="1.0" encoding="utf-8"?>
 <p:sld xmlns:a="http://schemas.openxmlformats.org/drawingml/2006/main" xmlns:r="http://schemas.openxmlformats.org/officeDocument/2006/relationships" xmlns:p="http://schemas.openxmlformats.org/presentationml/2006/main">
   <p:cSld>
     <p:spTree>
@@ -5415,105 +6000,6 @@
 </p:sld>
 </file>
 
-<file path=ppt/slides/slide8.xml><?xml version="1.0" encoding="utf-8"?>
-<p:sld xmlns:a="http://schemas.openxmlformats.org/drawingml/2006/main" xmlns:r="http://schemas.openxmlformats.org/officeDocument/2006/relationships" xmlns:p="http://schemas.openxmlformats.org/presentationml/2006/main">
-  <p:cSld>
-    <p:spTree>
-      <p:nvGrpSpPr>
-        <p:cNvPr id="1" name=""/>
-        <p:cNvGrpSpPr/>
-        <p:nvPr/>
-      </p:nvGrpSpPr>
-      <p:grpSpPr>
-        <a:xfrm>
-          <a:off x="0" y="0"/>
-          <a:ext cx="0" cy="0"/>
-          <a:chOff x="0" y="0"/>
-          <a:chExt cx="0" cy="0"/>
-        </a:xfrm>
-      </p:grpSpPr>
-      <p:sp>
-        <p:nvSpPr>
-          <p:cNvPr id="2" name="Title 1">
-            <a:extLst>
-              <a:ext uri="{FF2B5EF4-FFF2-40B4-BE49-F238E27FC236}">
-                <a16:creationId xmlns:a16="http://schemas.microsoft.com/office/drawing/2014/main" id="{EBDBA0B3-9761-496D-BE50-CBBF4D707068}"/>
-              </a:ext>
-            </a:extLst>
-          </p:cNvPr>
-          <p:cNvSpPr>
-            <a:spLocks noGrp="1"/>
-          </p:cNvSpPr>
-          <p:nvPr>
-            <p:ph type="title"/>
-          </p:nvPr>
-        </p:nvSpPr>
-        <p:spPr>
-          <a:xfrm>
-            <a:off x="838200" y="-125763"/>
-            <a:ext cx="10515600" cy="1325563"/>
-          </a:xfrm>
-        </p:spPr>
-        <p:txBody>
-          <a:bodyPr/>
-          <a:lstStyle/>
-          <a:p>
-            <a:pPr algn="ctr"/>
-            <a:r>
-              <a:rPr lang="en-US" dirty="0"/>
-              <a:t>IMPACT OF COVID-19 </a:t>
-            </a:r>
-          </a:p>
-        </p:txBody>
-      </p:sp>
-      <p:pic>
-        <p:nvPicPr>
-          <p:cNvPr id="5" name="Content Placeholder 4" descr="A screen shot of a computer&#10;&#10;Description automatically generated">
-            <a:extLst>
-              <a:ext uri="{FF2B5EF4-FFF2-40B4-BE49-F238E27FC236}">
-                <a16:creationId xmlns:a16="http://schemas.microsoft.com/office/drawing/2014/main" id="{85C9F263-6881-40BC-8889-7777F391537E}"/>
-              </a:ext>
-            </a:extLst>
-          </p:cNvPr>
-          <p:cNvPicPr>
-            <a:picLocks noGrp="1" noChangeAspect="1"/>
-          </p:cNvPicPr>
-          <p:nvPr>
-            <p:ph idx="1"/>
-          </p:nvPr>
-        </p:nvPicPr>
-        <p:blipFill>
-          <a:blip r:embed="rId3">
-            <a:extLst>
-              <a:ext uri="{28A0092B-C50C-407E-A947-70E740481C1C}">
-                <a14:useLocalDpi xmlns:a14="http://schemas.microsoft.com/office/drawing/2010/main" val="0"/>
-              </a:ext>
-            </a:extLst>
-          </a:blip>
-          <a:stretch>
-            <a:fillRect/>
-          </a:stretch>
-        </p:blipFill>
-        <p:spPr>
-          <a:xfrm>
-            <a:off x="0" y="1069315"/>
-            <a:ext cx="12192000" cy="4901275"/>
-          </a:xfrm>
-        </p:spPr>
-      </p:pic>
-    </p:spTree>
-    <p:extLst>
-      <p:ext uri="{BB962C8B-B14F-4D97-AF65-F5344CB8AC3E}">
-        <p14:creationId xmlns:p14="http://schemas.microsoft.com/office/powerpoint/2010/main" val="1226178468"/>
-      </p:ext>
-    </p:extLst>
-  </p:cSld>
-  <p:clrMapOvr>
-    <a:masterClrMapping/>
-  </p:clrMapOvr>
-</p:sld>
-</file>
-
 <file path=ppt/slides/slide9.xml><?xml version="1.0" encoding="utf-8"?>
 <p:sld xmlns:a="http://schemas.openxmlformats.org/drawingml/2006/main" xmlns:r="http://schemas.openxmlformats.org/officeDocument/2006/relationships" xmlns:p="http://schemas.openxmlformats.org/presentationml/2006/main">
   <p:cSld>
@@ -5536,7 +6022,7 @@
           <p:cNvPr id="2" name="Title 1">
             <a:extLst>
               <a:ext uri="{FF2B5EF4-FFF2-40B4-BE49-F238E27FC236}">
-                <a16:creationId xmlns:a16="http://schemas.microsoft.com/office/drawing/2014/main" id="{AE3B0C92-8C33-47A9-94A2-801A38F6B3E0}"/>
+                <a16:creationId xmlns:a16="http://schemas.microsoft.com/office/drawing/2014/main" id="{EBDBA0B3-9761-496D-BE50-CBBF4D707068}"/>
               </a:ext>
             </a:extLst>
           </p:cNvPr>
@@ -5549,71 +6035,61 @@
         </p:nvSpPr>
         <p:spPr>
           <a:xfrm>
-            <a:off x="838200" y="365125"/>
-            <a:ext cx="10515600" cy="1711325"/>
+            <a:off x="838200" y="-125763"/>
+            <a:ext cx="10515600" cy="1325563"/>
           </a:xfrm>
         </p:spPr>
         <p:txBody>
           <a:bodyPr/>
           <a:lstStyle/>
           <a:p>
+            <a:pPr algn="ctr"/>
             <a:r>
               <a:rPr lang="en-US" dirty="0"/>
-              <a:t>QN: Are the homeless cases equal to the general public cases.</a:t>
-            </a:r>
-          </a:p>
-        </p:txBody>
-      </p:sp>
-      <p:sp>
-        <p:nvSpPr>
-          <p:cNvPr id="3" name="Content Placeholder 2">
-            <a:extLst>
-              <a:ext uri="{FF2B5EF4-FFF2-40B4-BE49-F238E27FC236}">
-                <a16:creationId xmlns:a16="http://schemas.microsoft.com/office/drawing/2014/main" id="{9875D5FB-597C-43A6-B437-0B3C198EC566}"/>
-              </a:ext>
-            </a:extLst>
-          </p:cNvPr>
-          <p:cNvSpPr>
-            <a:spLocks noGrp="1"/>
-          </p:cNvSpPr>
+              <a:t>IMPACT OF COVID-19 </a:t>
+            </a:r>
+          </a:p>
+        </p:txBody>
+      </p:sp>
+      <p:pic>
+        <p:nvPicPr>
+          <p:cNvPr id="5" name="Content Placeholder 4" descr="A screen shot of a computer&#10;&#10;Description automatically generated">
+            <a:extLst>
+              <a:ext uri="{FF2B5EF4-FFF2-40B4-BE49-F238E27FC236}">
+                <a16:creationId xmlns:a16="http://schemas.microsoft.com/office/drawing/2014/main" id="{85C9F263-6881-40BC-8889-7777F391537E}"/>
+              </a:ext>
+            </a:extLst>
+          </p:cNvPr>
+          <p:cNvPicPr>
+            <a:picLocks noGrp="1" noChangeAspect="1"/>
+          </p:cNvPicPr>
           <p:nvPr>
             <p:ph idx="1"/>
           </p:nvPr>
-        </p:nvSpPr>
+        </p:nvPicPr>
+        <p:blipFill>
+          <a:blip r:embed="rId3">
+            <a:extLst>
+              <a:ext uri="{28A0092B-C50C-407E-A947-70E740481C1C}">
+                <a14:useLocalDpi xmlns:a14="http://schemas.microsoft.com/office/drawing/2010/main" val="0"/>
+              </a:ext>
+            </a:extLst>
+          </a:blip>
+          <a:stretch>
+            <a:fillRect/>
+          </a:stretch>
+        </p:blipFill>
         <p:spPr>
           <a:xfrm>
-            <a:off x="838200" y="2400299"/>
-            <a:ext cx="10515600" cy="3776663"/>
+            <a:off x="0" y="1069315"/>
+            <a:ext cx="12192000" cy="4901275"/>
           </a:xfrm>
         </p:spPr>
-        <p:txBody>
-          <a:bodyPr/>
-          <a:lstStyle/>
-          <a:p>
-            <a:r>
-              <a:rPr lang="en-US" dirty="0"/>
-              <a:t>We ran a one proportional z-test </a:t>
-            </a:r>
-          </a:p>
-          <a:p>
-            <a:pPr lvl="1"/>
-            <a:r>
-              <a:rPr lang="en-US" dirty="0"/>
-              <a:t>A one proportion z-test is used to compare an observed proportion to a theoretical one, when there are only 2 categories</a:t>
-            </a:r>
-          </a:p>
-          <a:p>
-            <a:r>
-              <a:rPr lang="en-US" dirty="0"/>
-              <a:t>We discovered that , the homeless cases are not equal to the general public cases. In fact that the homeless cases are only 3.8% of the positive COVID19 cases observed in San Francisco. </a:t>
-            </a:r>
-          </a:p>
-        </p:txBody>
-      </p:sp>
+      </p:pic>
     </p:spTree>
     <p:extLst>
       <p:ext uri="{BB962C8B-B14F-4D97-AF65-F5344CB8AC3E}">
-        <p14:creationId xmlns:p14="http://schemas.microsoft.com/office/powerpoint/2010/main" val="2766681524"/>
+        <p14:creationId xmlns:p14="http://schemas.microsoft.com/office/powerpoint/2010/main" val="1226178468"/>
       </p:ext>
     </p:extLst>
   </p:cSld>

--- a/RecoverdDFTppt.pptx
+++ b/RecoverdDFTppt.pptx
@@ -5,7 +5,7 @@
     <p:sldMasterId id="2147483648" r:id="rId1"/>
   </p:sldMasterIdLst>
   <p:notesMasterIdLst>
-    <p:notesMasterId r:id="rId14"/>
+    <p:notesMasterId r:id="rId16"/>
   </p:notesMasterIdLst>
   <p:sldIdLst>
     <p:sldId id="256" r:id="rId2"/>
@@ -18,8 +18,10 @@
     <p:sldId id="262" r:id="rId9"/>
     <p:sldId id="265" r:id="rId10"/>
     <p:sldId id="267" r:id="rId11"/>
-    <p:sldId id="266" r:id="rId12"/>
-    <p:sldId id="260" r:id="rId13"/>
+    <p:sldId id="268" r:id="rId12"/>
+    <p:sldId id="269" r:id="rId13"/>
+    <p:sldId id="266" r:id="rId14"/>
+    <p:sldId id="260" r:id="rId15"/>
   </p:sldIdLst>
   <p:sldSz cx="12192000" cy="6858000"/>
   <p:notesSz cx="6858000" cy="9144000"/>
@@ -4122,12 +4124,294 @@
             <p:ph type="title"/>
           </p:nvPr>
         </p:nvSpPr>
+        <p:spPr>
+          <a:xfrm>
+            <a:off x="838200" y="365125"/>
+            <a:ext cx="10515600" cy="2035174"/>
+          </a:xfrm>
+        </p:spPr>
+        <p:txBody>
+          <a:bodyPr>
+            <a:normAutofit/>
+          </a:bodyPr>
+          <a:lstStyle/>
+          <a:p>
+            <a:r>
+              <a:rPr lang="en-US" dirty="0"/>
+              <a:t>QN: </a:t>
+            </a:r>
+            <a:r>
+              <a:rPr lang="en-US" b="1" i="0" dirty="0">
+                <a:solidFill>
+                  <a:srgbClr val="000000"/>
+                </a:solidFill>
+                <a:effectLst/>
+                <a:latin typeface="Helvetica Neue"/>
+              </a:rPr>
+              <a:t> </a:t>
+            </a:r>
+            <a:r>
+              <a:rPr lang="en-US" i="0" dirty="0">
+                <a:solidFill>
+                  <a:srgbClr val="000000"/>
+                </a:solidFill>
+                <a:effectLst/>
+              </a:rPr>
+              <a:t>Have the rooms availability in the homeless shelters been affected by the </a:t>
+            </a:r>
+            <a:r>
+              <a:rPr lang="en-US" i="0" dirty="0" err="1">
+                <a:solidFill>
+                  <a:srgbClr val="000000"/>
+                </a:solidFill>
+                <a:effectLst/>
+              </a:rPr>
+              <a:t>covid</a:t>
+            </a:r>
+            <a:r>
+              <a:rPr lang="en-US" i="0" dirty="0">
+                <a:solidFill>
+                  <a:srgbClr val="000000"/>
+                </a:solidFill>
+                <a:effectLst/>
+              </a:rPr>
+              <a:t> cases in the county of San Francisco?</a:t>
+            </a:r>
+            <a:endParaRPr lang="en-US" dirty="0"/>
+          </a:p>
+        </p:txBody>
+      </p:sp>
+      <p:sp>
+        <p:nvSpPr>
+          <p:cNvPr id="3" name="Content Placeholder 2">
+            <a:extLst>
+              <a:ext uri="{FF2B5EF4-FFF2-40B4-BE49-F238E27FC236}">
+                <a16:creationId xmlns:a16="http://schemas.microsoft.com/office/drawing/2014/main" id="{9875D5FB-597C-43A6-B437-0B3C198EC566}"/>
+              </a:ext>
+            </a:extLst>
+          </p:cNvPr>
+          <p:cNvSpPr>
+            <a:spLocks noGrp="1"/>
+          </p:cNvSpPr>
+          <p:nvPr>
+            <p:ph idx="1"/>
+          </p:nvPr>
+        </p:nvSpPr>
+        <p:spPr>
+          <a:xfrm>
+            <a:off x="838200" y="2400299"/>
+            <a:ext cx="10515600" cy="3776663"/>
+          </a:xfrm>
+        </p:spPr>
+        <p:txBody>
+          <a:bodyPr/>
+          <a:lstStyle/>
+          <a:p>
+            <a:r>
+              <a:rPr lang="en-US" dirty="0"/>
+              <a:t>We ran the Independent Chi-Square analysis.</a:t>
+            </a:r>
+          </a:p>
+          <a:p>
+            <a:pPr lvl="1"/>
+            <a:r>
+              <a:rPr lang="en-US" dirty="0"/>
+              <a:t>Independent Chi-Square will be used to explain the relationship between the Shelter’s rooms availability and the homeless cases.</a:t>
+            </a:r>
+          </a:p>
+          <a:p>
+            <a:r>
+              <a:rPr lang="en-US" dirty="0"/>
+              <a:t>We discovered that as the homeless cases increased the rooms availability decreased especially, in the later months of June and July.</a:t>
+            </a:r>
+          </a:p>
+        </p:txBody>
+      </p:sp>
+    </p:spTree>
+    <p:extLst>
+      <p:ext uri="{BB962C8B-B14F-4D97-AF65-F5344CB8AC3E}">
+        <p14:creationId xmlns:p14="http://schemas.microsoft.com/office/powerpoint/2010/main" val="3194323315"/>
+      </p:ext>
+    </p:extLst>
+  </p:cSld>
+  <p:clrMapOvr>
+    <a:masterClrMapping/>
+  </p:clrMapOvr>
+</p:sld>
+</file>
+
+<file path=ppt/slides/slide12.xml><?xml version="1.0" encoding="utf-8"?>
+<p:sld xmlns:a="http://schemas.openxmlformats.org/drawingml/2006/main" xmlns:r="http://schemas.openxmlformats.org/officeDocument/2006/relationships" xmlns:p="http://schemas.openxmlformats.org/presentationml/2006/main">
+  <p:cSld>
+    <p:spTree>
+      <p:nvGrpSpPr>
+        <p:cNvPr id="1" name=""/>
+        <p:cNvGrpSpPr/>
+        <p:nvPr/>
+      </p:nvGrpSpPr>
+      <p:grpSpPr>
+        <a:xfrm>
+          <a:off x="0" y="0"/>
+          <a:ext cx="0" cy="0"/>
+          <a:chOff x="0" y="0"/>
+          <a:chExt cx="0" cy="0"/>
+        </a:xfrm>
+      </p:grpSpPr>
+      <p:sp>
+        <p:nvSpPr>
+          <p:cNvPr id="2" name="Title 1">
+            <a:extLst>
+              <a:ext uri="{FF2B5EF4-FFF2-40B4-BE49-F238E27FC236}">
+                <a16:creationId xmlns:a16="http://schemas.microsoft.com/office/drawing/2014/main" id="{AE3B0C92-8C33-47A9-94A2-801A38F6B3E0}"/>
+              </a:ext>
+            </a:extLst>
+          </p:cNvPr>
+          <p:cNvSpPr>
+            <a:spLocks noGrp="1"/>
+          </p:cNvSpPr>
+          <p:nvPr>
+            <p:ph type="title"/>
+          </p:nvPr>
+        </p:nvSpPr>
+        <p:spPr>
+          <a:xfrm>
+            <a:off x="838200" y="365125"/>
+            <a:ext cx="10515600" cy="2035174"/>
+          </a:xfrm>
+        </p:spPr>
+        <p:txBody>
+          <a:bodyPr>
+            <a:normAutofit/>
+          </a:bodyPr>
+          <a:lstStyle/>
+          <a:p>
+            <a:r>
+              <a:rPr lang="en-US" dirty="0"/>
+              <a:t>QN: </a:t>
+            </a:r>
+            <a:r>
+              <a:rPr lang="en-US" b="1" i="0" dirty="0">
+                <a:solidFill>
+                  <a:srgbClr val="000000"/>
+                </a:solidFill>
+                <a:effectLst/>
+                <a:latin typeface="Helvetica Neue"/>
+              </a:rPr>
+              <a:t> </a:t>
+            </a:r>
+            <a:r>
+              <a:rPr lang="en-US" i="0" dirty="0">
+                <a:solidFill>
+                  <a:srgbClr val="000000"/>
+                </a:solidFill>
+                <a:effectLst/>
+              </a:rPr>
+              <a:t>Online source has stated that the homeless population was hit 80% harder compared to the public.?</a:t>
+            </a:r>
+            <a:endParaRPr lang="en-US" dirty="0"/>
+          </a:p>
+        </p:txBody>
+      </p:sp>
+      <p:sp>
+        <p:nvSpPr>
+          <p:cNvPr id="3" name="Content Placeholder 2">
+            <a:extLst>
+              <a:ext uri="{FF2B5EF4-FFF2-40B4-BE49-F238E27FC236}">
+                <a16:creationId xmlns:a16="http://schemas.microsoft.com/office/drawing/2014/main" id="{9875D5FB-597C-43A6-B437-0B3C198EC566}"/>
+              </a:ext>
+            </a:extLst>
+          </p:cNvPr>
+          <p:cNvSpPr>
+            <a:spLocks noGrp="1"/>
+          </p:cNvSpPr>
+          <p:nvPr>
+            <p:ph idx="1"/>
+          </p:nvPr>
+        </p:nvSpPr>
+        <p:spPr>
+          <a:xfrm>
+            <a:off x="838200" y="2400299"/>
+            <a:ext cx="10515600" cy="3776663"/>
+          </a:xfrm>
+        </p:spPr>
+        <p:txBody>
+          <a:bodyPr>
+            <a:normAutofit lnSpcReduction="10000"/>
+          </a:bodyPr>
+          <a:lstStyle/>
+          <a:p>
+            <a:r>
+              <a:rPr lang="en-US" dirty="0"/>
+              <a:t>We ran the Goodness of Fit Chi-Squares analysis.</a:t>
+            </a:r>
+          </a:p>
+          <a:p>
+            <a:pPr lvl="1"/>
+            <a:r>
+              <a:rPr lang="en-US" dirty="0"/>
+              <a:t>Goodness of Fit Chi-Squares Analysis will be used to explain the relationship between the observed and expected values from that online source..</a:t>
+            </a:r>
+          </a:p>
+          <a:p>
+            <a:r>
+              <a:rPr lang="en-US" dirty="0"/>
+              <a:t>We discovered first that this stats is not even close to be true, then we ran the two proportion z test analysis and found that the impact in each population as follows; the homeless was impacted by 2.5% in their population. The general public was impacted by 0.71% in their population. Comparing the percentage to each other. We can conclude that the homeless was impacted 111.8% harder than the general public. </a:t>
+            </a:r>
+          </a:p>
+        </p:txBody>
+      </p:sp>
+    </p:spTree>
+    <p:extLst>
+      <p:ext uri="{BB962C8B-B14F-4D97-AF65-F5344CB8AC3E}">
+        <p14:creationId xmlns:p14="http://schemas.microsoft.com/office/powerpoint/2010/main" val="73080989"/>
+      </p:ext>
+    </p:extLst>
+  </p:cSld>
+  <p:clrMapOvr>
+    <a:masterClrMapping/>
+  </p:clrMapOvr>
+</p:sld>
+</file>
+
+<file path=ppt/slides/slide13.xml><?xml version="1.0" encoding="utf-8"?>
+<p:sld xmlns:a="http://schemas.openxmlformats.org/drawingml/2006/main" xmlns:r="http://schemas.openxmlformats.org/officeDocument/2006/relationships" xmlns:p="http://schemas.openxmlformats.org/presentationml/2006/main">
+  <p:cSld>
+    <p:spTree>
+      <p:nvGrpSpPr>
+        <p:cNvPr id="1" name=""/>
+        <p:cNvGrpSpPr/>
+        <p:nvPr/>
+      </p:nvGrpSpPr>
+      <p:grpSpPr>
+        <a:xfrm>
+          <a:off x="0" y="0"/>
+          <a:ext cx="0" cy="0"/>
+          <a:chOff x="0" y="0"/>
+          <a:chExt cx="0" cy="0"/>
+        </a:xfrm>
+      </p:grpSpPr>
+      <p:sp>
+        <p:nvSpPr>
+          <p:cNvPr id="2" name="Title 1">
+            <a:extLst>
+              <a:ext uri="{FF2B5EF4-FFF2-40B4-BE49-F238E27FC236}">
+                <a16:creationId xmlns:a16="http://schemas.microsoft.com/office/drawing/2014/main" id="{AE3B0C92-8C33-47A9-94A2-801A38F6B3E0}"/>
+              </a:ext>
+            </a:extLst>
+          </p:cNvPr>
+          <p:cNvSpPr>
+            <a:spLocks noGrp="1"/>
+          </p:cNvSpPr>
+          <p:nvPr>
+            <p:ph type="title"/>
+          </p:nvPr>
+        </p:nvSpPr>
         <p:spPr/>
         <p:txBody>
           <a:bodyPr/>
           <a:lstStyle/>
           <a:p>
-            <a:endParaRPr lang="en-US"/>
+            <a:endParaRPr lang="en-US" dirty="0"/>
           </a:p>
         </p:txBody>
       </p:sp>
@@ -4169,7 +4453,7 @@
 </p:sld>
 </file>
 
-<file path=ppt/slides/slide12.xml><?xml version="1.0" encoding="utf-8"?>
+<file path=ppt/slides/slide14.xml><?xml version="1.0" encoding="utf-8"?>
 <p:sld xmlns:a="http://schemas.openxmlformats.org/drawingml/2006/main" xmlns:r="http://schemas.openxmlformats.org/officeDocument/2006/relationships" xmlns:p="http://schemas.openxmlformats.org/presentationml/2006/main">
   <p:cSld>
     <p:spTree>

--- a/RecoverdDFTppt.pptx
+++ b/RecoverdDFTppt.pptx
@@ -4228,7 +4228,7 @@
         </p:nvSpPr>
         <p:spPr>
           <a:xfrm>
-            <a:off x="838200" y="365125"/>
+            <a:off x="838200" y="136525"/>
             <a:ext cx="10515600" cy="1711325"/>
           </a:xfrm>
         </p:spPr>
@@ -4261,8 +4261,8 @@
         </p:nvSpPr>
         <p:spPr>
           <a:xfrm>
-            <a:off x="838200" y="2400299"/>
-            <a:ext cx="10515600" cy="3776663"/>
+            <a:off x="838200" y="1638300"/>
+            <a:ext cx="5981700" cy="4933949"/>
           </a:xfrm>
         </p:spPr>
         <p:txBody>
@@ -4284,11 +4284,47 @@
           <a:p>
             <a:r>
               <a:rPr lang="en-US" dirty="0"/>
-              <a:t>We discovered that , the homeless cases are not equal to the general public cases. In fact that the homeless cases are only 3.8% of the positive COVID19 cases observed in San Francisco. </a:t>
-            </a:r>
-          </a:p>
-        </p:txBody>
-      </p:sp>
+              <a:t>The homeless cases are not equal to the general public cases. In fact that the homeless cases are only 3.8% of the positive COVID19 cases observed in San Francisco. </a:t>
+            </a:r>
+          </a:p>
+        </p:txBody>
+      </p:sp>
+      <p:pic>
+        <p:nvPicPr>
+          <p:cNvPr id="7" name="Picture 6" descr="A picture containing drawing&#10;&#10;Description automatically generated">
+            <a:extLst>
+              <a:ext uri="{FF2B5EF4-FFF2-40B4-BE49-F238E27FC236}">
+                <a16:creationId xmlns:a16="http://schemas.microsoft.com/office/drawing/2014/main" id="{C04874EE-3CF1-47B2-9132-4CCAC5F55D05}"/>
+              </a:ext>
+            </a:extLst>
+          </p:cNvPr>
+          <p:cNvPicPr>
+            <a:picLocks noChangeAspect="1"/>
+          </p:cNvPicPr>
+          <p:nvPr/>
+        </p:nvPicPr>
+        <p:blipFill>
+          <a:blip r:embed="rId2">
+            <a:extLst>
+              <a:ext uri="{28A0092B-C50C-407E-A947-70E740481C1C}">
+                <a14:useLocalDpi xmlns:a14="http://schemas.microsoft.com/office/drawing/2010/main" val="0"/>
+              </a:ext>
+            </a:extLst>
+          </a:blip>
+          <a:stretch>
+            <a:fillRect/>
+          </a:stretch>
+        </p:blipFill>
+        <p:spPr>
+          <a:xfrm>
+            <a:off x="6819900" y="1154429"/>
+            <a:ext cx="4274820" cy="5133085"/>
+          </a:xfrm>
+          <a:prstGeom prst="rect">
+            <a:avLst/>
+          </a:prstGeom>
+        </p:spPr>
+      </p:pic>
     </p:spTree>
     <p:extLst>
       <p:ext uri="{BB962C8B-B14F-4D97-AF65-F5344CB8AC3E}">
@@ -4415,7 +4451,15 @@
           <a:p>
             <a:r>
               <a:rPr lang="en-US" dirty="0"/>
-              <a:t>We discovered that the homeless population was responsible for 996% of the spread of COVID19 to the general public. The 4% can be explained by other factors. </a:t>
+              <a:t>We discovered that the homeless population was responsible </a:t>
+            </a:r>
+            <a:r>
+              <a:rPr lang="en-US"/>
+              <a:t>for 96</a:t>
+            </a:r>
+            <a:r>
+              <a:rPr lang="en-US" dirty="0"/>
+              <a:t>% of the spread of COVID19 to the general public. The 4% can be explained by other factors. </a:t>
             </a:r>
           </a:p>
           <a:p>

--- a/RecoverdDFTppt.pptx
+++ b/RecoverdDFTppt.pptx
@@ -5,7 +5,7 @@
     <p:sldMasterId id="2147483648" r:id="rId1"/>
   </p:sldMasterIdLst>
   <p:notesMasterIdLst>
-    <p:notesMasterId r:id="rId16"/>
+    <p:notesMasterId r:id="rId14"/>
   </p:notesMasterIdLst>
   <p:sldIdLst>
     <p:sldId id="256" r:id="rId2"/>
@@ -18,10 +18,8 @@
     <p:sldId id="262" r:id="rId9"/>
     <p:sldId id="265" r:id="rId10"/>
     <p:sldId id="267" r:id="rId11"/>
-    <p:sldId id="268" r:id="rId12"/>
-    <p:sldId id="269" r:id="rId13"/>
-    <p:sldId id="266" r:id="rId14"/>
-    <p:sldId id="260" r:id="rId15"/>
+    <p:sldId id="266" r:id="rId12"/>
+    <p:sldId id="260" r:id="rId13"/>
   </p:sldIdLst>
   <p:sldSz cx="12192000" cy="6858000"/>
   <p:notesSz cx="6858000" cy="9144000"/>
@@ -4124,294 +4122,12 @@
             <p:ph type="title"/>
           </p:nvPr>
         </p:nvSpPr>
-        <p:spPr>
-          <a:xfrm>
-            <a:off x="838200" y="365125"/>
-            <a:ext cx="10515600" cy="2035174"/>
-          </a:xfrm>
-        </p:spPr>
-        <p:txBody>
-          <a:bodyPr>
-            <a:normAutofit/>
-          </a:bodyPr>
-          <a:lstStyle/>
-          <a:p>
-            <a:r>
-              <a:rPr lang="en-US" dirty="0"/>
-              <a:t>QN: </a:t>
-            </a:r>
-            <a:r>
-              <a:rPr lang="en-US" b="1" i="0" dirty="0">
-                <a:solidFill>
-                  <a:srgbClr val="000000"/>
-                </a:solidFill>
-                <a:effectLst/>
-                <a:latin typeface="Helvetica Neue"/>
-              </a:rPr>
-              <a:t> </a:t>
-            </a:r>
-            <a:r>
-              <a:rPr lang="en-US" i="0" dirty="0">
-                <a:solidFill>
-                  <a:srgbClr val="000000"/>
-                </a:solidFill>
-                <a:effectLst/>
-              </a:rPr>
-              <a:t>Have the rooms availability in the homeless shelters been affected by the </a:t>
-            </a:r>
-            <a:r>
-              <a:rPr lang="en-US" i="0" dirty="0" err="1">
-                <a:solidFill>
-                  <a:srgbClr val="000000"/>
-                </a:solidFill>
-                <a:effectLst/>
-              </a:rPr>
-              <a:t>covid</a:t>
-            </a:r>
-            <a:r>
-              <a:rPr lang="en-US" i="0" dirty="0">
-                <a:solidFill>
-                  <a:srgbClr val="000000"/>
-                </a:solidFill>
-                <a:effectLst/>
-              </a:rPr>
-              <a:t> cases in the county of San Francisco?</a:t>
-            </a:r>
-            <a:endParaRPr lang="en-US" dirty="0"/>
-          </a:p>
-        </p:txBody>
-      </p:sp>
-      <p:sp>
-        <p:nvSpPr>
-          <p:cNvPr id="3" name="Content Placeholder 2">
-            <a:extLst>
-              <a:ext uri="{FF2B5EF4-FFF2-40B4-BE49-F238E27FC236}">
-                <a16:creationId xmlns:a16="http://schemas.microsoft.com/office/drawing/2014/main" id="{9875D5FB-597C-43A6-B437-0B3C198EC566}"/>
-              </a:ext>
-            </a:extLst>
-          </p:cNvPr>
-          <p:cNvSpPr>
-            <a:spLocks noGrp="1"/>
-          </p:cNvSpPr>
-          <p:nvPr>
-            <p:ph idx="1"/>
-          </p:nvPr>
-        </p:nvSpPr>
-        <p:spPr>
-          <a:xfrm>
-            <a:off x="838200" y="2400299"/>
-            <a:ext cx="10515600" cy="3776663"/>
-          </a:xfrm>
-        </p:spPr>
-        <p:txBody>
-          <a:bodyPr/>
-          <a:lstStyle/>
-          <a:p>
-            <a:r>
-              <a:rPr lang="en-US" dirty="0"/>
-              <a:t>We ran the Independent Chi-Square analysis.</a:t>
-            </a:r>
-          </a:p>
-          <a:p>
-            <a:pPr lvl="1"/>
-            <a:r>
-              <a:rPr lang="en-US" dirty="0"/>
-              <a:t>Independent Chi-Square will be used to explain the relationship between the Shelter’s rooms availability and the homeless cases.</a:t>
-            </a:r>
-          </a:p>
-          <a:p>
-            <a:r>
-              <a:rPr lang="en-US" dirty="0"/>
-              <a:t>We discovered that as the homeless cases increased the rooms availability decreased especially, in the later months of June and July.</a:t>
-            </a:r>
-          </a:p>
-        </p:txBody>
-      </p:sp>
-    </p:spTree>
-    <p:extLst>
-      <p:ext uri="{BB962C8B-B14F-4D97-AF65-F5344CB8AC3E}">
-        <p14:creationId xmlns:p14="http://schemas.microsoft.com/office/powerpoint/2010/main" val="3194323315"/>
-      </p:ext>
-    </p:extLst>
-  </p:cSld>
-  <p:clrMapOvr>
-    <a:masterClrMapping/>
-  </p:clrMapOvr>
-</p:sld>
-</file>
-
-<file path=ppt/slides/slide12.xml><?xml version="1.0" encoding="utf-8"?>
-<p:sld xmlns:a="http://schemas.openxmlformats.org/drawingml/2006/main" xmlns:r="http://schemas.openxmlformats.org/officeDocument/2006/relationships" xmlns:p="http://schemas.openxmlformats.org/presentationml/2006/main">
-  <p:cSld>
-    <p:spTree>
-      <p:nvGrpSpPr>
-        <p:cNvPr id="1" name=""/>
-        <p:cNvGrpSpPr/>
-        <p:nvPr/>
-      </p:nvGrpSpPr>
-      <p:grpSpPr>
-        <a:xfrm>
-          <a:off x="0" y="0"/>
-          <a:ext cx="0" cy="0"/>
-          <a:chOff x="0" y="0"/>
-          <a:chExt cx="0" cy="0"/>
-        </a:xfrm>
-      </p:grpSpPr>
-      <p:sp>
-        <p:nvSpPr>
-          <p:cNvPr id="2" name="Title 1">
-            <a:extLst>
-              <a:ext uri="{FF2B5EF4-FFF2-40B4-BE49-F238E27FC236}">
-                <a16:creationId xmlns:a16="http://schemas.microsoft.com/office/drawing/2014/main" id="{AE3B0C92-8C33-47A9-94A2-801A38F6B3E0}"/>
-              </a:ext>
-            </a:extLst>
-          </p:cNvPr>
-          <p:cNvSpPr>
-            <a:spLocks noGrp="1"/>
-          </p:cNvSpPr>
-          <p:nvPr>
-            <p:ph type="title"/>
-          </p:nvPr>
-        </p:nvSpPr>
-        <p:spPr>
-          <a:xfrm>
-            <a:off x="838200" y="365125"/>
-            <a:ext cx="10515600" cy="2035174"/>
-          </a:xfrm>
-        </p:spPr>
-        <p:txBody>
-          <a:bodyPr>
-            <a:normAutofit/>
-          </a:bodyPr>
-          <a:lstStyle/>
-          <a:p>
-            <a:r>
-              <a:rPr lang="en-US" dirty="0"/>
-              <a:t>QN: </a:t>
-            </a:r>
-            <a:r>
-              <a:rPr lang="en-US" b="1" i="0" dirty="0">
-                <a:solidFill>
-                  <a:srgbClr val="000000"/>
-                </a:solidFill>
-                <a:effectLst/>
-                <a:latin typeface="Helvetica Neue"/>
-              </a:rPr>
-              <a:t> </a:t>
-            </a:r>
-            <a:r>
-              <a:rPr lang="en-US" i="0" dirty="0">
-                <a:solidFill>
-                  <a:srgbClr val="000000"/>
-                </a:solidFill>
-                <a:effectLst/>
-              </a:rPr>
-              <a:t>Online source has stated that the homeless population was hit 80% harder compared to the public.?</a:t>
-            </a:r>
-            <a:endParaRPr lang="en-US" dirty="0"/>
-          </a:p>
-        </p:txBody>
-      </p:sp>
-      <p:sp>
-        <p:nvSpPr>
-          <p:cNvPr id="3" name="Content Placeholder 2">
-            <a:extLst>
-              <a:ext uri="{FF2B5EF4-FFF2-40B4-BE49-F238E27FC236}">
-                <a16:creationId xmlns:a16="http://schemas.microsoft.com/office/drawing/2014/main" id="{9875D5FB-597C-43A6-B437-0B3C198EC566}"/>
-              </a:ext>
-            </a:extLst>
-          </p:cNvPr>
-          <p:cNvSpPr>
-            <a:spLocks noGrp="1"/>
-          </p:cNvSpPr>
-          <p:nvPr>
-            <p:ph idx="1"/>
-          </p:nvPr>
-        </p:nvSpPr>
-        <p:spPr>
-          <a:xfrm>
-            <a:off x="838200" y="2400299"/>
-            <a:ext cx="10515600" cy="3776663"/>
-          </a:xfrm>
-        </p:spPr>
-        <p:txBody>
-          <a:bodyPr>
-            <a:normAutofit lnSpcReduction="10000"/>
-          </a:bodyPr>
-          <a:lstStyle/>
-          <a:p>
-            <a:r>
-              <a:rPr lang="en-US" dirty="0"/>
-              <a:t>We ran the Goodness of Fit Chi-Squares analysis.</a:t>
-            </a:r>
-          </a:p>
-          <a:p>
-            <a:pPr lvl="1"/>
-            <a:r>
-              <a:rPr lang="en-US" dirty="0"/>
-              <a:t>Goodness of Fit Chi-Squares Analysis will be used to explain the relationship between the observed and expected values from that online source..</a:t>
-            </a:r>
-          </a:p>
-          <a:p>
-            <a:r>
-              <a:rPr lang="en-US" dirty="0"/>
-              <a:t>We discovered first that this stats is not even close to be true, then we ran the two proportion z test analysis and found that the impact in each population as follows; the homeless was impacted by 2.5% in their population. The general public was impacted by 0.71% in their population. Comparing the percentage to each other. We can conclude that the homeless was impacted 111.8% harder than the general public. </a:t>
-            </a:r>
-          </a:p>
-        </p:txBody>
-      </p:sp>
-    </p:spTree>
-    <p:extLst>
-      <p:ext uri="{BB962C8B-B14F-4D97-AF65-F5344CB8AC3E}">
-        <p14:creationId xmlns:p14="http://schemas.microsoft.com/office/powerpoint/2010/main" val="73080989"/>
-      </p:ext>
-    </p:extLst>
-  </p:cSld>
-  <p:clrMapOvr>
-    <a:masterClrMapping/>
-  </p:clrMapOvr>
-</p:sld>
-</file>
-
-<file path=ppt/slides/slide13.xml><?xml version="1.0" encoding="utf-8"?>
-<p:sld xmlns:a="http://schemas.openxmlformats.org/drawingml/2006/main" xmlns:r="http://schemas.openxmlformats.org/officeDocument/2006/relationships" xmlns:p="http://schemas.openxmlformats.org/presentationml/2006/main">
-  <p:cSld>
-    <p:spTree>
-      <p:nvGrpSpPr>
-        <p:cNvPr id="1" name=""/>
-        <p:cNvGrpSpPr/>
-        <p:nvPr/>
-      </p:nvGrpSpPr>
-      <p:grpSpPr>
-        <a:xfrm>
-          <a:off x="0" y="0"/>
-          <a:ext cx="0" cy="0"/>
-          <a:chOff x="0" y="0"/>
-          <a:chExt cx="0" cy="0"/>
-        </a:xfrm>
-      </p:grpSpPr>
-      <p:sp>
-        <p:nvSpPr>
-          <p:cNvPr id="2" name="Title 1">
-            <a:extLst>
-              <a:ext uri="{FF2B5EF4-FFF2-40B4-BE49-F238E27FC236}">
-                <a16:creationId xmlns:a16="http://schemas.microsoft.com/office/drawing/2014/main" id="{AE3B0C92-8C33-47A9-94A2-801A38F6B3E0}"/>
-              </a:ext>
-            </a:extLst>
-          </p:cNvPr>
-          <p:cNvSpPr>
-            <a:spLocks noGrp="1"/>
-          </p:cNvSpPr>
-          <p:nvPr>
-            <p:ph type="title"/>
-          </p:nvPr>
-        </p:nvSpPr>
         <p:spPr/>
         <p:txBody>
           <a:bodyPr/>
           <a:lstStyle/>
           <a:p>
-            <a:endParaRPr lang="en-US" dirty="0"/>
+            <a:endParaRPr lang="en-US"/>
           </a:p>
         </p:txBody>
       </p:sp>
@@ -4453,7 +4169,7 @@
 </p:sld>
 </file>
 
-<file path=ppt/slides/slide14.xml><?xml version="1.0" encoding="utf-8"?>
+<file path=ppt/slides/slide12.xml><?xml version="1.0" encoding="utf-8"?>
 <p:sld xmlns:a="http://schemas.openxmlformats.org/drawingml/2006/main" xmlns:r="http://schemas.openxmlformats.org/officeDocument/2006/relationships" xmlns:p="http://schemas.openxmlformats.org/presentationml/2006/main">
   <p:cSld>
     <p:spTree>

--- a/RecoverdDFTppt.pptx
+++ b/RecoverdDFTppt.pptx
@@ -5,21 +5,26 @@
     <p:sldMasterId id="2147483648" r:id="rId1"/>
   </p:sldMasterIdLst>
   <p:notesMasterIdLst>
-    <p:notesMasterId r:id="rId14"/>
+    <p:notesMasterId r:id="rId19"/>
   </p:notesMasterIdLst>
   <p:sldIdLst>
     <p:sldId id="256" r:id="rId2"/>
-    <p:sldId id="257" r:id="rId3"/>
-    <p:sldId id="263" r:id="rId4"/>
-    <p:sldId id="264" r:id="rId5"/>
-    <p:sldId id="258" r:id="rId6"/>
-    <p:sldId id="259" r:id="rId7"/>
-    <p:sldId id="261" r:id="rId8"/>
-    <p:sldId id="262" r:id="rId9"/>
-    <p:sldId id="265" r:id="rId10"/>
-    <p:sldId id="267" r:id="rId11"/>
-    <p:sldId id="266" r:id="rId12"/>
-    <p:sldId id="260" r:id="rId13"/>
+    <p:sldId id="268" r:id="rId3"/>
+    <p:sldId id="269" r:id="rId4"/>
+    <p:sldId id="270" r:id="rId5"/>
+    <p:sldId id="257" r:id="rId6"/>
+    <p:sldId id="258" r:id="rId7"/>
+    <p:sldId id="259" r:id="rId8"/>
+    <p:sldId id="261" r:id="rId9"/>
+    <p:sldId id="262" r:id="rId10"/>
+    <p:sldId id="271" r:id="rId11"/>
+    <p:sldId id="272" r:id="rId12"/>
+    <p:sldId id="265" r:id="rId13"/>
+    <p:sldId id="267" r:id="rId14"/>
+    <p:sldId id="266" r:id="rId15"/>
+    <p:sldId id="273" r:id="rId16"/>
+    <p:sldId id="275" r:id="rId17"/>
+    <p:sldId id="260" r:id="rId18"/>
   </p:sldIdLst>
   <p:sldSz cx="12192000" cy="6858000"/>
   <p:notesSz cx="6858000" cy="9144000"/>
@@ -220,7 +225,7 @@
           <a:p>
             <a:fld id="{96F2C86F-4A2D-4626-A0AA-6F1FB8EFB446}" type="datetimeFigureOut">
               <a:rPr lang="en-US" smtClean="0"/>
-              <a:t>8/29/2020</a:t>
+              <a:t>8/30/2020</a:t>
             </a:fld>
             <a:endParaRPr lang="en-US"/>
           </a:p>
@@ -552,7 +557,7 @@
           <a:p>
             <a:fld id="{9601AF2B-5FCD-47A0-825D-A4952FFF1367}" type="slidenum">
               <a:rPr lang="en-US" smtClean="0"/>
-              <a:t>2</a:t>
+              <a:t>5</a:t>
             </a:fld>
             <a:endParaRPr lang="en-US"/>
           </a:p>
@@ -648,7 +653,7 @@
           <a:p>
             <a:fld id="{9601AF2B-5FCD-47A0-825D-A4952FFF1367}" type="slidenum">
               <a:rPr lang="en-US" smtClean="0"/>
-              <a:t>8</a:t>
+              <a:t>9</a:t>
             </a:fld>
             <a:endParaRPr lang="en-US"/>
           </a:p>
@@ -814,7 +819,7 @@
           <a:p>
             <a:fld id="{A68A2230-04CB-441E-9157-E70EC1ED1AFA}" type="datetimeFigureOut">
               <a:rPr lang="en-US" smtClean="0"/>
-              <a:t>8/29/2020</a:t>
+              <a:t>8/30/2020</a:t>
             </a:fld>
             <a:endParaRPr lang="en-US"/>
           </a:p>
@@ -1012,7 +1017,7 @@
           <a:p>
             <a:fld id="{A68A2230-04CB-441E-9157-E70EC1ED1AFA}" type="datetimeFigureOut">
               <a:rPr lang="en-US" smtClean="0"/>
-              <a:t>8/29/2020</a:t>
+              <a:t>8/30/2020</a:t>
             </a:fld>
             <a:endParaRPr lang="en-US"/>
           </a:p>
@@ -1220,7 +1225,7 @@
           <a:p>
             <a:fld id="{A68A2230-04CB-441E-9157-E70EC1ED1AFA}" type="datetimeFigureOut">
               <a:rPr lang="en-US" smtClean="0"/>
-              <a:t>8/29/2020</a:t>
+              <a:t>8/30/2020</a:t>
             </a:fld>
             <a:endParaRPr lang="en-US"/>
           </a:p>
@@ -1418,7 +1423,7 @@
           <a:p>
             <a:fld id="{A68A2230-04CB-441E-9157-E70EC1ED1AFA}" type="datetimeFigureOut">
               <a:rPr lang="en-US" smtClean="0"/>
-              <a:t>8/29/2020</a:t>
+              <a:t>8/30/2020</a:t>
             </a:fld>
             <a:endParaRPr lang="en-US"/>
           </a:p>
@@ -1693,7 +1698,7 @@
           <a:p>
             <a:fld id="{A68A2230-04CB-441E-9157-E70EC1ED1AFA}" type="datetimeFigureOut">
               <a:rPr lang="en-US" smtClean="0"/>
-              <a:t>8/29/2020</a:t>
+              <a:t>8/30/2020</a:t>
             </a:fld>
             <a:endParaRPr lang="en-US"/>
           </a:p>
@@ -1958,7 +1963,7 @@
           <a:p>
             <a:fld id="{A68A2230-04CB-441E-9157-E70EC1ED1AFA}" type="datetimeFigureOut">
               <a:rPr lang="en-US" smtClean="0"/>
-              <a:t>8/29/2020</a:t>
+              <a:t>8/30/2020</a:t>
             </a:fld>
             <a:endParaRPr lang="en-US"/>
           </a:p>
@@ -2370,7 +2375,7 @@
           <a:p>
             <a:fld id="{A68A2230-04CB-441E-9157-E70EC1ED1AFA}" type="datetimeFigureOut">
               <a:rPr lang="en-US" smtClean="0"/>
-              <a:t>8/29/2020</a:t>
+              <a:t>8/30/2020</a:t>
             </a:fld>
             <a:endParaRPr lang="en-US"/>
           </a:p>
@@ -2511,7 +2516,7 @@
           <a:p>
             <a:fld id="{A68A2230-04CB-441E-9157-E70EC1ED1AFA}" type="datetimeFigureOut">
               <a:rPr lang="en-US" smtClean="0"/>
-              <a:t>8/29/2020</a:t>
+              <a:t>8/30/2020</a:t>
             </a:fld>
             <a:endParaRPr lang="en-US"/>
           </a:p>
@@ -2624,7 +2629,7 @@
           <a:p>
             <a:fld id="{A68A2230-04CB-441E-9157-E70EC1ED1AFA}" type="datetimeFigureOut">
               <a:rPr lang="en-US" smtClean="0"/>
-              <a:t>8/29/2020</a:t>
+              <a:t>8/30/2020</a:t>
             </a:fld>
             <a:endParaRPr lang="en-US"/>
           </a:p>
@@ -2935,7 +2940,7 @@
           <a:p>
             <a:fld id="{A68A2230-04CB-441E-9157-E70EC1ED1AFA}" type="datetimeFigureOut">
               <a:rPr lang="en-US" smtClean="0"/>
-              <a:t>8/29/2020</a:t>
+              <a:t>8/30/2020</a:t>
             </a:fld>
             <a:endParaRPr lang="en-US"/>
           </a:p>
@@ -3223,7 +3228,7 @@
           <a:p>
             <a:fld id="{A68A2230-04CB-441E-9157-E70EC1ED1AFA}" type="datetimeFigureOut">
               <a:rPr lang="en-US" smtClean="0"/>
-              <a:t>8/29/2020</a:t>
+              <a:t>8/30/2020</a:t>
             </a:fld>
             <a:endParaRPr lang="en-US"/>
           </a:p>
@@ -3464,7 +3469,7 @@
           <a:p>
             <a:fld id="{A68A2230-04CB-441E-9157-E70EC1ED1AFA}" type="datetimeFigureOut">
               <a:rPr lang="en-US" smtClean="0"/>
-              <a:t>8/29/2020</a:t>
+              <a:t>8/30/2020</a:t>
             </a:fld>
             <a:endParaRPr lang="en-US"/>
           </a:p>
@@ -3974,7 +3979,7 @@
           <p:cNvPr id="2" name="Title 1">
             <a:extLst>
               <a:ext uri="{FF2B5EF4-FFF2-40B4-BE49-F238E27FC236}">
-                <a16:creationId xmlns:a16="http://schemas.microsoft.com/office/drawing/2014/main" id="{AE3B0C92-8C33-47A9-94A2-801A38F6B3E0}"/>
+                <a16:creationId xmlns:a16="http://schemas.microsoft.com/office/drawing/2014/main" id="{0D283874-3EB5-432E-92F9-FB9C85F0ABC1}"/>
               </a:ext>
             </a:extLst>
           </p:cNvPr>
@@ -3985,42 +3990,15 @@
             <p:ph type="title"/>
           </p:nvPr>
         </p:nvSpPr>
-        <p:spPr>
-          <a:xfrm>
-            <a:off x="838200" y="365125"/>
-            <a:ext cx="10515600" cy="2035174"/>
-          </a:xfrm>
-        </p:spPr>
-        <p:txBody>
-          <a:bodyPr>
-            <a:normAutofit fontScale="90000"/>
-          </a:bodyPr>
+        <p:spPr/>
+        <p:txBody>
+          <a:bodyPr/>
           <a:lstStyle/>
           <a:p>
             <a:r>
               <a:rPr lang="en-US" dirty="0"/>
-              <a:t>QN: </a:t>
-            </a:r>
-            <a:r>
-              <a:rPr lang="en-US" b="1" i="0" dirty="0">
-                <a:solidFill>
-                  <a:srgbClr val="000000"/>
-                </a:solidFill>
-                <a:effectLst/>
-                <a:latin typeface="Helvetica Neue"/>
-              </a:rPr>
-              <a:t> </a:t>
-            </a:r>
-            <a:r>
-              <a:rPr lang="en-US" i="0" dirty="0">
-                <a:solidFill>
-                  <a:srgbClr val="000000"/>
-                </a:solidFill>
-                <a:effectLst/>
-              </a:rPr>
-              <a:t>Are the number of homeless cases affecting the general public. Are the homeless spreading COVID19 because they have no homes?</a:t>
-            </a:r>
-            <a:endParaRPr lang="en-US" dirty="0"/>
+              <a:t>Methods</a:t>
+            </a:r>
           </a:p>
         </p:txBody>
       </p:sp>
@@ -4029,7 +4007,7 @@
           <p:cNvPr id="3" name="Content Placeholder 2">
             <a:extLst>
               <a:ext uri="{FF2B5EF4-FFF2-40B4-BE49-F238E27FC236}">
-                <a16:creationId xmlns:a16="http://schemas.microsoft.com/office/drawing/2014/main" id="{9875D5FB-597C-43A6-B437-0B3C198EC566}"/>
+                <a16:creationId xmlns:a16="http://schemas.microsoft.com/office/drawing/2014/main" id="{7BDADDF7-59DA-41D7-944C-AC199D95E71B}"/>
               </a:ext>
             </a:extLst>
           </p:cNvPr>
@@ -4040,38 +4018,57 @@
             <p:ph idx="1"/>
           </p:nvPr>
         </p:nvSpPr>
-        <p:spPr>
-          <a:xfrm>
-            <a:off x="838200" y="2400299"/>
-            <a:ext cx="10515600" cy="3776663"/>
-          </a:xfrm>
-        </p:spPr>
+        <p:spPr/>
         <p:txBody>
           <a:bodyPr/>
           <a:lstStyle/>
           <a:p>
             <a:r>
               <a:rPr lang="en-US" dirty="0"/>
-              <a:t>We ran linear regression predictive analysis.</a:t>
+              <a:t>Details about data used </a:t>
+            </a:r>
+          </a:p>
+          <a:p>
+            <a:r>
+              <a:rPr lang="en-US" dirty="0"/>
+              <a:t>What we did to :</a:t>
             </a:r>
           </a:p>
           <a:p>
             <a:pPr lvl="1"/>
             <a:r>
               <a:rPr lang="en-US" dirty="0"/>
-              <a:t>Linear regression will be used to explain the relationship between the homeless population and the general public population.</a:t>
-            </a:r>
-          </a:p>
-          <a:p>
+              <a:t>Gather/find data</a:t>
+            </a:r>
+          </a:p>
+          <a:p>
+            <a:pPr lvl="1"/>
+            <a:r>
+              <a:rPr lang="en-US" dirty="0" err="1"/>
+              <a:t>Manupilate</a:t>
+            </a:r>
             <a:r>
               <a:rPr lang="en-US" dirty="0"/>
-              <a:t>We discovered that the homeless population was responsible for 996% of the spread of COVID19 to the general public. The 4% can be explained by other factors. </a:t>
-            </a:r>
-          </a:p>
-          <a:p>
+              <a:t>/wrangle data </a:t>
+            </a:r>
+          </a:p>
+          <a:p>
+            <a:pPr lvl="1"/>
             <a:r>
               <a:rPr lang="en-US" dirty="0"/>
-              <a:t>How ever, we found a lot of variance, the data was not evenly distributed.</a:t>
+              <a:t>Create new variables</a:t>
+            </a:r>
+          </a:p>
+          <a:p>
+            <a:r>
+              <a:rPr lang="en-US" dirty="0"/>
+              <a:t>Important variables and their summary statistics</a:t>
+            </a:r>
+          </a:p>
+          <a:p>
+            <a:r>
+              <a:rPr lang="en-US" dirty="0"/>
+              <a:t>Sample size</a:t>
             </a:r>
           </a:p>
         </p:txBody>
@@ -4079,7 +4076,7 @@
     </p:spTree>
     <p:extLst>
       <p:ext uri="{BB962C8B-B14F-4D97-AF65-F5344CB8AC3E}">
-        <p14:creationId xmlns:p14="http://schemas.microsoft.com/office/powerpoint/2010/main" val="2763260367"/>
+        <p14:creationId xmlns:p14="http://schemas.microsoft.com/office/powerpoint/2010/main" val="1409966681"/>
       </p:ext>
     </p:extLst>
   </p:cSld>
@@ -4111,6 +4108,113 @@
           <p:cNvPr id="2" name="Title 1">
             <a:extLst>
               <a:ext uri="{FF2B5EF4-FFF2-40B4-BE49-F238E27FC236}">
+                <a16:creationId xmlns:a16="http://schemas.microsoft.com/office/drawing/2014/main" id="{92AD08EE-AAB8-49E7-B2E3-8055A958E767}"/>
+              </a:ext>
+            </a:extLst>
+          </p:cNvPr>
+          <p:cNvSpPr>
+            <a:spLocks noGrp="1"/>
+          </p:cNvSpPr>
+          <p:nvPr>
+            <p:ph type="title"/>
+          </p:nvPr>
+        </p:nvSpPr>
+        <p:spPr/>
+        <p:txBody>
+          <a:bodyPr/>
+          <a:lstStyle/>
+          <a:p>
+            <a:r>
+              <a:rPr lang="en-US" dirty="0"/>
+              <a:t>Results </a:t>
+            </a:r>
+          </a:p>
+        </p:txBody>
+      </p:sp>
+      <p:sp>
+        <p:nvSpPr>
+          <p:cNvPr id="3" name="Content Placeholder 2">
+            <a:extLst>
+              <a:ext uri="{FF2B5EF4-FFF2-40B4-BE49-F238E27FC236}">
+                <a16:creationId xmlns:a16="http://schemas.microsoft.com/office/drawing/2014/main" id="{A40E466E-DF68-40BF-8528-8EC5815DD9E6}"/>
+              </a:ext>
+            </a:extLst>
+          </p:cNvPr>
+          <p:cNvSpPr>
+            <a:spLocks noGrp="1"/>
+          </p:cNvSpPr>
+          <p:nvPr>
+            <p:ph idx="1"/>
+          </p:nvPr>
+        </p:nvSpPr>
+        <p:spPr/>
+        <p:txBody>
+          <a:bodyPr/>
+          <a:lstStyle/>
+          <a:p>
+            <a:r>
+              <a:rPr lang="en-US" dirty="0"/>
+              <a:t>This is the format that the results will take </a:t>
+            </a:r>
+          </a:p>
+          <a:p>
+            <a:pPr lvl="1"/>
+            <a:r>
+              <a:rPr lang="en-US" dirty="0"/>
+              <a:t> the question </a:t>
+            </a:r>
+          </a:p>
+          <a:p>
+            <a:pPr lvl="1"/>
+            <a:r>
+              <a:rPr lang="en-US" dirty="0"/>
+              <a:t>The Analysis used </a:t>
+            </a:r>
+          </a:p>
+          <a:p>
+            <a:pPr lvl="1"/>
+            <a:r>
+              <a:rPr lang="en-US" dirty="0"/>
+              <a:t>What are the observations and conclusions from the tests done </a:t>
+            </a:r>
+          </a:p>
+        </p:txBody>
+      </p:sp>
+    </p:spTree>
+    <p:extLst>
+      <p:ext uri="{BB962C8B-B14F-4D97-AF65-F5344CB8AC3E}">
+        <p14:creationId xmlns:p14="http://schemas.microsoft.com/office/powerpoint/2010/main" val="3204704411"/>
+      </p:ext>
+    </p:extLst>
+  </p:cSld>
+  <p:clrMapOvr>
+    <a:masterClrMapping/>
+  </p:clrMapOvr>
+</p:sld>
+</file>
+
+<file path=ppt/slides/slide12.xml><?xml version="1.0" encoding="utf-8"?>
+<p:sld xmlns:a="http://schemas.openxmlformats.org/drawingml/2006/main" xmlns:r="http://schemas.openxmlformats.org/officeDocument/2006/relationships" xmlns:p="http://schemas.openxmlformats.org/presentationml/2006/main">
+  <p:cSld>
+    <p:spTree>
+      <p:nvGrpSpPr>
+        <p:cNvPr id="1" name=""/>
+        <p:cNvGrpSpPr/>
+        <p:nvPr/>
+      </p:nvGrpSpPr>
+      <p:grpSpPr>
+        <a:xfrm>
+          <a:off x="0" y="0"/>
+          <a:ext cx="0" cy="0"/>
+          <a:chOff x="0" y="0"/>
+          <a:chExt cx="0" cy="0"/>
+        </a:xfrm>
+      </p:grpSpPr>
+      <p:sp>
+        <p:nvSpPr>
+          <p:cNvPr id="2" name="Title 1">
+            <a:extLst>
+              <a:ext uri="{FF2B5EF4-FFF2-40B4-BE49-F238E27FC236}">
                 <a16:creationId xmlns:a16="http://schemas.microsoft.com/office/drawing/2014/main" id="{AE3B0C92-8C33-47A9-94A2-801A38F6B3E0}"/>
               </a:ext>
             </a:extLst>
@@ -4122,12 +4226,305 @@
             <p:ph type="title"/>
           </p:nvPr>
         </p:nvSpPr>
+        <p:spPr>
+          <a:xfrm>
+            <a:off x="838200" y="136525"/>
+            <a:ext cx="10515600" cy="1711325"/>
+          </a:xfrm>
+        </p:spPr>
+        <p:txBody>
+          <a:bodyPr/>
+          <a:lstStyle/>
+          <a:p>
+            <a:r>
+              <a:rPr lang="en-US" dirty="0"/>
+              <a:t>QN: Are the homeless cases equal to the general public cases.</a:t>
+            </a:r>
+          </a:p>
+        </p:txBody>
+      </p:sp>
+      <p:sp>
+        <p:nvSpPr>
+          <p:cNvPr id="3" name="Content Placeholder 2">
+            <a:extLst>
+              <a:ext uri="{FF2B5EF4-FFF2-40B4-BE49-F238E27FC236}">
+                <a16:creationId xmlns:a16="http://schemas.microsoft.com/office/drawing/2014/main" id="{9875D5FB-597C-43A6-B437-0B3C198EC566}"/>
+              </a:ext>
+            </a:extLst>
+          </p:cNvPr>
+          <p:cNvSpPr>
+            <a:spLocks noGrp="1"/>
+          </p:cNvSpPr>
+          <p:nvPr>
+            <p:ph idx="1"/>
+          </p:nvPr>
+        </p:nvSpPr>
+        <p:spPr>
+          <a:xfrm>
+            <a:off x="838200" y="1638300"/>
+            <a:ext cx="5981700" cy="4933949"/>
+          </a:xfrm>
+        </p:spPr>
+        <p:txBody>
+          <a:bodyPr/>
+          <a:lstStyle/>
+          <a:p>
+            <a:r>
+              <a:rPr lang="en-US" dirty="0"/>
+              <a:t>We ran a one proportional z-test </a:t>
+            </a:r>
+          </a:p>
+          <a:p>
+            <a:pPr lvl="1"/>
+            <a:r>
+              <a:rPr lang="en-US" dirty="0"/>
+              <a:t>A one proportion z-test is used to compare an observed proportion to a theoretical one, when there are only 2 categories</a:t>
+            </a:r>
+          </a:p>
+          <a:p>
+            <a:r>
+              <a:rPr lang="en-US" dirty="0"/>
+              <a:t>The homeless cases are not equal to the general public cases. In fact that the homeless cases are only 3.8% of the positive COVID19 cases observed in San Francisco. </a:t>
+            </a:r>
+          </a:p>
+        </p:txBody>
+      </p:sp>
+      <p:pic>
+        <p:nvPicPr>
+          <p:cNvPr id="7" name="Picture 6" descr="A picture containing drawing&#10;&#10;Description automatically generated">
+            <a:extLst>
+              <a:ext uri="{FF2B5EF4-FFF2-40B4-BE49-F238E27FC236}">
+                <a16:creationId xmlns:a16="http://schemas.microsoft.com/office/drawing/2014/main" id="{C04874EE-3CF1-47B2-9132-4CCAC5F55D05}"/>
+              </a:ext>
+            </a:extLst>
+          </p:cNvPr>
+          <p:cNvPicPr>
+            <a:picLocks noChangeAspect="1"/>
+          </p:cNvPicPr>
+          <p:nvPr/>
+        </p:nvPicPr>
+        <p:blipFill>
+          <a:blip r:embed="rId2">
+            <a:extLst>
+              <a:ext uri="{28A0092B-C50C-407E-A947-70E740481C1C}">
+                <a14:useLocalDpi xmlns:a14="http://schemas.microsoft.com/office/drawing/2010/main" val="0"/>
+              </a:ext>
+            </a:extLst>
+          </a:blip>
+          <a:stretch>
+            <a:fillRect/>
+          </a:stretch>
+        </p:blipFill>
+        <p:spPr>
+          <a:xfrm>
+            <a:off x="6819900" y="1154429"/>
+            <a:ext cx="4274820" cy="5133085"/>
+          </a:xfrm>
+          <a:prstGeom prst="rect">
+            <a:avLst/>
+          </a:prstGeom>
+        </p:spPr>
+      </p:pic>
+    </p:spTree>
+    <p:extLst>
+      <p:ext uri="{BB962C8B-B14F-4D97-AF65-F5344CB8AC3E}">
+        <p14:creationId xmlns:p14="http://schemas.microsoft.com/office/powerpoint/2010/main" val="2766681524"/>
+      </p:ext>
+    </p:extLst>
+  </p:cSld>
+  <p:clrMapOvr>
+    <a:masterClrMapping/>
+  </p:clrMapOvr>
+</p:sld>
+</file>
+
+<file path=ppt/slides/slide13.xml><?xml version="1.0" encoding="utf-8"?>
+<p:sld xmlns:a="http://schemas.openxmlformats.org/drawingml/2006/main" xmlns:r="http://schemas.openxmlformats.org/officeDocument/2006/relationships" xmlns:p="http://schemas.openxmlformats.org/presentationml/2006/main">
+  <p:cSld>
+    <p:spTree>
+      <p:nvGrpSpPr>
+        <p:cNvPr id="1" name=""/>
+        <p:cNvGrpSpPr/>
+        <p:nvPr/>
+      </p:nvGrpSpPr>
+      <p:grpSpPr>
+        <a:xfrm>
+          <a:off x="0" y="0"/>
+          <a:ext cx="0" cy="0"/>
+          <a:chOff x="0" y="0"/>
+          <a:chExt cx="0" cy="0"/>
+        </a:xfrm>
+      </p:grpSpPr>
+      <p:sp>
+        <p:nvSpPr>
+          <p:cNvPr id="2" name="Title 1">
+            <a:extLst>
+              <a:ext uri="{FF2B5EF4-FFF2-40B4-BE49-F238E27FC236}">
+                <a16:creationId xmlns:a16="http://schemas.microsoft.com/office/drawing/2014/main" id="{AE3B0C92-8C33-47A9-94A2-801A38F6B3E0}"/>
+              </a:ext>
+            </a:extLst>
+          </p:cNvPr>
+          <p:cNvSpPr>
+            <a:spLocks noGrp="1"/>
+          </p:cNvSpPr>
+          <p:nvPr>
+            <p:ph type="title"/>
+          </p:nvPr>
+        </p:nvSpPr>
+        <p:spPr>
+          <a:xfrm>
+            <a:off x="838200" y="365125"/>
+            <a:ext cx="10515600" cy="2035174"/>
+          </a:xfrm>
+        </p:spPr>
+        <p:txBody>
+          <a:bodyPr>
+            <a:normAutofit fontScale="90000"/>
+          </a:bodyPr>
+          <a:lstStyle/>
+          <a:p>
+            <a:r>
+              <a:rPr lang="en-US" dirty="0"/>
+              <a:t>QN: </a:t>
+            </a:r>
+            <a:r>
+              <a:rPr lang="en-US" b="1" i="0" dirty="0">
+                <a:solidFill>
+                  <a:srgbClr val="000000"/>
+                </a:solidFill>
+                <a:effectLst/>
+                <a:latin typeface="Helvetica Neue"/>
+              </a:rPr>
+              <a:t> </a:t>
+            </a:r>
+            <a:r>
+              <a:rPr lang="en-US" i="0" dirty="0">
+                <a:solidFill>
+                  <a:srgbClr val="000000"/>
+                </a:solidFill>
+                <a:effectLst/>
+              </a:rPr>
+              <a:t>Are the number of homeless cases affecting the general public. Are the homeless spreading COVID19 because they have no homes?</a:t>
+            </a:r>
+            <a:endParaRPr lang="en-US" dirty="0"/>
+          </a:p>
+        </p:txBody>
+      </p:sp>
+      <p:sp>
+        <p:nvSpPr>
+          <p:cNvPr id="3" name="Content Placeholder 2">
+            <a:extLst>
+              <a:ext uri="{FF2B5EF4-FFF2-40B4-BE49-F238E27FC236}">
+                <a16:creationId xmlns:a16="http://schemas.microsoft.com/office/drawing/2014/main" id="{9875D5FB-597C-43A6-B437-0B3C198EC566}"/>
+              </a:ext>
+            </a:extLst>
+          </p:cNvPr>
+          <p:cNvSpPr>
+            <a:spLocks noGrp="1"/>
+          </p:cNvSpPr>
+          <p:nvPr>
+            <p:ph idx="1"/>
+          </p:nvPr>
+        </p:nvSpPr>
+        <p:spPr>
+          <a:xfrm>
+            <a:off x="838200" y="2400299"/>
+            <a:ext cx="10515600" cy="3776663"/>
+          </a:xfrm>
+        </p:spPr>
+        <p:txBody>
+          <a:bodyPr/>
+          <a:lstStyle/>
+          <a:p>
+            <a:r>
+              <a:rPr lang="en-US" dirty="0"/>
+              <a:t>We ran linear regression predictive analysis.</a:t>
+            </a:r>
+          </a:p>
+          <a:p>
+            <a:pPr lvl="1"/>
+            <a:r>
+              <a:rPr lang="en-US" dirty="0"/>
+              <a:t>Linear regression will be used to explain the relationship between the homeless population and the general public population.</a:t>
+            </a:r>
+          </a:p>
+          <a:p>
+            <a:r>
+              <a:rPr lang="en-US" dirty="0"/>
+              <a:t>We discovered that the homeless population was responsible </a:t>
+            </a:r>
+            <a:r>
+              <a:rPr lang="en-US"/>
+              <a:t>for 96</a:t>
+            </a:r>
+            <a:r>
+              <a:rPr lang="en-US" dirty="0"/>
+              <a:t>% of the spread of COVID19 to the general public. The 4% can be explained by other factors. </a:t>
+            </a:r>
+          </a:p>
+          <a:p>
+            <a:r>
+              <a:rPr lang="en-US" dirty="0"/>
+              <a:t>How ever, we found a lot of variance, the data was not evenly distributed.</a:t>
+            </a:r>
+          </a:p>
+        </p:txBody>
+      </p:sp>
+    </p:spTree>
+    <p:extLst>
+      <p:ext uri="{BB962C8B-B14F-4D97-AF65-F5344CB8AC3E}">
+        <p14:creationId xmlns:p14="http://schemas.microsoft.com/office/powerpoint/2010/main" val="2763260367"/>
+      </p:ext>
+    </p:extLst>
+  </p:cSld>
+  <p:clrMapOvr>
+    <a:masterClrMapping/>
+  </p:clrMapOvr>
+</p:sld>
+</file>
+
+<file path=ppt/slides/slide14.xml><?xml version="1.0" encoding="utf-8"?>
+<p:sld xmlns:a="http://schemas.openxmlformats.org/drawingml/2006/main" xmlns:r="http://schemas.openxmlformats.org/officeDocument/2006/relationships" xmlns:p="http://schemas.openxmlformats.org/presentationml/2006/main">
+  <p:cSld>
+    <p:spTree>
+      <p:nvGrpSpPr>
+        <p:cNvPr id="1" name=""/>
+        <p:cNvGrpSpPr/>
+        <p:nvPr/>
+      </p:nvGrpSpPr>
+      <p:grpSpPr>
+        <a:xfrm>
+          <a:off x="0" y="0"/>
+          <a:ext cx="0" cy="0"/>
+          <a:chOff x="0" y="0"/>
+          <a:chExt cx="0" cy="0"/>
+        </a:xfrm>
+      </p:grpSpPr>
+      <p:sp>
+        <p:nvSpPr>
+          <p:cNvPr id="2" name="Title 1">
+            <a:extLst>
+              <a:ext uri="{FF2B5EF4-FFF2-40B4-BE49-F238E27FC236}">
+                <a16:creationId xmlns:a16="http://schemas.microsoft.com/office/drawing/2014/main" id="{AE3B0C92-8C33-47A9-94A2-801A38F6B3E0}"/>
+              </a:ext>
+            </a:extLst>
+          </p:cNvPr>
+          <p:cNvSpPr>
+            <a:spLocks noGrp="1"/>
+          </p:cNvSpPr>
+          <p:nvPr>
+            <p:ph type="title"/>
+          </p:nvPr>
+        </p:nvSpPr>
         <p:spPr/>
         <p:txBody>
           <a:bodyPr/>
           <a:lstStyle/>
           <a:p>
-            <a:endParaRPr lang="en-US"/>
+            <a:r>
+              <a:rPr lang="en-US" dirty="0"/>
+              <a:t>Summary </a:t>
+            </a:r>
           </a:p>
         </p:txBody>
       </p:sp>
@@ -4152,7 +4549,52 @@
           <a:bodyPr/>
           <a:lstStyle/>
           <a:p>
-            <a:endParaRPr lang="en-US"/>
+            <a:r>
+              <a:rPr lang="en-US" dirty="0"/>
+              <a:t>Here is a summary of our discoveries :</a:t>
+            </a:r>
+          </a:p>
+          <a:p>
+            <a:pPr lvl="1"/>
+            <a:r>
+              <a:rPr lang="en-US" dirty="0"/>
+              <a:t> Only 3.8% of COVID19 cases in San Francisco are homeless</a:t>
+            </a:r>
+          </a:p>
+          <a:p>
+            <a:pPr lvl="1"/>
+            <a:r>
+              <a:rPr lang="en-US" dirty="0"/>
+              <a:t>2.5% of the homeless population has been affect by COVID19</a:t>
+            </a:r>
+          </a:p>
+          <a:p>
+            <a:pPr lvl="1"/>
+            <a:r>
+              <a:rPr lang="en-US" dirty="0"/>
+              <a:t>Only 0.7% of the general public population has been affected by COVID19</a:t>
+            </a:r>
+          </a:p>
+          <a:p>
+            <a:pPr lvl="1"/>
+            <a:r>
+              <a:rPr lang="en-US" dirty="0"/>
+              <a:t>Homeless population has been affected 111% harder than the general public </a:t>
+            </a:r>
+          </a:p>
+          <a:p>
+            <a:pPr lvl="1"/>
+            <a:r>
+              <a:rPr lang="en-US" dirty="0"/>
+              <a:t>Towns that started out with fewer cases were faced wit an exponential growth in COVID19 cases</a:t>
+            </a:r>
+          </a:p>
+          <a:p>
+            <a:pPr lvl="1"/>
+            <a:r>
+              <a:rPr lang="en-US" dirty="0"/>
+              <a:t>The homeless population are spreading COVID19 to the general public because they do not have homes and resources.</a:t>
+            </a:r>
           </a:p>
         </p:txBody>
       </p:sp>
@@ -4169,7 +4611,171 @@
 </p:sld>
 </file>
 
-<file path=ppt/slides/slide12.xml><?xml version="1.0" encoding="utf-8"?>
+<file path=ppt/slides/slide15.xml><?xml version="1.0" encoding="utf-8"?>
+<p:sld xmlns:a="http://schemas.openxmlformats.org/drawingml/2006/main" xmlns:r="http://schemas.openxmlformats.org/officeDocument/2006/relationships" xmlns:p="http://schemas.openxmlformats.org/presentationml/2006/main">
+  <p:cSld>
+    <p:spTree>
+      <p:nvGrpSpPr>
+        <p:cNvPr id="1" name=""/>
+        <p:cNvGrpSpPr/>
+        <p:nvPr/>
+      </p:nvGrpSpPr>
+      <p:grpSpPr>
+        <a:xfrm>
+          <a:off x="0" y="0"/>
+          <a:ext cx="0" cy="0"/>
+          <a:chOff x="0" y="0"/>
+          <a:chExt cx="0" cy="0"/>
+        </a:xfrm>
+      </p:grpSpPr>
+      <p:sp>
+        <p:nvSpPr>
+          <p:cNvPr id="2" name="Title 1">
+            <a:extLst>
+              <a:ext uri="{FF2B5EF4-FFF2-40B4-BE49-F238E27FC236}">
+                <a16:creationId xmlns:a16="http://schemas.microsoft.com/office/drawing/2014/main" id="{0B184ABF-6700-42B4-8DC2-A9C553802349}"/>
+              </a:ext>
+            </a:extLst>
+          </p:cNvPr>
+          <p:cNvSpPr>
+            <a:spLocks noGrp="1"/>
+          </p:cNvSpPr>
+          <p:nvPr>
+            <p:ph type="title"/>
+          </p:nvPr>
+        </p:nvSpPr>
+        <p:spPr/>
+        <p:txBody>
+          <a:bodyPr/>
+          <a:lstStyle/>
+          <a:p>
+            <a:r>
+              <a:rPr lang="en-US" dirty="0"/>
+              <a:t>Conclusions </a:t>
+            </a:r>
+          </a:p>
+        </p:txBody>
+      </p:sp>
+      <p:sp>
+        <p:nvSpPr>
+          <p:cNvPr id="3" name="Content Placeholder 2">
+            <a:extLst>
+              <a:ext uri="{FF2B5EF4-FFF2-40B4-BE49-F238E27FC236}">
+                <a16:creationId xmlns:a16="http://schemas.microsoft.com/office/drawing/2014/main" id="{F8FF6509-9566-4270-9830-E9736732D511}"/>
+              </a:ext>
+            </a:extLst>
+          </p:cNvPr>
+          <p:cNvSpPr>
+            <a:spLocks noGrp="1"/>
+          </p:cNvSpPr>
+          <p:nvPr>
+            <p:ph idx="1"/>
+          </p:nvPr>
+        </p:nvSpPr>
+        <p:spPr/>
+        <p:txBody>
+          <a:bodyPr/>
+          <a:lstStyle/>
+          <a:p>
+            <a:r>
+              <a:rPr lang="en-US" dirty="0"/>
+              <a:t>How do our finding impact the world at large ?</a:t>
+            </a:r>
+          </a:p>
+          <a:p>
+            <a:r>
+              <a:rPr lang="en-US" dirty="0"/>
+              <a:t>What’s important about this work?</a:t>
+            </a:r>
+          </a:p>
+          <a:p>
+            <a:r>
+              <a:rPr lang="en-US" dirty="0"/>
+              <a:t>Big picture information</a:t>
+            </a:r>
+          </a:p>
+        </p:txBody>
+      </p:sp>
+    </p:spTree>
+    <p:extLst>
+      <p:ext uri="{BB962C8B-B14F-4D97-AF65-F5344CB8AC3E}">
+        <p14:creationId xmlns:p14="http://schemas.microsoft.com/office/powerpoint/2010/main" val="116506263"/>
+      </p:ext>
+    </p:extLst>
+  </p:cSld>
+  <p:clrMapOvr>
+    <a:masterClrMapping/>
+  </p:clrMapOvr>
+</p:sld>
+</file>
+
+<file path=ppt/slides/slide16.xml><?xml version="1.0" encoding="utf-8"?>
+<p:sld xmlns:a="http://schemas.openxmlformats.org/drawingml/2006/main" xmlns:r="http://schemas.openxmlformats.org/officeDocument/2006/relationships" xmlns:p="http://schemas.openxmlformats.org/presentationml/2006/main">
+  <p:cSld>
+    <p:spTree>
+      <p:nvGrpSpPr>
+        <p:cNvPr id="1" name=""/>
+        <p:cNvGrpSpPr/>
+        <p:nvPr/>
+      </p:nvGrpSpPr>
+      <p:grpSpPr>
+        <a:xfrm>
+          <a:off x="0" y="0"/>
+          <a:ext cx="0" cy="0"/>
+          <a:chOff x="0" y="0"/>
+          <a:chExt cx="0" cy="0"/>
+        </a:xfrm>
+      </p:grpSpPr>
+      <p:sp>
+        <p:nvSpPr>
+          <p:cNvPr id="2" name="Title 1">
+            <a:extLst>
+              <a:ext uri="{FF2B5EF4-FFF2-40B4-BE49-F238E27FC236}">
+                <a16:creationId xmlns:a16="http://schemas.microsoft.com/office/drawing/2014/main" id="{23AFA9E5-2E88-4817-9958-14EEE121A83B}"/>
+              </a:ext>
+            </a:extLst>
+          </p:cNvPr>
+          <p:cNvSpPr>
+            <a:spLocks noGrp="1"/>
+          </p:cNvSpPr>
+          <p:nvPr>
+            <p:ph type="title"/>
+          </p:nvPr>
+        </p:nvSpPr>
+        <p:spPr>
+          <a:xfrm>
+            <a:off x="838200" y="2270125"/>
+            <a:ext cx="10515600" cy="1325563"/>
+          </a:xfrm>
+        </p:spPr>
+        <p:txBody>
+          <a:bodyPr>
+            <a:noAutofit/>
+          </a:bodyPr>
+          <a:lstStyle/>
+          <a:p>
+            <a:pPr algn="ctr"/>
+            <a:r>
+              <a:rPr lang="en-US" sz="9600" dirty="0"/>
+              <a:t>QUESTIONS?</a:t>
+            </a:r>
+          </a:p>
+        </p:txBody>
+      </p:sp>
+    </p:spTree>
+    <p:extLst>
+      <p:ext uri="{BB962C8B-B14F-4D97-AF65-F5344CB8AC3E}">
+        <p14:creationId xmlns:p14="http://schemas.microsoft.com/office/powerpoint/2010/main" val="1088550288"/>
+      </p:ext>
+    </p:extLst>
+  </p:cSld>
+  <p:clrMapOvr>
+    <a:masterClrMapping/>
+  </p:clrMapOvr>
+</p:sld>
+</file>
+
+<file path=ppt/slides/slide17.xml><?xml version="1.0" encoding="utf-8"?>
 <p:sld xmlns:a="http://schemas.openxmlformats.org/drawingml/2006/main" xmlns:r="http://schemas.openxmlformats.org/officeDocument/2006/relationships" xmlns:p="http://schemas.openxmlformats.org/presentationml/2006/main">
   <p:cSld>
     <p:spTree>
@@ -4309,7 +4915,7 @@
           <p:cNvPr id="2" name="Title 1">
             <a:extLst>
               <a:ext uri="{FF2B5EF4-FFF2-40B4-BE49-F238E27FC236}">
-                <a16:creationId xmlns:a16="http://schemas.microsoft.com/office/drawing/2014/main" id="{8BFC824E-D1EC-4F94-9986-567B20CFA1E4}"/>
+                <a16:creationId xmlns:a16="http://schemas.microsoft.com/office/drawing/2014/main" id="{FEE53610-4C91-4759-B0D9-E8B590BE3506}"/>
               </a:ext>
             </a:extLst>
           </p:cNvPr>
@@ -4327,7 +4933,7 @@
           <a:p>
             <a:r>
               <a:rPr lang="en-US" dirty="0"/>
-              <a:t>Overview of the Presentation </a:t>
+              <a:t>Racheal</a:t>
             </a:r>
           </a:p>
         </p:txBody>
@@ -4337,7 +4943,7 @@
           <p:cNvPr id="3" name="Content Placeholder 2">
             <a:extLst>
               <a:ext uri="{FF2B5EF4-FFF2-40B4-BE49-F238E27FC236}">
-                <a16:creationId xmlns:a16="http://schemas.microsoft.com/office/drawing/2014/main" id="{EBB3FD2F-9977-4D9A-B6B5-CE9E743E0E66}"/>
+                <a16:creationId xmlns:a16="http://schemas.microsoft.com/office/drawing/2014/main" id="{3BD577B9-839F-4F83-8848-2656FE4E4323}"/>
               </a:ext>
             </a:extLst>
           </p:cNvPr>
@@ -4355,19 +4961,31 @@
           <a:p>
             <a:r>
               <a:rPr lang="en-US" dirty="0"/>
-              <a:t>What is COVID-19</a:t>
+              <a:t>Bachelors degree in Biology from UMass Boston</a:t>
             </a:r>
           </a:p>
           <a:p>
             <a:r>
               <a:rPr lang="en-US" dirty="0"/>
-              <a:t>What are the impacts of COVID-19 to the world in General</a:t>
+              <a:t>I am a Lab Technician that specializes in Plasmid DNA extractions.</a:t>
             </a:r>
           </a:p>
           <a:p>
             <a:r>
               <a:rPr lang="en-US" dirty="0"/>
-              <a:t>Why we chose California </a:t>
+              <a:t>I don’t know how I got here, I just followed the will of God for my life.</a:t>
+            </a:r>
+          </a:p>
+          <a:p>
+            <a:r>
+              <a:rPr lang="en-US" dirty="0"/>
+              <a:t>Free time? What free time?: I like to take naps, teach kids at church, sing and dance. </a:t>
+            </a:r>
+          </a:p>
+          <a:p>
+            <a:r>
+              <a:rPr lang="en-US" dirty="0"/>
+              <a:t>Favorite fruit is watermelon</a:t>
             </a:r>
           </a:p>
         </p:txBody>
@@ -4375,7 +4993,7 @@
     </p:spTree>
     <p:extLst>
       <p:ext uri="{BB962C8B-B14F-4D97-AF65-F5344CB8AC3E}">
-        <p14:creationId xmlns:p14="http://schemas.microsoft.com/office/powerpoint/2010/main" val="4029123039"/>
+        <p14:creationId xmlns:p14="http://schemas.microsoft.com/office/powerpoint/2010/main" val="965260268"/>
       </p:ext>
     </p:extLst>
   </p:cSld>
@@ -4407,7 +5025,7 @@
           <p:cNvPr id="2" name="Title 1">
             <a:extLst>
               <a:ext uri="{FF2B5EF4-FFF2-40B4-BE49-F238E27FC236}">
-                <a16:creationId xmlns:a16="http://schemas.microsoft.com/office/drawing/2014/main" id="{46F4043B-3880-4E51-A104-492328CE5E0A}"/>
+                <a16:creationId xmlns:a16="http://schemas.microsoft.com/office/drawing/2014/main" id="{FEE53610-4C91-4759-B0D9-E8B590BE3506}"/>
               </a:ext>
             </a:extLst>
           </p:cNvPr>
@@ -4425,7 +5043,7 @@
           <a:p>
             <a:r>
               <a:rPr lang="en-US" dirty="0"/>
-              <a:t>Overview</a:t>
+              <a:t>Elijah</a:t>
             </a:r>
           </a:p>
         </p:txBody>
@@ -4435,7 +5053,7 @@
           <p:cNvPr id="3" name="Content Placeholder 2">
             <a:extLst>
               <a:ext uri="{FF2B5EF4-FFF2-40B4-BE49-F238E27FC236}">
-                <a16:creationId xmlns:a16="http://schemas.microsoft.com/office/drawing/2014/main" id="{86068946-1436-49DF-99C4-3099F7F18D30}"/>
+                <a16:creationId xmlns:a16="http://schemas.microsoft.com/office/drawing/2014/main" id="{3BD577B9-839F-4F83-8848-2656FE4E4323}"/>
               </a:ext>
             </a:extLst>
           </p:cNvPr>
@@ -4451,131 +5069,27 @@
           <a:bodyPr/>
           <a:lstStyle/>
           <a:p>
-            <a:pPr algn="l">
-              <a:buFont typeface="Arial" panose="020B0604020202020204" pitchFamily="34" charset="0"/>
-              <a:buChar char="•"/>
-            </a:pPr>
-            <a:r>
-              <a:rPr lang="en-US" b="0" i="0" dirty="0">
-                <a:solidFill>
-                  <a:srgbClr val="333333"/>
-                </a:solidFill>
-                <a:effectLst/>
-                <a:latin typeface="Montserrat"/>
-              </a:rPr>
-              <a:t>Title Slide</a:t>
-            </a:r>
-          </a:p>
-          <a:p>
-            <a:pPr algn="l">
-              <a:buFont typeface="Arial" panose="020B0604020202020204" pitchFamily="34" charset="0"/>
-              <a:buChar char="•"/>
-            </a:pPr>
-            <a:r>
-              <a:rPr lang="en-US" b="0" i="0" dirty="0">
-                <a:solidFill>
-                  <a:srgbClr val="333333"/>
-                </a:solidFill>
-                <a:effectLst/>
-                <a:latin typeface="Montserrat"/>
-              </a:rPr>
-              <a:t>Your Background</a:t>
-            </a:r>
-          </a:p>
-          <a:p>
-            <a:pPr algn="l">
-              <a:buFont typeface="Arial" panose="020B0604020202020204" pitchFamily="34" charset="0"/>
-              <a:buChar char="•"/>
-            </a:pPr>
-            <a:r>
-              <a:rPr lang="en-US" b="0" i="0" dirty="0">
-                <a:solidFill>
-                  <a:srgbClr val="333333"/>
-                </a:solidFill>
-                <a:effectLst/>
-                <a:latin typeface="Montserrat"/>
-              </a:rPr>
-              <a:t>Project Introduction / Background</a:t>
-            </a:r>
-          </a:p>
-          <a:p>
-            <a:pPr algn="l">
-              <a:buFont typeface="Arial" panose="020B0604020202020204" pitchFamily="34" charset="0"/>
-              <a:buChar char="•"/>
-            </a:pPr>
-            <a:r>
-              <a:rPr lang="en-US" b="0" i="0" dirty="0">
-                <a:solidFill>
-                  <a:srgbClr val="333333"/>
-                </a:solidFill>
-                <a:effectLst/>
-                <a:latin typeface="Montserrat"/>
-              </a:rPr>
-              <a:t>Methods</a:t>
-            </a:r>
-          </a:p>
-          <a:p>
-            <a:pPr algn="l">
-              <a:buFont typeface="Arial" panose="020B0604020202020204" pitchFamily="34" charset="0"/>
-              <a:buChar char="•"/>
-            </a:pPr>
-            <a:r>
-              <a:rPr lang="en-US" b="0" i="0" dirty="0">
-                <a:solidFill>
-                  <a:srgbClr val="333333"/>
-                </a:solidFill>
-                <a:effectLst/>
-                <a:latin typeface="Montserrat"/>
-              </a:rPr>
-              <a:t>Results</a:t>
-            </a:r>
-          </a:p>
-          <a:p>
-            <a:pPr algn="l">
-              <a:buFont typeface="Arial" panose="020B0604020202020204" pitchFamily="34" charset="0"/>
-              <a:buChar char="•"/>
-            </a:pPr>
-            <a:r>
-              <a:rPr lang="en-US" b="0" i="0" dirty="0">
-                <a:solidFill>
-                  <a:srgbClr val="333333"/>
-                </a:solidFill>
-                <a:effectLst/>
-                <a:latin typeface="Montserrat"/>
-              </a:rPr>
-              <a:t>Summary</a:t>
-            </a:r>
-          </a:p>
-          <a:p>
-            <a:pPr algn="l">
-              <a:buFont typeface="Arial" panose="020B0604020202020204" pitchFamily="34" charset="0"/>
-              <a:buChar char="•"/>
-            </a:pPr>
-            <a:r>
-              <a:rPr lang="en-US" b="0" i="0" dirty="0">
-                <a:solidFill>
-                  <a:srgbClr val="333333"/>
-                </a:solidFill>
-                <a:effectLst/>
-                <a:latin typeface="Montserrat"/>
-              </a:rPr>
-              <a:t>Conclusions</a:t>
-            </a:r>
-          </a:p>
-          <a:p>
-            <a:pPr algn="l">
-              <a:buFont typeface="Arial" panose="020B0604020202020204" pitchFamily="34" charset="0"/>
-              <a:buChar char="•"/>
-            </a:pPr>
-            <a:r>
-              <a:rPr lang="en-US" b="0" i="0" dirty="0">
-                <a:solidFill>
-                  <a:srgbClr val="333333"/>
-                </a:solidFill>
-                <a:effectLst/>
-                <a:latin typeface="Montserrat"/>
-              </a:rPr>
-              <a:t>Questions</a:t>
+            <a:r>
+              <a:rPr lang="en-US" dirty="0"/>
+              <a:t>Previous education </a:t>
+            </a:r>
+          </a:p>
+          <a:p>
+            <a:r>
+              <a:rPr lang="en-US" dirty="0"/>
+              <a:t>Employment or were you were last employed or subject matter expertise</a:t>
+            </a:r>
+          </a:p>
+          <a:p>
+            <a:r>
+              <a:rPr lang="en-US" dirty="0"/>
+              <a:t>What do you do in your free time </a:t>
+            </a:r>
+          </a:p>
+          <a:p>
+            <a:r>
+              <a:rPr lang="en-US" dirty="0"/>
+              <a:t>Favorite fruit</a:t>
             </a:r>
           </a:p>
           <a:p>
@@ -4586,7 +5100,7 @@
     </p:spTree>
     <p:extLst>
       <p:ext uri="{BB962C8B-B14F-4D97-AF65-F5344CB8AC3E}">
-        <p14:creationId xmlns:p14="http://schemas.microsoft.com/office/powerpoint/2010/main" val="1115756292"/>
+        <p14:creationId xmlns:p14="http://schemas.microsoft.com/office/powerpoint/2010/main" val="499878534"/>
       </p:ext>
     </p:extLst>
   </p:cSld>
@@ -4618,7 +5132,7 @@
           <p:cNvPr id="2" name="Title 1">
             <a:extLst>
               <a:ext uri="{FF2B5EF4-FFF2-40B4-BE49-F238E27FC236}">
-                <a16:creationId xmlns:a16="http://schemas.microsoft.com/office/drawing/2014/main" id="{8ACC9718-8B84-4DBA-AB23-D7555D1F77AE}"/>
+                <a16:creationId xmlns:a16="http://schemas.microsoft.com/office/drawing/2014/main" id="{FEE53610-4C91-4759-B0D9-E8B590BE3506}"/>
               </a:ext>
             </a:extLst>
           </p:cNvPr>
@@ -4635,42 +5149,65 @@
           <a:lstStyle/>
           <a:p>
             <a:r>
-              <a:rPr lang="en-US"/>
-              <a:t>Background</a:t>
-            </a:r>
+              <a:rPr lang="en-US" dirty="0"/>
+              <a:t>Mark</a:t>
+            </a:r>
+          </a:p>
+        </p:txBody>
+      </p:sp>
+      <p:sp>
+        <p:nvSpPr>
+          <p:cNvPr id="3" name="Content Placeholder 2">
+            <a:extLst>
+              <a:ext uri="{FF2B5EF4-FFF2-40B4-BE49-F238E27FC236}">
+                <a16:creationId xmlns:a16="http://schemas.microsoft.com/office/drawing/2014/main" id="{3BD577B9-839F-4F83-8848-2656FE4E4323}"/>
+              </a:ext>
+            </a:extLst>
+          </p:cNvPr>
+          <p:cNvSpPr>
+            <a:spLocks noGrp="1"/>
+          </p:cNvSpPr>
+          <p:nvPr>
+            <p:ph idx="1"/>
+          </p:nvPr>
+        </p:nvSpPr>
+        <p:spPr/>
+        <p:txBody>
+          <a:bodyPr/>
+          <a:lstStyle/>
+          <a:p>
+            <a:r>
+              <a:rPr lang="en-US" dirty="0"/>
+              <a:t>Previous education </a:t>
+            </a:r>
+          </a:p>
+          <a:p>
+            <a:r>
+              <a:rPr lang="en-US" dirty="0"/>
+              <a:t>Employment or were you were last employed or subject matter expertise</a:t>
+            </a:r>
+          </a:p>
+          <a:p>
+            <a:r>
+              <a:rPr lang="en-US" dirty="0"/>
+              <a:t>What do you do in your free time </a:t>
+            </a:r>
+          </a:p>
+          <a:p>
+            <a:r>
+              <a:rPr lang="en-US" dirty="0"/>
+              <a:t>Favorite fruit</a:t>
+            </a:r>
+          </a:p>
+          <a:p>
             <a:endParaRPr lang="en-US" dirty="0"/>
-          </a:p>
-        </p:txBody>
-      </p:sp>
-      <p:sp>
-        <p:nvSpPr>
-          <p:cNvPr id="3" name="Content Placeholder 2">
-            <a:extLst>
-              <a:ext uri="{FF2B5EF4-FFF2-40B4-BE49-F238E27FC236}">
-                <a16:creationId xmlns:a16="http://schemas.microsoft.com/office/drawing/2014/main" id="{39A47145-3EC6-42DB-BBD7-9FCEE02FF15F}"/>
-              </a:ext>
-            </a:extLst>
-          </p:cNvPr>
-          <p:cNvSpPr>
-            <a:spLocks noGrp="1"/>
-          </p:cNvSpPr>
-          <p:nvPr>
-            <p:ph idx="1"/>
-          </p:nvPr>
-        </p:nvSpPr>
-        <p:spPr/>
-        <p:txBody>
-          <a:bodyPr/>
-          <a:lstStyle/>
-          <a:p>
-            <a:endParaRPr lang="en-US"/>
           </a:p>
         </p:txBody>
       </p:sp>
     </p:spTree>
     <p:extLst>
       <p:ext uri="{BB962C8B-B14F-4D97-AF65-F5344CB8AC3E}">
-        <p14:creationId xmlns:p14="http://schemas.microsoft.com/office/powerpoint/2010/main" val="2342924608"/>
+        <p14:creationId xmlns:p14="http://schemas.microsoft.com/office/powerpoint/2010/main" val="2297697946"/>
       </p:ext>
     </p:extLst>
   </p:cSld>
@@ -4681,6 +5218,104 @@
 </file>
 
 <file path=ppt/slides/slide5.xml><?xml version="1.0" encoding="utf-8"?>
+<p:sld xmlns:a="http://schemas.openxmlformats.org/drawingml/2006/main" xmlns:r="http://schemas.openxmlformats.org/officeDocument/2006/relationships" xmlns:p="http://schemas.openxmlformats.org/presentationml/2006/main">
+  <p:cSld>
+    <p:spTree>
+      <p:nvGrpSpPr>
+        <p:cNvPr id="1" name=""/>
+        <p:cNvGrpSpPr/>
+        <p:nvPr/>
+      </p:nvGrpSpPr>
+      <p:grpSpPr>
+        <a:xfrm>
+          <a:off x="0" y="0"/>
+          <a:ext cx="0" cy="0"/>
+          <a:chOff x="0" y="0"/>
+          <a:chExt cx="0" cy="0"/>
+        </a:xfrm>
+      </p:grpSpPr>
+      <p:sp>
+        <p:nvSpPr>
+          <p:cNvPr id="2" name="Title 1">
+            <a:extLst>
+              <a:ext uri="{FF2B5EF4-FFF2-40B4-BE49-F238E27FC236}">
+                <a16:creationId xmlns:a16="http://schemas.microsoft.com/office/drawing/2014/main" id="{8BFC824E-D1EC-4F94-9986-567B20CFA1E4}"/>
+              </a:ext>
+            </a:extLst>
+          </p:cNvPr>
+          <p:cNvSpPr>
+            <a:spLocks noGrp="1"/>
+          </p:cNvSpPr>
+          <p:nvPr>
+            <p:ph type="title"/>
+          </p:nvPr>
+        </p:nvSpPr>
+        <p:spPr/>
+        <p:txBody>
+          <a:bodyPr/>
+          <a:lstStyle/>
+          <a:p>
+            <a:r>
+              <a:rPr lang="en-US" dirty="0"/>
+              <a:t>Project introduction ? Background</a:t>
+            </a:r>
+          </a:p>
+        </p:txBody>
+      </p:sp>
+      <p:sp>
+        <p:nvSpPr>
+          <p:cNvPr id="3" name="Content Placeholder 2">
+            <a:extLst>
+              <a:ext uri="{FF2B5EF4-FFF2-40B4-BE49-F238E27FC236}">
+                <a16:creationId xmlns:a16="http://schemas.microsoft.com/office/drawing/2014/main" id="{EBB3FD2F-9977-4D9A-B6B5-CE9E743E0E66}"/>
+              </a:ext>
+            </a:extLst>
+          </p:cNvPr>
+          <p:cNvSpPr>
+            <a:spLocks noGrp="1"/>
+          </p:cNvSpPr>
+          <p:nvPr>
+            <p:ph idx="1"/>
+          </p:nvPr>
+        </p:nvSpPr>
+        <p:spPr/>
+        <p:txBody>
+          <a:bodyPr/>
+          <a:lstStyle/>
+          <a:p>
+            <a:r>
+              <a:rPr lang="en-US" dirty="0"/>
+              <a:t>What is COVID-19</a:t>
+            </a:r>
+          </a:p>
+          <a:p>
+            <a:r>
+              <a:rPr lang="en-US" dirty="0"/>
+              <a:t>What are the impacts of COVID-19 to the world in General</a:t>
+            </a:r>
+          </a:p>
+          <a:p>
+            <a:r>
+              <a:rPr lang="en-US" dirty="0"/>
+              <a:t>Why we chose California </a:t>
+            </a:r>
+          </a:p>
+        </p:txBody>
+      </p:sp>
+    </p:spTree>
+    <p:extLst>
+      <p:ext uri="{BB962C8B-B14F-4D97-AF65-F5344CB8AC3E}">
+        <p14:creationId xmlns:p14="http://schemas.microsoft.com/office/powerpoint/2010/main" val="4029123039"/>
+      </p:ext>
+    </p:extLst>
+  </p:cSld>
+  <p:clrMapOvr>
+    <a:masterClrMapping/>
+  </p:clrMapOvr>
+</p:sld>
+</file>
+
+<file path=ppt/slides/slide6.xml><?xml version="1.0" encoding="utf-8"?>
 <p:sld xmlns:a="http://schemas.openxmlformats.org/drawingml/2006/main" xmlns:r="http://schemas.openxmlformats.org/officeDocument/2006/relationships" xmlns:p="http://schemas.openxmlformats.org/presentationml/2006/main">
   <p:cSld>
     <p:spTree>
@@ -4946,7 +5581,7 @@
 </p:sld>
 </file>
 
-<file path=ppt/slides/slide6.xml><?xml version="1.0" encoding="utf-8"?>
+<file path=ppt/slides/slide7.xml><?xml version="1.0" encoding="utf-8"?>
 <p:sld xmlns:a="http://schemas.openxmlformats.org/drawingml/2006/main" xmlns:r="http://schemas.openxmlformats.org/officeDocument/2006/relationships" xmlns:p="http://schemas.openxmlformats.org/presentationml/2006/main">
   <p:cSld>
     <p:spTree>
@@ -5187,7 +5822,7 @@
 </p:sld>
 </file>
 
-<file path=ppt/slides/slide7.xml><?xml version="1.0" encoding="utf-8"?>
+<file path=ppt/slides/slide8.xml><?xml version="1.0" encoding="utf-8"?>
 <p:sld xmlns:a="http://schemas.openxmlformats.org/drawingml/2006/main" xmlns:r="http://schemas.openxmlformats.org/officeDocument/2006/relationships" xmlns:p="http://schemas.openxmlformats.org/presentationml/2006/main">
   <p:cSld>
     <p:spTree>
@@ -5415,105 +6050,6 @@
 </p:sld>
 </file>
 
-<file path=ppt/slides/slide8.xml><?xml version="1.0" encoding="utf-8"?>
-<p:sld xmlns:a="http://schemas.openxmlformats.org/drawingml/2006/main" xmlns:r="http://schemas.openxmlformats.org/officeDocument/2006/relationships" xmlns:p="http://schemas.openxmlformats.org/presentationml/2006/main">
-  <p:cSld>
-    <p:spTree>
-      <p:nvGrpSpPr>
-        <p:cNvPr id="1" name=""/>
-        <p:cNvGrpSpPr/>
-        <p:nvPr/>
-      </p:nvGrpSpPr>
-      <p:grpSpPr>
-        <a:xfrm>
-          <a:off x="0" y="0"/>
-          <a:ext cx="0" cy="0"/>
-          <a:chOff x="0" y="0"/>
-          <a:chExt cx="0" cy="0"/>
-        </a:xfrm>
-      </p:grpSpPr>
-      <p:sp>
-        <p:nvSpPr>
-          <p:cNvPr id="2" name="Title 1">
-            <a:extLst>
-              <a:ext uri="{FF2B5EF4-FFF2-40B4-BE49-F238E27FC236}">
-                <a16:creationId xmlns:a16="http://schemas.microsoft.com/office/drawing/2014/main" id="{EBDBA0B3-9761-496D-BE50-CBBF4D707068}"/>
-              </a:ext>
-            </a:extLst>
-          </p:cNvPr>
-          <p:cNvSpPr>
-            <a:spLocks noGrp="1"/>
-          </p:cNvSpPr>
-          <p:nvPr>
-            <p:ph type="title"/>
-          </p:nvPr>
-        </p:nvSpPr>
-        <p:spPr>
-          <a:xfrm>
-            <a:off x="838200" y="-125763"/>
-            <a:ext cx="10515600" cy="1325563"/>
-          </a:xfrm>
-        </p:spPr>
-        <p:txBody>
-          <a:bodyPr/>
-          <a:lstStyle/>
-          <a:p>
-            <a:pPr algn="ctr"/>
-            <a:r>
-              <a:rPr lang="en-US" dirty="0"/>
-              <a:t>IMPACT OF COVID-19 </a:t>
-            </a:r>
-          </a:p>
-        </p:txBody>
-      </p:sp>
-      <p:pic>
-        <p:nvPicPr>
-          <p:cNvPr id="5" name="Content Placeholder 4" descr="A screen shot of a computer&#10;&#10;Description automatically generated">
-            <a:extLst>
-              <a:ext uri="{FF2B5EF4-FFF2-40B4-BE49-F238E27FC236}">
-                <a16:creationId xmlns:a16="http://schemas.microsoft.com/office/drawing/2014/main" id="{85C9F263-6881-40BC-8889-7777F391537E}"/>
-              </a:ext>
-            </a:extLst>
-          </p:cNvPr>
-          <p:cNvPicPr>
-            <a:picLocks noGrp="1" noChangeAspect="1"/>
-          </p:cNvPicPr>
-          <p:nvPr>
-            <p:ph idx="1"/>
-          </p:nvPr>
-        </p:nvPicPr>
-        <p:blipFill>
-          <a:blip r:embed="rId3">
-            <a:extLst>
-              <a:ext uri="{28A0092B-C50C-407E-A947-70E740481C1C}">
-                <a14:useLocalDpi xmlns:a14="http://schemas.microsoft.com/office/drawing/2010/main" val="0"/>
-              </a:ext>
-            </a:extLst>
-          </a:blip>
-          <a:stretch>
-            <a:fillRect/>
-          </a:stretch>
-        </p:blipFill>
-        <p:spPr>
-          <a:xfrm>
-            <a:off x="0" y="1069315"/>
-            <a:ext cx="12192000" cy="4901275"/>
-          </a:xfrm>
-        </p:spPr>
-      </p:pic>
-    </p:spTree>
-    <p:extLst>
-      <p:ext uri="{BB962C8B-B14F-4D97-AF65-F5344CB8AC3E}">
-        <p14:creationId xmlns:p14="http://schemas.microsoft.com/office/powerpoint/2010/main" val="1226178468"/>
-      </p:ext>
-    </p:extLst>
-  </p:cSld>
-  <p:clrMapOvr>
-    <a:masterClrMapping/>
-  </p:clrMapOvr>
-</p:sld>
-</file>
-
 <file path=ppt/slides/slide9.xml><?xml version="1.0" encoding="utf-8"?>
 <p:sld xmlns:a="http://schemas.openxmlformats.org/drawingml/2006/main" xmlns:r="http://schemas.openxmlformats.org/officeDocument/2006/relationships" xmlns:p="http://schemas.openxmlformats.org/presentationml/2006/main">
   <p:cSld>
@@ -5536,7 +6072,7 @@
           <p:cNvPr id="2" name="Title 1">
             <a:extLst>
               <a:ext uri="{FF2B5EF4-FFF2-40B4-BE49-F238E27FC236}">
-                <a16:creationId xmlns:a16="http://schemas.microsoft.com/office/drawing/2014/main" id="{AE3B0C92-8C33-47A9-94A2-801A38F6B3E0}"/>
+                <a16:creationId xmlns:a16="http://schemas.microsoft.com/office/drawing/2014/main" id="{EBDBA0B3-9761-496D-BE50-CBBF4D707068}"/>
               </a:ext>
             </a:extLst>
           </p:cNvPr>
@@ -5549,71 +6085,61 @@
         </p:nvSpPr>
         <p:spPr>
           <a:xfrm>
-            <a:off x="838200" y="365125"/>
-            <a:ext cx="10515600" cy="1711325"/>
+            <a:off x="838200" y="-125763"/>
+            <a:ext cx="10515600" cy="1325563"/>
           </a:xfrm>
         </p:spPr>
         <p:txBody>
           <a:bodyPr/>
           <a:lstStyle/>
           <a:p>
+            <a:pPr algn="ctr"/>
             <a:r>
               <a:rPr lang="en-US" dirty="0"/>
-              <a:t>QN: Are the homeless cases equal to the general public cases.</a:t>
-            </a:r>
-          </a:p>
-        </p:txBody>
-      </p:sp>
-      <p:sp>
-        <p:nvSpPr>
-          <p:cNvPr id="3" name="Content Placeholder 2">
-            <a:extLst>
-              <a:ext uri="{FF2B5EF4-FFF2-40B4-BE49-F238E27FC236}">
-                <a16:creationId xmlns:a16="http://schemas.microsoft.com/office/drawing/2014/main" id="{9875D5FB-597C-43A6-B437-0B3C198EC566}"/>
-              </a:ext>
-            </a:extLst>
-          </p:cNvPr>
-          <p:cNvSpPr>
-            <a:spLocks noGrp="1"/>
-          </p:cNvSpPr>
+              <a:t>IMPACT OF COVID-19 </a:t>
+            </a:r>
+          </a:p>
+        </p:txBody>
+      </p:sp>
+      <p:pic>
+        <p:nvPicPr>
+          <p:cNvPr id="5" name="Content Placeholder 4" descr="A screen shot of a computer&#10;&#10;Description automatically generated">
+            <a:extLst>
+              <a:ext uri="{FF2B5EF4-FFF2-40B4-BE49-F238E27FC236}">
+                <a16:creationId xmlns:a16="http://schemas.microsoft.com/office/drawing/2014/main" id="{85C9F263-6881-40BC-8889-7777F391537E}"/>
+              </a:ext>
+            </a:extLst>
+          </p:cNvPr>
+          <p:cNvPicPr>
+            <a:picLocks noGrp="1" noChangeAspect="1"/>
+          </p:cNvPicPr>
           <p:nvPr>
             <p:ph idx="1"/>
           </p:nvPr>
-        </p:nvSpPr>
+        </p:nvPicPr>
+        <p:blipFill>
+          <a:blip r:embed="rId3">
+            <a:extLst>
+              <a:ext uri="{28A0092B-C50C-407E-A947-70E740481C1C}">
+                <a14:useLocalDpi xmlns:a14="http://schemas.microsoft.com/office/drawing/2010/main" val="0"/>
+              </a:ext>
+            </a:extLst>
+          </a:blip>
+          <a:stretch>
+            <a:fillRect/>
+          </a:stretch>
+        </p:blipFill>
         <p:spPr>
           <a:xfrm>
-            <a:off x="838200" y="2400299"/>
-            <a:ext cx="10515600" cy="3776663"/>
+            <a:off x="0" y="1069315"/>
+            <a:ext cx="12192000" cy="4901275"/>
           </a:xfrm>
         </p:spPr>
-        <p:txBody>
-          <a:bodyPr/>
-          <a:lstStyle/>
-          <a:p>
-            <a:r>
-              <a:rPr lang="en-US" dirty="0"/>
-              <a:t>We ran a one proportional z-test </a:t>
-            </a:r>
-          </a:p>
-          <a:p>
-            <a:pPr lvl="1"/>
-            <a:r>
-              <a:rPr lang="en-US" dirty="0"/>
-              <a:t>A one proportion z-test is used to compare an observed proportion to a theoretical one, when there are only 2 categories</a:t>
-            </a:r>
-          </a:p>
-          <a:p>
-            <a:r>
-              <a:rPr lang="en-US" dirty="0"/>
-              <a:t>We discovered that , the homeless cases are not equal to the general public cases. In fact that the homeless cases are only 3.8% of the positive COVID19 cases observed in San Francisco. </a:t>
-            </a:r>
-          </a:p>
-        </p:txBody>
-      </p:sp>
+      </p:pic>
     </p:spTree>
     <p:extLst>
       <p:ext uri="{BB962C8B-B14F-4D97-AF65-F5344CB8AC3E}">
-        <p14:creationId xmlns:p14="http://schemas.microsoft.com/office/powerpoint/2010/main" val="2766681524"/>
+        <p14:creationId xmlns:p14="http://schemas.microsoft.com/office/powerpoint/2010/main" val="1226178468"/>
       </p:ext>
     </p:extLst>
   </p:cSld>

--- a/RecoverdDFTppt.pptx
+++ b/RecoverdDFTppt.pptx
@@ -225,7 +225,7 @@
           <a:p>
             <a:fld id="{96F2C86F-4A2D-4626-A0AA-6F1FB8EFB446}" type="datetimeFigureOut">
               <a:rPr lang="en-US" smtClean="0"/>
-              <a:t>8/30/2020</a:t>
+              <a:t>9/2/2020</a:t>
             </a:fld>
             <a:endParaRPr lang="en-US"/>
           </a:p>
@@ -819,7 +819,7 @@
           <a:p>
             <a:fld id="{A68A2230-04CB-441E-9157-E70EC1ED1AFA}" type="datetimeFigureOut">
               <a:rPr lang="en-US" smtClean="0"/>
-              <a:t>8/30/2020</a:t>
+              <a:t>9/2/2020</a:t>
             </a:fld>
             <a:endParaRPr lang="en-US"/>
           </a:p>
@@ -1017,7 +1017,7 @@
           <a:p>
             <a:fld id="{A68A2230-04CB-441E-9157-E70EC1ED1AFA}" type="datetimeFigureOut">
               <a:rPr lang="en-US" smtClean="0"/>
-              <a:t>8/30/2020</a:t>
+              <a:t>9/2/2020</a:t>
             </a:fld>
             <a:endParaRPr lang="en-US"/>
           </a:p>
@@ -1225,7 +1225,7 @@
           <a:p>
             <a:fld id="{A68A2230-04CB-441E-9157-E70EC1ED1AFA}" type="datetimeFigureOut">
               <a:rPr lang="en-US" smtClean="0"/>
-              <a:t>8/30/2020</a:t>
+              <a:t>9/2/2020</a:t>
             </a:fld>
             <a:endParaRPr lang="en-US"/>
           </a:p>
@@ -1423,7 +1423,7 @@
           <a:p>
             <a:fld id="{A68A2230-04CB-441E-9157-E70EC1ED1AFA}" type="datetimeFigureOut">
               <a:rPr lang="en-US" smtClean="0"/>
-              <a:t>8/30/2020</a:t>
+              <a:t>9/2/2020</a:t>
             </a:fld>
             <a:endParaRPr lang="en-US"/>
           </a:p>
@@ -1698,7 +1698,7 @@
           <a:p>
             <a:fld id="{A68A2230-04CB-441E-9157-E70EC1ED1AFA}" type="datetimeFigureOut">
               <a:rPr lang="en-US" smtClean="0"/>
-              <a:t>8/30/2020</a:t>
+              <a:t>9/2/2020</a:t>
             </a:fld>
             <a:endParaRPr lang="en-US"/>
           </a:p>
@@ -1963,7 +1963,7 @@
           <a:p>
             <a:fld id="{A68A2230-04CB-441E-9157-E70EC1ED1AFA}" type="datetimeFigureOut">
               <a:rPr lang="en-US" smtClean="0"/>
-              <a:t>8/30/2020</a:t>
+              <a:t>9/2/2020</a:t>
             </a:fld>
             <a:endParaRPr lang="en-US"/>
           </a:p>
@@ -2375,7 +2375,7 @@
           <a:p>
             <a:fld id="{A68A2230-04CB-441E-9157-E70EC1ED1AFA}" type="datetimeFigureOut">
               <a:rPr lang="en-US" smtClean="0"/>
-              <a:t>8/30/2020</a:t>
+              <a:t>9/2/2020</a:t>
             </a:fld>
             <a:endParaRPr lang="en-US"/>
           </a:p>
@@ -2516,7 +2516,7 @@
           <a:p>
             <a:fld id="{A68A2230-04CB-441E-9157-E70EC1ED1AFA}" type="datetimeFigureOut">
               <a:rPr lang="en-US" smtClean="0"/>
-              <a:t>8/30/2020</a:t>
+              <a:t>9/2/2020</a:t>
             </a:fld>
             <a:endParaRPr lang="en-US"/>
           </a:p>
@@ -2629,7 +2629,7 @@
           <a:p>
             <a:fld id="{A68A2230-04CB-441E-9157-E70EC1ED1AFA}" type="datetimeFigureOut">
               <a:rPr lang="en-US" smtClean="0"/>
-              <a:t>8/30/2020</a:t>
+              <a:t>9/2/2020</a:t>
             </a:fld>
             <a:endParaRPr lang="en-US"/>
           </a:p>
@@ -2940,7 +2940,7 @@
           <a:p>
             <a:fld id="{A68A2230-04CB-441E-9157-E70EC1ED1AFA}" type="datetimeFigureOut">
               <a:rPr lang="en-US" smtClean="0"/>
-              <a:t>8/30/2020</a:t>
+              <a:t>9/2/2020</a:t>
             </a:fld>
             <a:endParaRPr lang="en-US"/>
           </a:p>
@@ -3228,7 +3228,7 @@
           <a:p>
             <a:fld id="{A68A2230-04CB-441E-9157-E70EC1ED1AFA}" type="datetimeFigureOut">
               <a:rPr lang="en-US" smtClean="0"/>
-              <a:t>8/30/2020</a:t>
+              <a:t>9/2/2020</a:t>
             </a:fld>
             <a:endParaRPr lang="en-US"/>
           </a:p>
@@ -3469,7 +3469,7 @@
           <a:p>
             <a:fld id="{A68A2230-04CB-441E-9157-E70EC1ED1AFA}" type="datetimeFigureOut">
               <a:rPr lang="en-US" smtClean="0"/>
-              <a:t>8/30/2020</a:t>
+              <a:t>9/2/2020</a:t>
             </a:fld>
             <a:endParaRPr lang="en-US"/>
           </a:p>
@@ -5071,25 +5071,25 @@
           <a:p>
             <a:r>
               <a:rPr lang="en-US" dirty="0"/>
-              <a:t>Previous education </a:t>
+              <a:t>AS in science from  New Mexico Military Institute </a:t>
             </a:r>
           </a:p>
           <a:p>
             <a:r>
               <a:rPr lang="en-US" dirty="0"/>
-              <a:t>Employment or were you were last employed or subject matter expertise</a:t>
+              <a:t>I am a CNC machine operator for Sauer Machining LLC</a:t>
             </a:r>
           </a:p>
           <a:p>
             <a:r>
               <a:rPr lang="en-US" dirty="0"/>
-              <a:t>What do you do in your free time </a:t>
+              <a:t>I am an avid reader and podcast listener and love to go in-depth in to the newest technologies and fields as well as a good Tolkien novel.  </a:t>
             </a:r>
           </a:p>
           <a:p>
             <a:r>
               <a:rPr lang="en-US" dirty="0"/>
-              <a:t>Favorite fruit</a:t>
+              <a:t>Peach_ specifically my hometown Fredericksburg peaches </a:t>
             </a:r>
           </a:p>
           <a:p>

--- a/RecoverdDFTppt.pptx
+++ b/RecoverdDFTppt.pptx
@@ -4044,12 +4044,8 @@
           <a:p>
             <a:pPr lvl="1"/>
             <a:r>
-              <a:rPr lang="en-US" dirty="0" err="1"/>
-              <a:t>Manupilate</a:t>
-            </a:r>
-            <a:r>
               <a:rPr lang="en-US" dirty="0"/>
-              <a:t>/wrangle data </a:t>
+              <a:t>Manipulate/wrangle data </a:t>
             </a:r>
           </a:p>
           <a:p>
@@ -5178,25 +5174,25 @@
           <a:p>
             <a:r>
               <a:rPr lang="en-US" dirty="0"/>
-              <a:t>Previous education </a:t>
+              <a:t>AS in computer and information science.</a:t>
             </a:r>
           </a:p>
           <a:p>
             <a:r>
               <a:rPr lang="en-US" dirty="0"/>
-              <a:t>Employment or were you were last employed or subject matter expertise</a:t>
+              <a:t>IT support Engineer for the past 5 years. 3 of those, I used to work for PCC Structurals Inc which specializes in Jet Engine Manufacturing and I was responsible for 2 big manufactures with my other colleague. </a:t>
             </a:r>
           </a:p>
           <a:p>
             <a:r>
               <a:rPr lang="en-US" dirty="0"/>
-              <a:t>What do you do in your free time </a:t>
+              <a:t>I enjoy playing the piano and worship God with it in my free time, get together with my friends on the weekend. We hang out, watch movies and play games. So much fun. </a:t>
             </a:r>
           </a:p>
           <a:p>
             <a:r>
               <a:rPr lang="en-US" dirty="0"/>
-              <a:t>Favorite fruit</a:t>
+              <a:t>I adore bananas. I’m known by “king of bananas” among my friends and family. The sweetest fruit on the plant that everybody loves. </a:t>
             </a:r>
           </a:p>
           <a:p>

--- a/RecoverdDFTppt.pptx
+++ b/RecoverdDFTppt.pptx
@@ -4044,12 +4044,8 @@
           <a:p>
             <a:pPr lvl="1"/>
             <a:r>
-              <a:rPr lang="en-US" dirty="0" err="1"/>
-              <a:t>Manupilate</a:t>
-            </a:r>
-            <a:r>
               <a:rPr lang="en-US" dirty="0"/>
-              <a:t>/wrangle data </a:t>
+              <a:t>Manipulate/wrangle data </a:t>
             </a:r>
           </a:p>
           <a:p>
